--- a/LC/LC 14 Liaisons chimique (lycée)/LC 14 diapo.pptx
+++ b/LC/LC 14 Liaisons chimique (lycée)/LC 14 diapo.pptx
@@ -7,12 +7,25 @@
     <p:sldMasterId id="2147483709" r:id="rId3"/>
   </p:sldMasterIdLst>
   <p:notesMasterIdLst>
-    <p:notesMasterId r:id="rId7"/>
+    <p:notesMasterId r:id="rId20"/>
   </p:notesMasterIdLst>
   <p:sldIdLst>
     <p:sldId id="257" r:id="rId4"/>
     <p:sldId id="259" r:id="rId5"/>
-    <p:sldId id="258" r:id="rId6"/>
+    <p:sldId id="260" r:id="rId6"/>
+    <p:sldId id="261" r:id="rId7"/>
+    <p:sldId id="262" r:id="rId8"/>
+    <p:sldId id="263" r:id="rId9"/>
+    <p:sldId id="264" r:id="rId10"/>
+    <p:sldId id="265" r:id="rId11"/>
+    <p:sldId id="266" r:id="rId12"/>
+    <p:sldId id="267" r:id="rId13"/>
+    <p:sldId id="268" r:id="rId14"/>
+    <p:sldId id="269" r:id="rId15"/>
+    <p:sldId id="270" r:id="rId16"/>
+    <p:sldId id="271" r:id="rId17"/>
+    <p:sldId id="272" r:id="rId18"/>
+    <p:sldId id="258" r:id="rId19"/>
   </p:sldIdLst>
   <p:sldSz cx="9144000" cy="5145088"/>
   <p:notesSz cx="7559675" cy="10691813"/>
@@ -201,7 +214,7 @@
           <a:p>
             <a:fld id="{E92782F5-A916-4653-9283-0B21DAE59FD2}" type="datetimeFigureOut">
               <a:rPr lang="fr-FR" smtClean="0"/>
-              <a:t>2020-04-22</a:t>
+              <a:t>2020-04-23</a:t>
             </a:fld>
             <a:endParaRPr lang="fr-FR"/>
           </a:p>
@@ -3217,6 +3230,2626 @@
 </p:sld>
 </file>
 
+<file path=ppt/slides/slide10.xml><?xml version="1.0" encoding="utf-8"?>
+<p:sld xmlns:a="http://schemas.openxmlformats.org/drawingml/2006/main" xmlns:r="http://schemas.openxmlformats.org/officeDocument/2006/relationships" xmlns:p="http://schemas.openxmlformats.org/presentationml/2006/main">
+  <p:cSld>
+    <p:spTree>
+      <p:nvGrpSpPr>
+        <p:cNvPr id="1" name=""/>
+        <p:cNvGrpSpPr/>
+        <p:nvPr/>
+      </p:nvGrpSpPr>
+      <p:grpSpPr>
+        <a:xfrm>
+          <a:off x="0" y="0"/>
+          <a:ext cx="0" cy="0"/>
+          <a:chOff x="0" y="0"/>
+          <a:chExt cx="0" cy="0"/>
+        </a:xfrm>
+      </p:grpSpPr>
+      <p:sp>
+        <p:nvSpPr>
+          <p:cNvPr id="2" name="Espace réservé du numéro de diapositive 1">
+            <a:extLst>
+              <a:ext uri="{FF2B5EF4-FFF2-40B4-BE49-F238E27FC236}">
+                <a16:creationId xmlns:a16="http://schemas.microsoft.com/office/drawing/2014/main" id="{678E8E17-E069-45B5-83F5-D66C41E5D2A9}"/>
+              </a:ext>
+            </a:extLst>
+          </p:cNvPr>
+          <p:cNvSpPr>
+            <a:spLocks noGrp="1"/>
+          </p:cNvSpPr>
+          <p:nvPr>
+            <p:ph type="sldNum" sz="quarter" idx="12"/>
+          </p:nvPr>
+        </p:nvSpPr>
+        <p:spPr/>
+        <p:txBody>
+          <a:bodyPr/>
+          <a:lstStyle/>
+          <a:p>
+            <a:fld id="{4FAB73BC-B049-4115-A692-8D63A059BFB8}" type="slidenum">
+              <a:rPr lang="en-US" smtClean="0"/>
+              <a:pPr/>
+              <a:t>10</a:t>
+            </a:fld>
+            <a:endParaRPr lang="en-US" dirty="0"/>
+          </a:p>
+        </p:txBody>
+      </p:sp>
+      <p:sp>
+        <p:nvSpPr>
+          <p:cNvPr id="3" name="Titre 2">
+            <a:extLst>
+              <a:ext uri="{FF2B5EF4-FFF2-40B4-BE49-F238E27FC236}">
+                <a16:creationId xmlns:a16="http://schemas.microsoft.com/office/drawing/2014/main" id="{A76BB3A0-337A-48EE-9A84-787513C5BF4A}"/>
+              </a:ext>
+            </a:extLst>
+          </p:cNvPr>
+          <p:cNvSpPr>
+            <a:spLocks noGrp="1"/>
+          </p:cNvSpPr>
+          <p:nvPr>
+            <p:ph type="title"/>
+          </p:nvPr>
+        </p:nvSpPr>
+        <p:spPr/>
+        <p:txBody>
+          <a:bodyPr/>
+          <a:lstStyle/>
+          <a:p>
+            <a:r>
+              <a:rPr lang="fr-FR" dirty="0"/>
+              <a:t>Énergie liaison Van der Waals</a:t>
+            </a:r>
+          </a:p>
+        </p:txBody>
+      </p:sp>
+      <p:graphicFrame>
+        <p:nvGraphicFramePr>
+          <p:cNvPr id="4" name="Tableau 3">
+            <a:extLst>
+              <a:ext uri="{FF2B5EF4-FFF2-40B4-BE49-F238E27FC236}">
+                <a16:creationId xmlns:a16="http://schemas.microsoft.com/office/drawing/2014/main" id="{C6DAC017-B5DA-4D9D-A2EC-DD10A97DEBA9}"/>
+              </a:ext>
+            </a:extLst>
+          </p:cNvPr>
+          <p:cNvGraphicFramePr>
+            <a:graphicFrameLocks noGrp="1"/>
+          </p:cNvGraphicFramePr>
+          <p:nvPr>
+            <p:extLst>
+              <p:ext uri="{D42A27DB-BD31-4B8C-83A1-F6EECF244321}">
+                <p14:modId xmlns:p14="http://schemas.microsoft.com/office/powerpoint/2010/main" val="1088141660"/>
+              </p:ext>
+            </p:extLst>
+          </p:nvPr>
+        </p:nvGraphicFramePr>
+        <p:xfrm>
+          <a:off x="290842" y="964514"/>
+          <a:ext cx="8562316" cy="3216059"/>
+        </p:xfrm>
+        <a:graphic>
+          <a:graphicData uri="http://schemas.openxmlformats.org/drawingml/2006/table">
+            <a:tbl>
+              <a:tblPr firstRow="1" bandRow="1">
+                <a:tableStyleId>{21E4AEA4-8DFA-4A89-87EB-49C32662AFE0}</a:tableStyleId>
+              </a:tblPr>
+              <a:tblGrid>
+                <a:gridCol w="2140579">
+                  <a:extLst>
+                    <a:ext uri="{9D8B030D-6E8A-4147-A177-3AD203B41FA5}">
+                      <a16:colId xmlns:a16="http://schemas.microsoft.com/office/drawing/2014/main" val="20000"/>
+                    </a:ext>
+                  </a:extLst>
+                </a:gridCol>
+                <a:gridCol w="2140579">
+                  <a:extLst>
+                    <a:ext uri="{9D8B030D-6E8A-4147-A177-3AD203B41FA5}">
+                      <a16:colId xmlns:a16="http://schemas.microsoft.com/office/drawing/2014/main" val="20001"/>
+                    </a:ext>
+                  </a:extLst>
+                </a:gridCol>
+                <a:gridCol w="2140579">
+                  <a:extLst>
+                    <a:ext uri="{9D8B030D-6E8A-4147-A177-3AD203B41FA5}">
+                      <a16:colId xmlns:a16="http://schemas.microsoft.com/office/drawing/2014/main" val="20002"/>
+                    </a:ext>
+                  </a:extLst>
+                </a:gridCol>
+                <a:gridCol w="2140579">
+                  <a:extLst>
+                    <a:ext uri="{9D8B030D-6E8A-4147-A177-3AD203B41FA5}">
+                      <a16:colId xmlns:a16="http://schemas.microsoft.com/office/drawing/2014/main" val="20003"/>
+                    </a:ext>
+                  </a:extLst>
+                </a:gridCol>
+              </a:tblGrid>
+              <a:tr h="692144">
+                <a:tc gridSpan="2">
+                  <a:txBody>
+                    <a:bodyPr/>
+                    <a:lstStyle/>
+                    <a:p>
+                      <a:pPr algn="ctr"/>
+                      <a:r>
+                        <a:rPr lang="fr-FR" sz="2400" dirty="0"/>
+                        <a:t>Type de liaison</a:t>
+                      </a:r>
+                    </a:p>
+                  </a:txBody>
+                  <a:tcPr anchor="ctr"/>
+                </a:tc>
+                <a:tc hMerge="1">
+                  <a:txBody>
+                    <a:bodyPr/>
+                    <a:lstStyle/>
+                    <a:p>
+                      <a:endParaRPr lang="fr-FR" dirty="0"/>
+                    </a:p>
+                  </a:txBody>
+                  <a:tcPr/>
+                </a:tc>
+                <a:tc>
+                  <a:txBody>
+                    <a:bodyPr/>
+                    <a:lstStyle/>
+                    <a:p>
+                      <a:pPr algn="ctr"/>
+                      <a:r>
+                        <a:rPr lang="fr-FR" sz="2400" dirty="0"/>
+                        <a:t>Exemple</a:t>
+                      </a:r>
+                    </a:p>
+                  </a:txBody>
+                  <a:tcPr anchor="ctr"/>
+                </a:tc>
+                <a:tc>
+                  <a:txBody>
+                    <a:bodyPr/>
+                    <a:lstStyle/>
+                    <a:p>
+                      <a:pPr algn="ctr"/>
+                      <a:r>
+                        <a:rPr lang="fr-FR" sz="2400" dirty="0"/>
+                        <a:t>Énergie typique</a:t>
+                      </a:r>
+                    </a:p>
+                  </a:txBody>
+                  <a:tcPr anchor="ctr"/>
+                </a:tc>
+                <a:extLst>
+                  <a:ext uri="{0D108BD9-81ED-4DB2-BD59-A6C34878D82A}">
+                    <a16:rowId xmlns:a16="http://schemas.microsoft.com/office/drawing/2014/main" val="10000"/>
+                  </a:ext>
+                </a:extLst>
+              </a:tr>
+              <a:tr h="424290">
+                <a:tc rowSpan="3">
+                  <a:txBody>
+                    <a:bodyPr/>
+                    <a:lstStyle/>
+                    <a:p>
+                      <a:pPr algn="ctr"/>
+                      <a:r>
+                        <a:rPr lang="fr-FR" sz="2400" dirty="0"/>
+                        <a:t>Liaison covalente</a:t>
+                      </a:r>
+                    </a:p>
+                  </a:txBody>
+                  <a:tcPr anchor="ctr"/>
+                </a:tc>
+                <a:tc>
+                  <a:txBody>
+                    <a:bodyPr/>
+                    <a:lstStyle/>
+                    <a:p>
+                      <a:pPr algn="ctr"/>
+                      <a:r>
+                        <a:rPr lang="fr-FR" sz="2400" dirty="0"/>
+                        <a:t>Liaison simple</a:t>
+                      </a:r>
+                    </a:p>
+                  </a:txBody>
+                  <a:tcPr anchor="ctr"/>
+                </a:tc>
+                <a:tc>
+                  <a:txBody>
+                    <a:bodyPr/>
+                    <a:lstStyle/>
+                    <a:p>
+                      <a:pPr marL="0" marR="0" lvl="0" indent="0" algn="ctr" defTabSz="685800" rtl="0" eaLnBrk="1" fontAlgn="auto" latinLnBrk="0" hangingPunct="1">
+                        <a:lnSpc>
+                          <a:spcPct val="100000"/>
+                        </a:lnSpc>
+                        <a:spcBef>
+                          <a:spcPts val="0"/>
+                        </a:spcBef>
+                        <a:spcAft>
+                          <a:spcPts val="0"/>
+                        </a:spcAft>
+                        <a:buClrTx/>
+                        <a:buSzTx/>
+                        <a:buFontTx/>
+                        <a:buNone/>
+                        <a:tabLst/>
+                        <a:defRPr/>
+                      </a:pPr>
+                      <a:r>
+                        <a:rPr lang="fr-FR" sz="1800" b="1" dirty="0">
+                          <a:latin typeface="+mj-lt"/>
+                        </a:rPr>
+                        <a:t>C — C  </a:t>
+                      </a:r>
+                      <a:endParaRPr lang="fr-FR" sz="1600" b="1" dirty="0">
+                        <a:latin typeface="+mj-lt"/>
+                      </a:endParaRPr>
+                    </a:p>
+                  </a:txBody>
+                  <a:tcPr anchor="ctr"/>
+                </a:tc>
+                <a:tc>
+                  <a:txBody>
+                    <a:bodyPr/>
+                    <a:lstStyle/>
+                    <a:p>
+                      <a:pPr algn="ctr"/>
+                      <a:r>
+                        <a:rPr lang="fr-FR" dirty="0"/>
+                        <a:t> </a:t>
+                      </a:r>
+                      <a:r>
+                        <a:rPr lang="fr-FR" sz="1800" b="1" kern="1200" dirty="0">
+                          <a:solidFill>
+                            <a:schemeClr val="dk1"/>
+                          </a:solidFill>
+                          <a:latin typeface="+mj-lt"/>
+                          <a:ea typeface="+mn-ea"/>
+                          <a:cs typeface="+mn-cs"/>
+                        </a:rPr>
+                        <a:t>300 kJ/mol</a:t>
+                      </a:r>
+                    </a:p>
+                  </a:txBody>
+                  <a:tcPr anchor="ctr"/>
+                </a:tc>
+                <a:extLst>
+                  <a:ext uri="{0D108BD9-81ED-4DB2-BD59-A6C34878D82A}">
+                    <a16:rowId xmlns:a16="http://schemas.microsoft.com/office/drawing/2014/main" val="10001"/>
+                  </a:ext>
+                </a:extLst>
+              </a:tr>
+              <a:tr h="564299">
+                <a:tc vMerge="1">
+                  <a:txBody>
+                    <a:bodyPr/>
+                    <a:lstStyle/>
+                    <a:p>
+                      <a:endParaRPr lang="fr-FR" dirty="0"/>
+                    </a:p>
+                  </a:txBody>
+                  <a:tcPr/>
+                </a:tc>
+                <a:tc>
+                  <a:txBody>
+                    <a:bodyPr/>
+                    <a:lstStyle/>
+                    <a:p>
+                      <a:pPr algn="ctr"/>
+                      <a:r>
+                        <a:rPr lang="fr-FR" sz="2400" dirty="0"/>
+                        <a:t>Liaison double</a:t>
+                      </a:r>
+                    </a:p>
+                  </a:txBody>
+                  <a:tcPr anchor="ctr"/>
+                </a:tc>
+                <a:tc>
+                  <a:txBody>
+                    <a:bodyPr/>
+                    <a:lstStyle/>
+                    <a:p>
+                      <a:pPr algn="ctr"/>
+                      <a:r>
+                        <a:rPr lang="fr-FR" sz="1800" b="1" kern="1200" dirty="0">
+                          <a:solidFill>
+                            <a:schemeClr val="dk1"/>
+                          </a:solidFill>
+                          <a:latin typeface="+mj-lt"/>
+                          <a:ea typeface="+mn-ea"/>
+                          <a:cs typeface="+mn-cs"/>
+                        </a:rPr>
+                        <a:t> C = O</a:t>
+                      </a:r>
+                    </a:p>
+                  </a:txBody>
+                  <a:tcPr anchor="ctr"/>
+                </a:tc>
+                <a:tc>
+                  <a:txBody>
+                    <a:bodyPr/>
+                    <a:lstStyle/>
+                    <a:p>
+                      <a:pPr marL="0" marR="0" lvl="0" indent="0" algn="ctr" defTabSz="685800" rtl="0" eaLnBrk="1" fontAlgn="auto" latinLnBrk="0" hangingPunct="1">
+                        <a:lnSpc>
+                          <a:spcPct val="100000"/>
+                        </a:lnSpc>
+                        <a:spcBef>
+                          <a:spcPts val="0"/>
+                        </a:spcBef>
+                        <a:spcAft>
+                          <a:spcPts val="0"/>
+                        </a:spcAft>
+                        <a:buClrTx/>
+                        <a:buSzTx/>
+                        <a:buFontTx/>
+                        <a:buNone/>
+                        <a:tabLst/>
+                        <a:defRPr/>
+                      </a:pPr>
+                      <a:r>
+                        <a:rPr lang="fr-FR" sz="1800" b="1" kern="1200" dirty="0">
+                          <a:solidFill>
+                            <a:schemeClr val="dk1"/>
+                          </a:solidFill>
+                          <a:latin typeface="+mj-lt"/>
+                          <a:ea typeface="+mn-ea"/>
+                          <a:cs typeface="+mn-cs"/>
+                        </a:rPr>
+                        <a:t> 600 kJ/mol</a:t>
+                      </a:r>
+                    </a:p>
+                  </a:txBody>
+                  <a:tcPr anchor="ctr"/>
+                </a:tc>
+                <a:extLst>
+                  <a:ext uri="{0D108BD9-81ED-4DB2-BD59-A6C34878D82A}">
+                    <a16:rowId xmlns:a16="http://schemas.microsoft.com/office/drawing/2014/main" val="10002"/>
+                  </a:ext>
+                </a:extLst>
+              </a:tr>
+              <a:tr h="384525">
+                <a:tc vMerge="1">
+                  <a:txBody>
+                    <a:bodyPr/>
+                    <a:lstStyle/>
+                    <a:p>
+                      <a:endParaRPr lang="fr-FR" dirty="0"/>
+                    </a:p>
+                  </a:txBody>
+                  <a:tcPr/>
+                </a:tc>
+                <a:tc>
+                  <a:txBody>
+                    <a:bodyPr/>
+                    <a:lstStyle/>
+                    <a:p>
+                      <a:pPr algn="ctr"/>
+                      <a:r>
+                        <a:rPr lang="fr-FR" sz="2400" dirty="0"/>
+                        <a:t>Liaison triple</a:t>
+                      </a:r>
+                    </a:p>
+                  </a:txBody>
+                  <a:tcPr anchor="ctr"/>
+                </a:tc>
+                <a:tc>
+                  <a:txBody>
+                    <a:bodyPr/>
+                    <a:lstStyle/>
+                    <a:p>
+                      <a:pPr algn="ctr"/>
+                      <a:r>
+                        <a:rPr lang="fr-FR" sz="1800" b="1" kern="1200" dirty="0">
+                          <a:solidFill>
+                            <a:schemeClr val="dk1"/>
+                          </a:solidFill>
+                          <a:latin typeface="+mj-lt"/>
+                          <a:ea typeface="+mn-ea"/>
+                          <a:cs typeface="+mn-cs"/>
+                        </a:rPr>
+                        <a:t>N ≡ N</a:t>
+                      </a:r>
+                    </a:p>
+                  </a:txBody>
+                  <a:tcPr anchor="ctr"/>
+                </a:tc>
+                <a:tc>
+                  <a:txBody>
+                    <a:bodyPr/>
+                    <a:lstStyle/>
+                    <a:p>
+                      <a:pPr marL="0" marR="0" lvl="0" indent="0" algn="ctr" defTabSz="685800" rtl="0" eaLnBrk="1" fontAlgn="auto" latinLnBrk="0" hangingPunct="1">
+                        <a:lnSpc>
+                          <a:spcPct val="100000"/>
+                        </a:lnSpc>
+                        <a:spcBef>
+                          <a:spcPts val="0"/>
+                        </a:spcBef>
+                        <a:spcAft>
+                          <a:spcPts val="0"/>
+                        </a:spcAft>
+                        <a:buClrTx/>
+                        <a:buSzTx/>
+                        <a:buFontTx/>
+                        <a:buNone/>
+                        <a:tabLst/>
+                        <a:defRPr/>
+                      </a:pPr>
+                      <a:r>
+                        <a:rPr lang="fr-FR" sz="1800" dirty="0">
+                          <a:latin typeface="+mj-lt"/>
+                        </a:rPr>
+                        <a:t> </a:t>
+                      </a:r>
+                      <a:r>
+                        <a:rPr lang="fr-FR" sz="1800" b="1" kern="1200" dirty="0">
+                          <a:solidFill>
+                            <a:schemeClr val="dk1"/>
+                          </a:solidFill>
+                          <a:latin typeface="+mj-lt"/>
+                          <a:ea typeface="+mn-ea"/>
+                          <a:cs typeface="+mn-cs"/>
+                        </a:rPr>
+                        <a:t>900 kJ/mol</a:t>
+                      </a:r>
+                    </a:p>
+                  </a:txBody>
+                  <a:tcPr anchor="ctr"/>
+                </a:tc>
+                <a:extLst>
+                  <a:ext uri="{0D108BD9-81ED-4DB2-BD59-A6C34878D82A}">
+                    <a16:rowId xmlns:a16="http://schemas.microsoft.com/office/drawing/2014/main" val="10003"/>
+                  </a:ext>
+                </a:extLst>
+              </a:tr>
+              <a:tr h="384525">
+                <a:tc gridSpan="2">
+                  <a:txBody>
+                    <a:bodyPr/>
+                    <a:lstStyle/>
+                    <a:p>
+                      <a:pPr algn="ctr"/>
+                      <a:r>
+                        <a:rPr lang="fr-FR" sz="2400" dirty="0"/>
+                        <a:t>Liaison ionique</a:t>
+                      </a:r>
+                    </a:p>
+                  </a:txBody>
+                  <a:tcPr anchor="ctr"/>
+                </a:tc>
+                <a:tc hMerge="1">
+                  <a:txBody>
+                    <a:bodyPr/>
+                    <a:lstStyle/>
+                    <a:p>
+                      <a:pPr algn="ctr"/>
+                      <a:endParaRPr lang="fr-FR" sz="2400" dirty="0"/>
+                    </a:p>
+                  </a:txBody>
+                  <a:tcPr anchor="ctr"/>
+                </a:tc>
+                <a:tc>
+                  <a:txBody>
+                    <a:bodyPr/>
+                    <a:lstStyle/>
+                    <a:p>
+                      <a:pPr algn="ctr"/>
+                      <a:r>
+                        <a:rPr lang="fr-FR" sz="1800" b="1" kern="1200" dirty="0" err="1">
+                          <a:solidFill>
+                            <a:schemeClr val="dk1"/>
+                          </a:solidFill>
+                          <a:latin typeface="+mj-lt"/>
+                          <a:ea typeface="+mn-ea"/>
+                          <a:cs typeface="+mn-cs"/>
+                        </a:rPr>
+                        <a:t>NaCl</a:t>
+                      </a:r>
+                      <a:endParaRPr lang="fr-FR" sz="1800" b="1" kern="1200" dirty="0">
+                        <a:solidFill>
+                          <a:schemeClr val="dk1"/>
+                        </a:solidFill>
+                        <a:latin typeface="+mj-lt"/>
+                        <a:ea typeface="+mn-ea"/>
+                        <a:cs typeface="+mn-cs"/>
+                      </a:endParaRPr>
+                    </a:p>
+                  </a:txBody>
+                  <a:tcPr anchor="ctr"/>
+                </a:tc>
+                <a:tc>
+                  <a:txBody>
+                    <a:bodyPr/>
+                    <a:lstStyle/>
+                    <a:p>
+                      <a:pPr marL="0" marR="0" lvl="0" indent="0" algn="ctr" defTabSz="685800" rtl="0" eaLnBrk="1" fontAlgn="auto" latinLnBrk="0" hangingPunct="1">
+                        <a:lnSpc>
+                          <a:spcPct val="100000"/>
+                        </a:lnSpc>
+                        <a:spcBef>
+                          <a:spcPts val="0"/>
+                        </a:spcBef>
+                        <a:spcAft>
+                          <a:spcPts val="0"/>
+                        </a:spcAft>
+                        <a:buClrTx/>
+                        <a:buSzTx/>
+                        <a:buFontTx/>
+                        <a:buNone/>
+                        <a:tabLst/>
+                        <a:defRPr/>
+                      </a:pPr>
+                      <a:r>
+                        <a:rPr lang="fr-FR" sz="1800" b="1" kern="1200" dirty="0">
+                          <a:solidFill>
+                            <a:schemeClr val="dk1"/>
+                          </a:solidFill>
+                          <a:latin typeface="+mj-lt"/>
+                          <a:ea typeface="+mn-ea"/>
+                          <a:cs typeface="+mn-cs"/>
+                        </a:rPr>
+                        <a:t>700 – 100 kJ/mol</a:t>
+                      </a:r>
+                    </a:p>
+                  </a:txBody>
+                  <a:tcPr anchor="ctr"/>
+                </a:tc>
+                <a:extLst>
+                  <a:ext uri="{0D108BD9-81ED-4DB2-BD59-A6C34878D82A}">
+                    <a16:rowId xmlns:a16="http://schemas.microsoft.com/office/drawing/2014/main" val="4100988078"/>
+                  </a:ext>
+                </a:extLst>
+              </a:tr>
+              <a:tr h="384525">
+                <a:tc gridSpan="2">
+                  <a:txBody>
+                    <a:bodyPr/>
+                    <a:lstStyle/>
+                    <a:p>
+                      <a:pPr algn="ctr"/>
+                      <a:r>
+                        <a:rPr lang="fr-FR" sz="2400" dirty="0"/>
+                        <a:t>Liaison de Van der Waals</a:t>
+                      </a:r>
+                    </a:p>
+                  </a:txBody>
+                  <a:tcPr anchor="ctr"/>
+                </a:tc>
+                <a:tc hMerge="1">
+                  <a:txBody>
+                    <a:bodyPr/>
+                    <a:lstStyle/>
+                    <a:p>
+                      <a:endParaRPr lang="fr-FR"/>
+                    </a:p>
+                  </a:txBody>
+                  <a:tcPr/>
+                </a:tc>
+                <a:tc>
+                  <a:txBody>
+                    <a:bodyPr/>
+                    <a:lstStyle/>
+                    <a:p>
+                      <a:pPr algn="ctr"/>
+                      <a:r>
+                        <a:rPr lang="fr-FR" sz="1800" b="1" kern="1200" dirty="0">
+                          <a:solidFill>
+                            <a:schemeClr val="dk1"/>
+                          </a:solidFill>
+                          <a:latin typeface="+mj-lt"/>
+                          <a:ea typeface="+mn-ea"/>
+                          <a:cs typeface="+mn-cs"/>
+                        </a:rPr>
+                        <a:t>Gecko </a:t>
+                      </a:r>
+                    </a:p>
+                  </a:txBody>
+                  <a:tcPr anchor="ctr"/>
+                </a:tc>
+                <a:tc>
+                  <a:txBody>
+                    <a:bodyPr/>
+                    <a:lstStyle/>
+                    <a:p>
+                      <a:pPr marL="0" marR="0" lvl="0" indent="0" algn="ctr" defTabSz="685800" rtl="0" eaLnBrk="1" fontAlgn="auto" latinLnBrk="0" hangingPunct="1">
+                        <a:lnSpc>
+                          <a:spcPct val="100000"/>
+                        </a:lnSpc>
+                        <a:spcBef>
+                          <a:spcPts val="0"/>
+                        </a:spcBef>
+                        <a:spcAft>
+                          <a:spcPts val="0"/>
+                        </a:spcAft>
+                        <a:buClrTx/>
+                        <a:buSzTx/>
+                        <a:buFontTx/>
+                        <a:buNone/>
+                        <a:tabLst/>
+                        <a:defRPr/>
+                      </a:pPr>
+                      <a:r>
+                        <a:rPr lang="fr-FR" sz="1800" b="1" kern="1200" dirty="0">
+                          <a:solidFill>
+                            <a:schemeClr val="dk1"/>
+                          </a:solidFill>
+                          <a:latin typeface="+mj-lt"/>
+                          <a:ea typeface="+mn-ea"/>
+                          <a:cs typeface="+mn-cs"/>
+                        </a:rPr>
+                        <a:t>20 kJ/mol</a:t>
+                      </a:r>
+                    </a:p>
+                  </a:txBody>
+                  <a:tcPr anchor="ctr"/>
+                </a:tc>
+                <a:extLst>
+                  <a:ext uri="{0D108BD9-81ED-4DB2-BD59-A6C34878D82A}">
+                    <a16:rowId xmlns:a16="http://schemas.microsoft.com/office/drawing/2014/main" val="3533197533"/>
+                  </a:ext>
+                </a:extLst>
+              </a:tr>
+            </a:tbl>
+          </a:graphicData>
+        </a:graphic>
+      </p:graphicFrame>
+    </p:spTree>
+    <p:extLst>
+      <p:ext uri="{BB962C8B-B14F-4D97-AF65-F5344CB8AC3E}">
+        <p14:creationId xmlns:p14="http://schemas.microsoft.com/office/powerpoint/2010/main" val="911862046"/>
+      </p:ext>
+    </p:extLst>
+  </p:cSld>
+  <p:clrMapOvr>
+    <a:masterClrMapping/>
+  </p:clrMapOvr>
+</p:sld>
+</file>
+
+<file path=ppt/slides/slide11.xml><?xml version="1.0" encoding="utf-8"?>
+<p:sld xmlns:a="http://schemas.openxmlformats.org/drawingml/2006/main" xmlns:r="http://schemas.openxmlformats.org/officeDocument/2006/relationships" xmlns:p="http://schemas.openxmlformats.org/presentationml/2006/main">
+  <p:cSld>
+    <p:spTree>
+      <p:nvGrpSpPr>
+        <p:cNvPr id="1" name=""/>
+        <p:cNvGrpSpPr/>
+        <p:nvPr/>
+      </p:nvGrpSpPr>
+      <p:grpSpPr>
+        <a:xfrm>
+          <a:off x="0" y="0"/>
+          <a:ext cx="0" cy="0"/>
+          <a:chOff x="0" y="0"/>
+          <a:chExt cx="0" cy="0"/>
+        </a:xfrm>
+      </p:grpSpPr>
+      <p:sp>
+        <p:nvSpPr>
+          <p:cNvPr id="2" name="Espace réservé du numéro de diapositive 1">
+            <a:extLst>
+              <a:ext uri="{FF2B5EF4-FFF2-40B4-BE49-F238E27FC236}">
+                <a16:creationId xmlns:a16="http://schemas.microsoft.com/office/drawing/2014/main" id="{DCCA3B19-CE81-4262-B996-24BE3FE5E25A}"/>
+              </a:ext>
+            </a:extLst>
+          </p:cNvPr>
+          <p:cNvSpPr>
+            <a:spLocks noGrp="1"/>
+          </p:cNvSpPr>
+          <p:nvPr>
+            <p:ph type="sldNum" sz="quarter" idx="12"/>
+          </p:nvPr>
+        </p:nvSpPr>
+        <p:spPr/>
+        <p:txBody>
+          <a:bodyPr/>
+          <a:lstStyle/>
+          <a:p>
+            <a:fld id="{4FAB73BC-B049-4115-A692-8D63A059BFB8}" type="slidenum">
+              <a:rPr lang="en-US" smtClean="0"/>
+              <a:pPr/>
+              <a:t>11</a:t>
+            </a:fld>
+            <a:endParaRPr lang="en-US" dirty="0"/>
+          </a:p>
+        </p:txBody>
+      </p:sp>
+      <p:sp>
+        <p:nvSpPr>
+          <p:cNvPr id="3" name="Titre 2">
+            <a:extLst>
+              <a:ext uri="{FF2B5EF4-FFF2-40B4-BE49-F238E27FC236}">
+                <a16:creationId xmlns:a16="http://schemas.microsoft.com/office/drawing/2014/main" id="{095AD071-9F2E-412C-BDF3-D889823CB2D1}"/>
+              </a:ext>
+            </a:extLst>
+          </p:cNvPr>
+          <p:cNvSpPr>
+            <a:spLocks noGrp="1"/>
+          </p:cNvSpPr>
+          <p:nvPr>
+            <p:ph type="title"/>
+          </p:nvPr>
+        </p:nvSpPr>
+        <p:spPr>
+          <a:xfrm>
+            <a:off x="337524" y="182479"/>
+            <a:ext cx="8468952" cy="694497"/>
+          </a:xfrm>
+        </p:spPr>
+        <p:txBody>
+          <a:bodyPr/>
+          <a:lstStyle/>
+          <a:p>
+            <a:r>
+              <a:rPr lang="fr-FR" dirty="0"/>
+              <a:t>Gecko et liaison de Van der Waals</a:t>
+            </a:r>
+          </a:p>
+        </p:txBody>
+      </p:sp>
+      <p:pic>
+        <p:nvPicPr>
+          <p:cNvPr id="4" name="Espace réservé du contenu 6">
+            <a:extLst>
+              <a:ext uri="{FF2B5EF4-FFF2-40B4-BE49-F238E27FC236}">
+                <a16:creationId xmlns:a16="http://schemas.microsoft.com/office/drawing/2014/main" id="{A62F0A70-7B0C-4A92-9DB6-918A10DCEBFA}"/>
+              </a:ext>
+            </a:extLst>
+          </p:cNvPr>
+          <p:cNvPicPr>
+            <a:picLocks noChangeAspect="1" noChangeArrowheads="1"/>
+          </p:cNvPicPr>
+          <p:nvPr/>
+        </p:nvPicPr>
+        <p:blipFill>
+          <a:blip r:embed="rId2">
+            <a:extLst>
+              <a:ext uri="{28A0092B-C50C-407E-A947-70E740481C1C}">
+                <a14:useLocalDpi xmlns:a14="http://schemas.microsoft.com/office/drawing/2010/main" val="0"/>
+              </a:ext>
+            </a:extLst>
+          </a:blip>
+          <a:srcRect/>
+          <a:stretch>
+            <a:fillRect/>
+          </a:stretch>
+        </p:blipFill>
+        <p:spPr>
+          <a:xfrm>
+            <a:off x="1811150" y="847843"/>
+            <a:ext cx="5614194" cy="3800613"/>
+          </a:xfrm>
+          <a:prstGeom prst="rect">
+            <a:avLst/>
+          </a:prstGeom>
+        </p:spPr>
+      </p:pic>
+    </p:spTree>
+    <p:extLst>
+      <p:ext uri="{BB962C8B-B14F-4D97-AF65-F5344CB8AC3E}">
+        <p14:creationId xmlns:p14="http://schemas.microsoft.com/office/powerpoint/2010/main" val="861432027"/>
+      </p:ext>
+    </p:extLst>
+  </p:cSld>
+  <p:clrMapOvr>
+    <a:masterClrMapping/>
+  </p:clrMapOvr>
+</p:sld>
+</file>
+
+<file path=ppt/slides/slide12.xml><?xml version="1.0" encoding="utf-8"?>
+<p:sld xmlns:a="http://schemas.openxmlformats.org/drawingml/2006/main" xmlns:r="http://schemas.openxmlformats.org/officeDocument/2006/relationships" xmlns:p="http://schemas.openxmlformats.org/presentationml/2006/main">
+  <p:cSld>
+    <p:spTree>
+      <p:nvGrpSpPr>
+        <p:cNvPr id="1" name=""/>
+        <p:cNvGrpSpPr/>
+        <p:nvPr/>
+      </p:nvGrpSpPr>
+      <p:grpSpPr>
+        <a:xfrm>
+          <a:off x="0" y="0"/>
+          <a:ext cx="0" cy="0"/>
+          <a:chOff x="0" y="0"/>
+          <a:chExt cx="0" cy="0"/>
+        </a:xfrm>
+      </p:grpSpPr>
+      <p:sp>
+        <p:nvSpPr>
+          <p:cNvPr id="2" name="Espace réservé du numéro de diapositive 1">
+            <a:extLst>
+              <a:ext uri="{FF2B5EF4-FFF2-40B4-BE49-F238E27FC236}">
+                <a16:creationId xmlns:a16="http://schemas.microsoft.com/office/drawing/2014/main" id="{89B4316D-0374-45F7-99F7-D4C884031FF0}"/>
+              </a:ext>
+            </a:extLst>
+          </p:cNvPr>
+          <p:cNvSpPr>
+            <a:spLocks noGrp="1"/>
+          </p:cNvSpPr>
+          <p:nvPr>
+            <p:ph type="sldNum" sz="quarter" idx="12"/>
+          </p:nvPr>
+        </p:nvSpPr>
+        <p:spPr/>
+        <p:txBody>
+          <a:bodyPr/>
+          <a:lstStyle/>
+          <a:p>
+            <a:fld id="{4FAB73BC-B049-4115-A692-8D63A059BFB8}" type="slidenum">
+              <a:rPr lang="en-US" smtClean="0"/>
+              <a:pPr/>
+              <a:t>12</a:t>
+            </a:fld>
+            <a:endParaRPr lang="en-US" dirty="0"/>
+          </a:p>
+        </p:txBody>
+      </p:sp>
+      <p:sp>
+        <p:nvSpPr>
+          <p:cNvPr id="3" name="Titre 2">
+            <a:extLst>
+              <a:ext uri="{FF2B5EF4-FFF2-40B4-BE49-F238E27FC236}">
+                <a16:creationId xmlns:a16="http://schemas.microsoft.com/office/drawing/2014/main" id="{6372255D-D979-4435-8CA3-F536D94DD7F4}"/>
+              </a:ext>
+            </a:extLst>
+          </p:cNvPr>
+          <p:cNvSpPr>
+            <a:spLocks noGrp="1"/>
+          </p:cNvSpPr>
+          <p:nvPr>
+            <p:ph type="title"/>
+          </p:nvPr>
+        </p:nvSpPr>
+        <p:spPr/>
+        <p:txBody>
+          <a:bodyPr/>
+          <a:lstStyle/>
+          <a:p>
+            <a:r>
+              <a:rPr lang="fr-FR" dirty="0"/>
+              <a:t>Températures d’ébullition</a:t>
+            </a:r>
+          </a:p>
+        </p:txBody>
+      </p:sp>
+      <p:grpSp>
+        <p:nvGrpSpPr>
+          <p:cNvPr id="4" name="Groupe 3">
+            <a:extLst>
+              <a:ext uri="{FF2B5EF4-FFF2-40B4-BE49-F238E27FC236}">
+                <a16:creationId xmlns:a16="http://schemas.microsoft.com/office/drawing/2014/main" id="{4A85823B-2187-487A-9B3D-971A055368AB}"/>
+              </a:ext>
+            </a:extLst>
+          </p:cNvPr>
+          <p:cNvGrpSpPr/>
+          <p:nvPr/>
+        </p:nvGrpSpPr>
+        <p:grpSpPr>
+          <a:xfrm>
+            <a:off x="2427648" y="838875"/>
+            <a:ext cx="4484196" cy="3764619"/>
+            <a:chOff x="5041901" y="325081"/>
+            <a:chExt cx="5732462" cy="4883150"/>
+          </a:xfrm>
+        </p:grpSpPr>
+        <p:sp>
+          <p:nvSpPr>
+            <p:cNvPr id="5" name="ZoneTexte 9">
+              <a:extLst>
+                <a:ext uri="{FF2B5EF4-FFF2-40B4-BE49-F238E27FC236}">
+                  <a16:creationId xmlns:a16="http://schemas.microsoft.com/office/drawing/2014/main" id="{87A1E552-1044-4398-8182-80A370337776}"/>
+                </a:ext>
+              </a:extLst>
+            </p:cNvPr>
+            <p:cNvSpPr txBox="1">
+              <a:spLocks noChangeArrowheads="1"/>
+            </p:cNvSpPr>
+            <p:nvPr/>
+          </p:nvSpPr>
+          <p:spPr bwMode="auto">
+            <a:xfrm>
+              <a:off x="8280401" y="4631676"/>
+              <a:ext cx="2493962" cy="369887"/>
+            </a:xfrm>
+            <a:prstGeom prst="rect">
+              <a:avLst/>
+            </a:prstGeom>
+            <a:noFill/>
+            <a:ln>
+              <a:noFill/>
+            </a:ln>
+            <a:extLst>
+              <a:ext uri="{909E8E84-426E-40DD-AFC4-6F175D3DCCD1}">
+                <a14:hiddenFill xmlns:a14="http://schemas.microsoft.com/office/drawing/2010/main">
+                  <a:solidFill>
+                    <a:srgbClr val="FFFFFF"/>
+                  </a:solidFill>
+                </a14:hiddenFill>
+              </a:ext>
+              <a:ext uri="{91240B29-F687-4F45-9708-019B960494DF}">
+                <a14:hiddenLine xmlns:a14="http://schemas.microsoft.com/office/drawing/2010/main" w="9525">
+                  <a:solidFill>
+                    <a:srgbClr val="000000"/>
+                  </a:solidFill>
+                  <a:miter lim="800000"/>
+                  <a:headEnd/>
+                  <a:tailEnd/>
+                </a14:hiddenLine>
+              </a:ext>
+            </a:extLst>
+          </p:spPr>
+          <p:txBody>
+            <a:bodyPr>
+              <a:spAutoFit/>
+            </a:bodyPr>
+            <a:lstStyle>
+              <a:lvl1pPr>
+                <a:defRPr>
+                  <a:solidFill>
+                    <a:schemeClr val="tx1"/>
+                  </a:solidFill>
+                  <a:latin typeface="Calibri" panose="020F0502020204030204" pitchFamily="34" charset="0"/>
+                </a:defRPr>
+              </a:lvl1pPr>
+              <a:lvl2pPr marL="742950" indent="-285750">
+                <a:defRPr>
+                  <a:solidFill>
+                    <a:schemeClr val="tx1"/>
+                  </a:solidFill>
+                  <a:latin typeface="Calibri" panose="020F0502020204030204" pitchFamily="34" charset="0"/>
+                </a:defRPr>
+              </a:lvl2pPr>
+              <a:lvl3pPr marL="1143000" indent="-228600">
+                <a:defRPr>
+                  <a:solidFill>
+                    <a:schemeClr val="tx1"/>
+                  </a:solidFill>
+                  <a:latin typeface="Calibri" panose="020F0502020204030204" pitchFamily="34" charset="0"/>
+                </a:defRPr>
+              </a:lvl3pPr>
+              <a:lvl4pPr marL="1600200" indent="-228600">
+                <a:defRPr>
+                  <a:solidFill>
+                    <a:schemeClr val="tx1"/>
+                  </a:solidFill>
+                  <a:latin typeface="Calibri" panose="020F0502020204030204" pitchFamily="34" charset="0"/>
+                </a:defRPr>
+              </a:lvl4pPr>
+              <a:lvl5pPr marL="2057400" indent="-228600">
+                <a:defRPr>
+                  <a:solidFill>
+                    <a:schemeClr val="tx1"/>
+                  </a:solidFill>
+                  <a:latin typeface="Calibri" panose="020F0502020204030204" pitchFamily="34" charset="0"/>
+                </a:defRPr>
+              </a:lvl5pPr>
+              <a:lvl6pPr marL="2514600" indent="-228600" defTabSz="457200" eaLnBrk="0" fontAlgn="base" hangingPunct="0">
+                <a:spcBef>
+                  <a:spcPct val="0"/>
+                </a:spcBef>
+                <a:spcAft>
+                  <a:spcPct val="0"/>
+                </a:spcAft>
+                <a:defRPr>
+                  <a:solidFill>
+                    <a:schemeClr val="tx1"/>
+                  </a:solidFill>
+                  <a:latin typeface="Calibri" panose="020F0502020204030204" pitchFamily="34" charset="0"/>
+                </a:defRPr>
+              </a:lvl6pPr>
+              <a:lvl7pPr marL="2971800" indent="-228600" defTabSz="457200" eaLnBrk="0" fontAlgn="base" hangingPunct="0">
+                <a:spcBef>
+                  <a:spcPct val="0"/>
+                </a:spcBef>
+                <a:spcAft>
+                  <a:spcPct val="0"/>
+                </a:spcAft>
+                <a:defRPr>
+                  <a:solidFill>
+                    <a:schemeClr val="tx1"/>
+                  </a:solidFill>
+                  <a:latin typeface="Calibri" panose="020F0502020204030204" pitchFamily="34" charset="0"/>
+                </a:defRPr>
+              </a:lvl7pPr>
+              <a:lvl8pPr marL="3429000" indent="-228600" defTabSz="457200" eaLnBrk="0" fontAlgn="base" hangingPunct="0">
+                <a:spcBef>
+                  <a:spcPct val="0"/>
+                </a:spcBef>
+                <a:spcAft>
+                  <a:spcPct val="0"/>
+                </a:spcAft>
+                <a:defRPr>
+                  <a:solidFill>
+                    <a:schemeClr val="tx1"/>
+                  </a:solidFill>
+                  <a:latin typeface="Calibri" panose="020F0502020204030204" pitchFamily="34" charset="0"/>
+                </a:defRPr>
+              </a:lvl8pPr>
+              <a:lvl9pPr marL="3886200" indent="-228600" defTabSz="457200" eaLnBrk="0" fontAlgn="base" hangingPunct="0">
+                <a:spcBef>
+                  <a:spcPct val="0"/>
+                </a:spcBef>
+                <a:spcAft>
+                  <a:spcPct val="0"/>
+                </a:spcAft>
+                <a:defRPr>
+                  <a:solidFill>
+                    <a:schemeClr val="tx1"/>
+                  </a:solidFill>
+                  <a:latin typeface="Calibri" panose="020F0502020204030204" pitchFamily="34" charset="0"/>
+                </a:defRPr>
+              </a:lvl9pPr>
+            </a:lstStyle>
+            <a:p>
+              <a:pPr eaLnBrk="1" hangingPunct="1"/>
+              <a:r>
+                <a:rPr lang="fr-FR" altLang="fr-FR" dirty="0"/>
+                <a:t>Rayon atomique</a:t>
+              </a:r>
+            </a:p>
+          </p:txBody>
+        </p:sp>
+        <p:grpSp>
+          <p:nvGrpSpPr>
+            <p:cNvPr id="6" name="Groupe 5">
+              <a:extLst>
+                <a:ext uri="{FF2B5EF4-FFF2-40B4-BE49-F238E27FC236}">
+                  <a16:creationId xmlns:a16="http://schemas.microsoft.com/office/drawing/2014/main" id="{2873A7D5-42DD-49D9-A233-2C2274B0C7C9}"/>
+                </a:ext>
+              </a:extLst>
+            </p:cNvPr>
+            <p:cNvGrpSpPr/>
+            <p:nvPr/>
+          </p:nvGrpSpPr>
+          <p:grpSpPr>
+            <a:xfrm>
+              <a:off x="5041901" y="325081"/>
+              <a:ext cx="3238500" cy="4883150"/>
+              <a:chOff x="5972209" y="990761"/>
+              <a:chExt cx="3238500" cy="4883150"/>
+            </a:xfrm>
+          </p:grpSpPr>
+          <p:pic>
+            <p:nvPicPr>
+              <p:cNvPr id="8" name="Espace réservé du contenu 5">
+                <a:extLst>
+                  <a:ext uri="{FF2B5EF4-FFF2-40B4-BE49-F238E27FC236}">
+                    <a16:creationId xmlns:a16="http://schemas.microsoft.com/office/drawing/2014/main" id="{0CCE25A0-3306-4F84-9D0C-48237074A39E}"/>
+                  </a:ext>
+                </a:extLst>
+              </p:cNvPr>
+              <p:cNvPicPr>
+                <a:picLocks noChangeAspect="1" noChangeArrowheads="1"/>
+              </p:cNvPicPr>
+              <p:nvPr/>
+            </p:nvPicPr>
+            <p:blipFill>
+              <a:blip r:embed="rId2">
+                <a:extLst>
+                  <a:ext uri="{28A0092B-C50C-407E-A947-70E740481C1C}">
+                    <a14:useLocalDpi xmlns:a14="http://schemas.microsoft.com/office/drawing/2010/main" val="0"/>
+                  </a:ext>
+                </a:extLst>
+              </a:blip>
+              <a:srcRect/>
+              <a:stretch>
+                <a:fillRect/>
+              </a:stretch>
+            </p:blipFill>
+            <p:spPr bwMode="auto">
+              <a:xfrm>
+                <a:off x="5972209" y="990761"/>
+                <a:ext cx="3238500" cy="4883150"/>
+              </a:xfrm>
+              <a:prstGeom prst="rect">
+                <a:avLst/>
+              </a:prstGeom>
+              <a:noFill/>
+              <a:ln>
+                <a:noFill/>
+              </a:ln>
+              <a:extLst>
+                <a:ext uri="{909E8E84-426E-40DD-AFC4-6F175D3DCCD1}">
+                  <a14:hiddenFill xmlns:a14="http://schemas.microsoft.com/office/drawing/2010/main">
+                    <a:solidFill>
+                      <a:srgbClr val="FFFFFF"/>
+                    </a:solidFill>
+                  </a14:hiddenFill>
+                </a:ext>
+                <a:ext uri="{91240B29-F687-4F45-9708-019B960494DF}">
+                  <a14:hiddenLine xmlns:a14="http://schemas.microsoft.com/office/drawing/2010/main" w="9525">
+                    <a:solidFill>
+                      <a:srgbClr val="000000"/>
+                    </a:solidFill>
+                    <a:miter lim="800000"/>
+                    <a:headEnd/>
+                    <a:tailEnd/>
+                  </a14:hiddenLine>
+                </a:ext>
+              </a:extLst>
+            </p:spPr>
+          </p:pic>
+          <p:sp>
+            <p:nvSpPr>
+              <p:cNvPr id="9" name="Rectangle 8">
+                <a:extLst>
+                  <a:ext uri="{FF2B5EF4-FFF2-40B4-BE49-F238E27FC236}">
+                    <a16:creationId xmlns:a16="http://schemas.microsoft.com/office/drawing/2014/main" id="{8959A9AD-478D-4F9A-896F-459F532440D7}"/>
+                  </a:ext>
+                </a:extLst>
+              </p:cNvPr>
+              <p:cNvSpPr/>
+              <p:nvPr/>
+            </p:nvSpPr>
+            <p:spPr>
+              <a:xfrm>
+                <a:off x="6387549" y="1303338"/>
+                <a:ext cx="954156" cy="4464050"/>
+              </a:xfrm>
+              <a:prstGeom prst="rect">
+                <a:avLst/>
+              </a:prstGeom>
+              <a:solidFill>
+                <a:schemeClr val="bg1"/>
+              </a:solidFill>
+              <a:ln>
+                <a:noFill/>
+              </a:ln>
+            </p:spPr>
+            <p:style>
+              <a:lnRef idx="2">
+                <a:schemeClr val="accent1">
+                  <a:shade val="50000"/>
+                </a:schemeClr>
+              </a:lnRef>
+              <a:fillRef idx="1">
+                <a:schemeClr val="accent1"/>
+              </a:fillRef>
+              <a:effectRef idx="0">
+                <a:schemeClr val="accent1"/>
+              </a:effectRef>
+              <a:fontRef idx="minor">
+                <a:schemeClr val="lt1"/>
+              </a:fontRef>
+            </p:style>
+            <p:txBody>
+              <a:bodyPr rtlCol="0" anchor="ctr"/>
+              <a:lstStyle/>
+              <a:p>
+                <a:pPr algn="ctr"/>
+                <a:endParaRPr lang="fr-FR"/>
+              </a:p>
+            </p:txBody>
+          </p:sp>
+        </p:grpSp>
+        <p:cxnSp>
+          <p:nvCxnSpPr>
+            <p:cNvPr id="7" name="Connecteur droit avec flèche 6">
+              <a:extLst>
+                <a:ext uri="{FF2B5EF4-FFF2-40B4-BE49-F238E27FC236}">
+                  <a16:creationId xmlns:a16="http://schemas.microsoft.com/office/drawing/2014/main" id="{229F5D01-A175-4FE5-B36B-CB6A0C3FB622}"/>
+                </a:ext>
+              </a:extLst>
+            </p:cNvPr>
+            <p:cNvCxnSpPr>
+              <a:cxnSpLocks/>
+            </p:cNvCxnSpPr>
+            <p:nvPr/>
+          </p:nvCxnSpPr>
+          <p:spPr>
+            <a:xfrm flipV="1">
+              <a:off x="5362299" y="5127522"/>
+              <a:ext cx="3240088" cy="0"/>
+            </a:xfrm>
+            <a:prstGeom prst="straightConnector1">
+              <a:avLst/>
+            </a:prstGeom>
+            <a:ln>
+              <a:tailEnd type="triangle"/>
+            </a:ln>
+          </p:spPr>
+          <p:style>
+            <a:lnRef idx="1">
+              <a:schemeClr val="dk1"/>
+            </a:lnRef>
+            <a:fillRef idx="0">
+              <a:schemeClr val="dk1"/>
+            </a:fillRef>
+            <a:effectRef idx="0">
+              <a:schemeClr val="dk1"/>
+            </a:effectRef>
+            <a:fontRef idx="minor">
+              <a:schemeClr val="tx1"/>
+            </a:fontRef>
+          </p:style>
+        </p:cxnSp>
+      </p:grpSp>
+    </p:spTree>
+    <p:extLst>
+      <p:ext uri="{BB962C8B-B14F-4D97-AF65-F5344CB8AC3E}">
+        <p14:creationId xmlns:p14="http://schemas.microsoft.com/office/powerpoint/2010/main" val="2511228614"/>
+      </p:ext>
+    </p:extLst>
+  </p:cSld>
+  <p:clrMapOvr>
+    <a:masterClrMapping/>
+  </p:clrMapOvr>
+</p:sld>
+</file>
+
+<file path=ppt/slides/slide13.xml><?xml version="1.0" encoding="utf-8"?>
+<p:sld xmlns:a="http://schemas.openxmlformats.org/drawingml/2006/main" xmlns:r="http://schemas.openxmlformats.org/officeDocument/2006/relationships" xmlns:p="http://schemas.openxmlformats.org/presentationml/2006/main">
+  <p:cSld>
+    <p:spTree>
+      <p:nvGrpSpPr>
+        <p:cNvPr id="1" name=""/>
+        <p:cNvGrpSpPr/>
+        <p:nvPr/>
+      </p:nvGrpSpPr>
+      <p:grpSpPr>
+        <a:xfrm>
+          <a:off x="0" y="0"/>
+          <a:ext cx="0" cy="0"/>
+          <a:chOff x="0" y="0"/>
+          <a:chExt cx="0" cy="0"/>
+        </a:xfrm>
+      </p:grpSpPr>
+      <p:sp>
+        <p:nvSpPr>
+          <p:cNvPr id="2" name="Espace réservé du numéro de diapositive 1">
+            <a:extLst>
+              <a:ext uri="{FF2B5EF4-FFF2-40B4-BE49-F238E27FC236}">
+                <a16:creationId xmlns:a16="http://schemas.microsoft.com/office/drawing/2014/main" id="{C1725BFA-1895-4FEB-8BC7-38DE26D7946F}"/>
+              </a:ext>
+            </a:extLst>
+          </p:cNvPr>
+          <p:cNvSpPr>
+            <a:spLocks noGrp="1"/>
+          </p:cNvSpPr>
+          <p:nvPr>
+            <p:ph type="sldNum" sz="quarter" idx="12"/>
+          </p:nvPr>
+        </p:nvSpPr>
+        <p:spPr/>
+        <p:txBody>
+          <a:bodyPr/>
+          <a:lstStyle/>
+          <a:p>
+            <a:fld id="{4FAB73BC-B049-4115-A692-8D63A059BFB8}" type="slidenum">
+              <a:rPr lang="en-US" smtClean="0"/>
+              <a:pPr/>
+              <a:t>13</a:t>
+            </a:fld>
+            <a:endParaRPr lang="en-US" dirty="0"/>
+          </a:p>
+        </p:txBody>
+      </p:sp>
+      <p:sp>
+        <p:nvSpPr>
+          <p:cNvPr id="3" name="Titre 2">
+            <a:extLst>
+              <a:ext uri="{FF2B5EF4-FFF2-40B4-BE49-F238E27FC236}">
+                <a16:creationId xmlns:a16="http://schemas.microsoft.com/office/drawing/2014/main" id="{CAC68440-15DD-4103-999C-BF42D2C7EB09}"/>
+              </a:ext>
+            </a:extLst>
+          </p:cNvPr>
+          <p:cNvSpPr>
+            <a:spLocks noGrp="1"/>
+          </p:cNvSpPr>
+          <p:nvPr>
+            <p:ph type="title"/>
+          </p:nvPr>
+        </p:nvSpPr>
+        <p:spPr>
+          <a:xfrm>
+            <a:off x="152400" y="27919"/>
+            <a:ext cx="9144000" cy="694497"/>
+          </a:xfrm>
+        </p:spPr>
+        <p:txBody>
+          <a:bodyPr/>
+          <a:lstStyle/>
+          <a:p>
+            <a:r>
+              <a:rPr lang="fr-FR" sz="4400" dirty="0"/>
+              <a:t>Température d’ébullition, cas de l’eau</a:t>
+            </a:r>
+          </a:p>
+        </p:txBody>
+      </p:sp>
+      <p:pic>
+        <p:nvPicPr>
+          <p:cNvPr id="4" name="Image 3">
+            <a:extLst>
+              <a:ext uri="{FF2B5EF4-FFF2-40B4-BE49-F238E27FC236}">
+                <a16:creationId xmlns:a16="http://schemas.microsoft.com/office/drawing/2014/main" id="{64E43B98-B82B-472A-821F-02E83B7839F9}"/>
+              </a:ext>
+            </a:extLst>
+          </p:cNvPr>
+          <p:cNvPicPr>
+            <a:picLocks noChangeAspect="1"/>
+          </p:cNvPicPr>
+          <p:nvPr/>
+        </p:nvPicPr>
+        <p:blipFill>
+          <a:blip r:embed="rId2"/>
+          <a:stretch>
+            <a:fillRect/>
+          </a:stretch>
+        </p:blipFill>
+        <p:spPr>
+          <a:xfrm>
+            <a:off x="3030483" y="915291"/>
+            <a:ext cx="2513067" cy="3854629"/>
+          </a:xfrm>
+          <a:prstGeom prst="rect">
+            <a:avLst/>
+          </a:prstGeom>
+        </p:spPr>
+      </p:pic>
+    </p:spTree>
+    <p:extLst>
+      <p:ext uri="{BB962C8B-B14F-4D97-AF65-F5344CB8AC3E}">
+        <p14:creationId xmlns:p14="http://schemas.microsoft.com/office/powerpoint/2010/main" val="855502789"/>
+      </p:ext>
+    </p:extLst>
+  </p:cSld>
+  <p:clrMapOvr>
+    <a:masterClrMapping/>
+  </p:clrMapOvr>
+</p:sld>
+</file>
+
+<file path=ppt/slides/slide14.xml><?xml version="1.0" encoding="utf-8"?>
+<p:sld xmlns:a="http://schemas.openxmlformats.org/drawingml/2006/main" xmlns:r="http://schemas.openxmlformats.org/officeDocument/2006/relationships" xmlns:p="http://schemas.openxmlformats.org/presentationml/2006/main">
+  <p:cSld>
+    <p:spTree>
+      <p:nvGrpSpPr>
+        <p:cNvPr id="1" name=""/>
+        <p:cNvGrpSpPr/>
+        <p:nvPr/>
+      </p:nvGrpSpPr>
+      <p:grpSpPr>
+        <a:xfrm>
+          <a:off x="0" y="0"/>
+          <a:ext cx="0" cy="0"/>
+          <a:chOff x="0" y="0"/>
+          <a:chExt cx="0" cy="0"/>
+        </a:xfrm>
+      </p:grpSpPr>
+      <p:sp>
+        <p:nvSpPr>
+          <p:cNvPr id="2" name="Espace réservé du numéro de diapositive 1">
+            <a:extLst>
+              <a:ext uri="{FF2B5EF4-FFF2-40B4-BE49-F238E27FC236}">
+                <a16:creationId xmlns:a16="http://schemas.microsoft.com/office/drawing/2014/main" id="{4D42A961-1084-4ED8-9CE2-530101384D77}"/>
+              </a:ext>
+            </a:extLst>
+          </p:cNvPr>
+          <p:cNvSpPr>
+            <a:spLocks noGrp="1"/>
+          </p:cNvSpPr>
+          <p:nvPr>
+            <p:ph type="sldNum" sz="quarter" idx="12"/>
+          </p:nvPr>
+        </p:nvSpPr>
+        <p:spPr/>
+        <p:txBody>
+          <a:bodyPr/>
+          <a:lstStyle/>
+          <a:p>
+            <a:fld id="{4FAB73BC-B049-4115-A692-8D63A059BFB8}" type="slidenum">
+              <a:rPr lang="en-US" smtClean="0"/>
+              <a:pPr/>
+              <a:t>14</a:t>
+            </a:fld>
+            <a:endParaRPr lang="en-US" dirty="0"/>
+          </a:p>
+        </p:txBody>
+      </p:sp>
+      <p:sp>
+        <p:nvSpPr>
+          <p:cNvPr id="3" name="Titre 2">
+            <a:extLst>
+              <a:ext uri="{FF2B5EF4-FFF2-40B4-BE49-F238E27FC236}">
+                <a16:creationId xmlns:a16="http://schemas.microsoft.com/office/drawing/2014/main" id="{CAEC1F61-DDC8-47B1-ADB8-80EFE289750A}"/>
+              </a:ext>
+            </a:extLst>
+          </p:cNvPr>
+          <p:cNvSpPr>
+            <a:spLocks noGrp="1"/>
+          </p:cNvSpPr>
+          <p:nvPr>
+            <p:ph type="title"/>
+          </p:nvPr>
+        </p:nvSpPr>
+        <p:spPr/>
+        <p:txBody>
+          <a:bodyPr/>
+          <a:lstStyle/>
+          <a:p>
+            <a:r>
+              <a:rPr lang="fr-FR" dirty="0"/>
+              <a:t>Énergie liaison hydrogène</a:t>
+            </a:r>
+          </a:p>
+        </p:txBody>
+      </p:sp>
+      <p:graphicFrame>
+        <p:nvGraphicFramePr>
+          <p:cNvPr id="4" name="Tableau 3">
+            <a:extLst>
+              <a:ext uri="{FF2B5EF4-FFF2-40B4-BE49-F238E27FC236}">
+                <a16:creationId xmlns:a16="http://schemas.microsoft.com/office/drawing/2014/main" id="{18721D2A-240F-4FD4-AC98-E768789CCE20}"/>
+              </a:ext>
+            </a:extLst>
+          </p:cNvPr>
+          <p:cNvGraphicFramePr>
+            <a:graphicFrameLocks noGrp="1"/>
+          </p:cNvGraphicFramePr>
+          <p:nvPr>
+            <p:extLst>
+              <p:ext uri="{D42A27DB-BD31-4B8C-83A1-F6EECF244321}">
+                <p14:modId xmlns:p14="http://schemas.microsoft.com/office/powerpoint/2010/main" val="2152750855"/>
+              </p:ext>
+            </p:extLst>
+          </p:nvPr>
+        </p:nvGraphicFramePr>
+        <p:xfrm>
+          <a:off x="290842" y="873302"/>
+          <a:ext cx="8562316" cy="3673259"/>
+        </p:xfrm>
+        <a:graphic>
+          <a:graphicData uri="http://schemas.openxmlformats.org/drawingml/2006/table">
+            <a:tbl>
+              <a:tblPr firstRow="1" bandRow="1">
+                <a:tableStyleId>{21E4AEA4-8DFA-4A89-87EB-49C32662AFE0}</a:tableStyleId>
+              </a:tblPr>
+              <a:tblGrid>
+                <a:gridCol w="2140579">
+                  <a:extLst>
+                    <a:ext uri="{9D8B030D-6E8A-4147-A177-3AD203B41FA5}">
+                      <a16:colId xmlns:a16="http://schemas.microsoft.com/office/drawing/2014/main" val="20000"/>
+                    </a:ext>
+                  </a:extLst>
+                </a:gridCol>
+                <a:gridCol w="2140579">
+                  <a:extLst>
+                    <a:ext uri="{9D8B030D-6E8A-4147-A177-3AD203B41FA5}">
+                      <a16:colId xmlns:a16="http://schemas.microsoft.com/office/drawing/2014/main" val="20001"/>
+                    </a:ext>
+                  </a:extLst>
+                </a:gridCol>
+                <a:gridCol w="2140579">
+                  <a:extLst>
+                    <a:ext uri="{9D8B030D-6E8A-4147-A177-3AD203B41FA5}">
+                      <a16:colId xmlns:a16="http://schemas.microsoft.com/office/drawing/2014/main" val="20002"/>
+                    </a:ext>
+                  </a:extLst>
+                </a:gridCol>
+                <a:gridCol w="2140579">
+                  <a:extLst>
+                    <a:ext uri="{9D8B030D-6E8A-4147-A177-3AD203B41FA5}">
+                      <a16:colId xmlns:a16="http://schemas.microsoft.com/office/drawing/2014/main" val="20003"/>
+                    </a:ext>
+                  </a:extLst>
+                </a:gridCol>
+              </a:tblGrid>
+              <a:tr h="692144">
+                <a:tc gridSpan="2">
+                  <a:txBody>
+                    <a:bodyPr/>
+                    <a:lstStyle/>
+                    <a:p>
+                      <a:pPr algn="ctr"/>
+                      <a:r>
+                        <a:rPr lang="fr-FR" sz="2400" dirty="0"/>
+                        <a:t>Type de liaison</a:t>
+                      </a:r>
+                    </a:p>
+                  </a:txBody>
+                  <a:tcPr anchor="ctr"/>
+                </a:tc>
+                <a:tc hMerge="1">
+                  <a:txBody>
+                    <a:bodyPr/>
+                    <a:lstStyle/>
+                    <a:p>
+                      <a:endParaRPr lang="fr-FR" dirty="0"/>
+                    </a:p>
+                  </a:txBody>
+                  <a:tcPr/>
+                </a:tc>
+                <a:tc>
+                  <a:txBody>
+                    <a:bodyPr/>
+                    <a:lstStyle/>
+                    <a:p>
+                      <a:pPr algn="ctr"/>
+                      <a:r>
+                        <a:rPr lang="fr-FR" sz="2400" dirty="0"/>
+                        <a:t>Exemple</a:t>
+                      </a:r>
+                    </a:p>
+                  </a:txBody>
+                  <a:tcPr anchor="ctr"/>
+                </a:tc>
+                <a:tc>
+                  <a:txBody>
+                    <a:bodyPr/>
+                    <a:lstStyle/>
+                    <a:p>
+                      <a:pPr algn="ctr"/>
+                      <a:r>
+                        <a:rPr lang="fr-FR" sz="2400" dirty="0"/>
+                        <a:t>Énergie typique</a:t>
+                      </a:r>
+                    </a:p>
+                  </a:txBody>
+                  <a:tcPr anchor="ctr"/>
+                </a:tc>
+                <a:extLst>
+                  <a:ext uri="{0D108BD9-81ED-4DB2-BD59-A6C34878D82A}">
+                    <a16:rowId xmlns:a16="http://schemas.microsoft.com/office/drawing/2014/main" val="10000"/>
+                  </a:ext>
+                </a:extLst>
+              </a:tr>
+              <a:tr h="424290">
+                <a:tc rowSpan="3">
+                  <a:txBody>
+                    <a:bodyPr/>
+                    <a:lstStyle/>
+                    <a:p>
+                      <a:pPr algn="ctr"/>
+                      <a:r>
+                        <a:rPr lang="fr-FR" sz="2400" dirty="0"/>
+                        <a:t>Liaison covalente</a:t>
+                      </a:r>
+                    </a:p>
+                  </a:txBody>
+                  <a:tcPr anchor="ctr"/>
+                </a:tc>
+                <a:tc>
+                  <a:txBody>
+                    <a:bodyPr/>
+                    <a:lstStyle/>
+                    <a:p>
+                      <a:pPr algn="ctr"/>
+                      <a:r>
+                        <a:rPr lang="fr-FR" sz="2400" dirty="0"/>
+                        <a:t>Liaison simple</a:t>
+                      </a:r>
+                    </a:p>
+                  </a:txBody>
+                  <a:tcPr anchor="ctr"/>
+                </a:tc>
+                <a:tc>
+                  <a:txBody>
+                    <a:bodyPr/>
+                    <a:lstStyle/>
+                    <a:p>
+                      <a:pPr marL="0" marR="0" lvl="0" indent="0" algn="ctr" defTabSz="685800" rtl="0" eaLnBrk="1" fontAlgn="auto" latinLnBrk="0" hangingPunct="1">
+                        <a:lnSpc>
+                          <a:spcPct val="100000"/>
+                        </a:lnSpc>
+                        <a:spcBef>
+                          <a:spcPts val="0"/>
+                        </a:spcBef>
+                        <a:spcAft>
+                          <a:spcPts val="0"/>
+                        </a:spcAft>
+                        <a:buClrTx/>
+                        <a:buSzTx/>
+                        <a:buFontTx/>
+                        <a:buNone/>
+                        <a:tabLst/>
+                        <a:defRPr/>
+                      </a:pPr>
+                      <a:r>
+                        <a:rPr lang="fr-FR" sz="1800" b="1" dirty="0">
+                          <a:latin typeface="+mj-lt"/>
+                        </a:rPr>
+                        <a:t>C — C  </a:t>
+                      </a:r>
+                      <a:endParaRPr lang="fr-FR" sz="1600" b="1" dirty="0">
+                        <a:latin typeface="+mj-lt"/>
+                      </a:endParaRPr>
+                    </a:p>
+                  </a:txBody>
+                  <a:tcPr anchor="ctr"/>
+                </a:tc>
+                <a:tc>
+                  <a:txBody>
+                    <a:bodyPr/>
+                    <a:lstStyle/>
+                    <a:p>
+                      <a:pPr algn="ctr"/>
+                      <a:r>
+                        <a:rPr lang="fr-FR" dirty="0"/>
+                        <a:t> </a:t>
+                      </a:r>
+                      <a:r>
+                        <a:rPr lang="fr-FR" sz="1800" b="1" kern="1200" dirty="0">
+                          <a:solidFill>
+                            <a:schemeClr val="dk1"/>
+                          </a:solidFill>
+                          <a:latin typeface="+mj-lt"/>
+                          <a:ea typeface="+mn-ea"/>
+                          <a:cs typeface="+mn-cs"/>
+                        </a:rPr>
+                        <a:t>300 kJ/mol</a:t>
+                      </a:r>
+                    </a:p>
+                  </a:txBody>
+                  <a:tcPr anchor="ctr"/>
+                </a:tc>
+                <a:extLst>
+                  <a:ext uri="{0D108BD9-81ED-4DB2-BD59-A6C34878D82A}">
+                    <a16:rowId xmlns:a16="http://schemas.microsoft.com/office/drawing/2014/main" val="10001"/>
+                  </a:ext>
+                </a:extLst>
+              </a:tr>
+              <a:tr h="564299">
+                <a:tc vMerge="1">
+                  <a:txBody>
+                    <a:bodyPr/>
+                    <a:lstStyle/>
+                    <a:p>
+                      <a:endParaRPr lang="fr-FR" dirty="0"/>
+                    </a:p>
+                  </a:txBody>
+                  <a:tcPr/>
+                </a:tc>
+                <a:tc>
+                  <a:txBody>
+                    <a:bodyPr/>
+                    <a:lstStyle/>
+                    <a:p>
+                      <a:pPr algn="ctr"/>
+                      <a:r>
+                        <a:rPr lang="fr-FR" sz="2400" dirty="0"/>
+                        <a:t>Liaison double</a:t>
+                      </a:r>
+                    </a:p>
+                  </a:txBody>
+                  <a:tcPr anchor="ctr"/>
+                </a:tc>
+                <a:tc>
+                  <a:txBody>
+                    <a:bodyPr/>
+                    <a:lstStyle/>
+                    <a:p>
+                      <a:pPr algn="ctr"/>
+                      <a:r>
+                        <a:rPr lang="fr-FR" sz="1800" b="1" kern="1200" dirty="0">
+                          <a:solidFill>
+                            <a:schemeClr val="dk1"/>
+                          </a:solidFill>
+                          <a:latin typeface="+mj-lt"/>
+                          <a:ea typeface="+mn-ea"/>
+                          <a:cs typeface="+mn-cs"/>
+                        </a:rPr>
+                        <a:t> C = O</a:t>
+                      </a:r>
+                    </a:p>
+                  </a:txBody>
+                  <a:tcPr anchor="ctr"/>
+                </a:tc>
+                <a:tc>
+                  <a:txBody>
+                    <a:bodyPr/>
+                    <a:lstStyle/>
+                    <a:p>
+                      <a:pPr marL="0" marR="0" lvl="0" indent="0" algn="ctr" defTabSz="685800" rtl="0" eaLnBrk="1" fontAlgn="auto" latinLnBrk="0" hangingPunct="1">
+                        <a:lnSpc>
+                          <a:spcPct val="100000"/>
+                        </a:lnSpc>
+                        <a:spcBef>
+                          <a:spcPts val="0"/>
+                        </a:spcBef>
+                        <a:spcAft>
+                          <a:spcPts val="0"/>
+                        </a:spcAft>
+                        <a:buClrTx/>
+                        <a:buSzTx/>
+                        <a:buFontTx/>
+                        <a:buNone/>
+                        <a:tabLst/>
+                        <a:defRPr/>
+                      </a:pPr>
+                      <a:r>
+                        <a:rPr lang="fr-FR" sz="1800" b="1" kern="1200" dirty="0">
+                          <a:solidFill>
+                            <a:schemeClr val="dk1"/>
+                          </a:solidFill>
+                          <a:latin typeface="+mj-lt"/>
+                          <a:ea typeface="+mn-ea"/>
+                          <a:cs typeface="+mn-cs"/>
+                        </a:rPr>
+                        <a:t> 600 kJ/mol</a:t>
+                      </a:r>
+                    </a:p>
+                  </a:txBody>
+                  <a:tcPr anchor="ctr"/>
+                </a:tc>
+                <a:extLst>
+                  <a:ext uri="{0D108BD9-81ED-4DB2-BD59-A6C34878D82A}">
+                    <a16:rowId xmlns:a16="http://schemas.microsoft.com/office/drawing/2014/main" val="10002"/>
+                  </a:ext>
+                </a:extLst>
+              </a:tr>
+              <a:tr h="384525">
+                <a:tc vMerge="1">
+                  <a:txBody>
+                    <a:bodyPr/>
+                    <a:lstStyle/>
+                    <a:p>
+                      <a:endParaRPr lang="fr-FR" dirty="0"/>
+                    </a:p>
+                  </a:txBody>
+                  <a:tcPr/>
+                </a:tc>
+                <a:tc>
+                  <a:txBody>
+                    <a:bodyPr/>
+                    <a:lstStyle/>
+                    <a:p>
+                      <a:pPr algn="ctr"/>
+                      <a:r>
+                        <a:rPr lang="fr-FR" sz="2400" dirty="0"/>
+                        <a:t>Liaison triple</a:t>
+                      </a:r>
+                    </a:p>
+                  </a:txBody>
+                  <a:tcPr anchor="ctr"/>
+                </a:tc>
+                <a:tc>
+                  <a:txBody>
+                    <a:bodyPr/>
+                    <a:lstStyle/>
+                    <a:p>
+                      <a:pPr algn="ctr"/>
+                      <a:r>
+                        <a:rPr lang="fr-FR" sz="1800" b="1" kern="1200" dirty="0">
+                          <a:solidFill>
+                            <a:schemeClr val="dk1"/>
+                          </a:solidFill>
+                          <a:latin typeface="+mj-lt"/>
+                          <a:ea typeface="+mn-ea"/>
+                          <a:cs typeface="+mn-cs"/>
+                        </a:rPr>
+                        <a:t>N ≡ N</a:t>
+                      </a:r>
+                    </a:p>
+                  </a:txBody>
+                  <a:tcPr anchor="ctr"/>
+                </a:tc>
+                <a:tc>
+                  <a:txBody>
+                    <a:bodyPr/>
+                    <a:lstStyle/>
+                    <a:p>
+                      <a:pPr marL="0" marR="0" lvl="0" indent="0" algn="ctr" defTabSz="685800" rtl="0" eaLnBrk="1" fontAlgn="auto" latinLnBrk="0" hangingPunct="1">
+                        <a:lnSpc>
+                          <a:spcPct val="100000"/>
+                        </a:lnSpc>
+                        <a:spcBef>
+                          <a:spcPts val="0"/>
+                        </a:spcBef>
+                        <a:spcAft>
+                          <a:spcPts val="0"/>
+                        </a:spcAft>
+                        <a:buClrTx/>
+                        <a:buSzTx/>
+                        <a:buFontTx/>
+                        <a:buNone/>
+                        <a:tabLst/>
+                        <a:defRPr/>
+                      </a:pPr>
+                      <a:r>
+                        <a:rPr lang="fr-FR" sz="1800" dirty="0">
+                          <a:latin typeface="+mj-lt"/>
+                        </a:rPr>
+                        <a:t> </a:t>
+                      </a:r>
+                      <a:r>
+                        <a:rPr lang="fr-FR" sz="1800" b="1" kern="1200" dirty="0">
+                          <a:solidFill>
+                            <a:schemeClr val="dk1"/>
+                          </a:solidFill>
+                          <a:latin typeface="+mj-lt"/>
+                          <a:ea typeface="+mn-ea"/>
+                          <a:cs typeface="+mn-cs"/>
+                        </a:rPr>
+                        <a:t>900 kJ/mol</a:t>
+                      </a:r>
+                    </a:p>
+                  </a:txBody>
+                  <a:tcPr anchor="ctr"/>
+                </a:tc>
+                <a:extLst>
+                  <a:ext uri="{0D108BD9-81ED-4DB2-BD59-A6C34878D82A}">
+                    <a16:rowId xmlns:a16="http://schemas.microsoft.com/office/drawing/2014/main" val="10003"/>
+                  </a:ext>
+                </a:extLst>
+              </a:tr>
+              <a:tr h="384525">
+                <a:tc gridSpan="2">
+                  <a:txBody>
+                    <a:bodyPr/>
+                    <a:lstStyle/>
+                    <a:p>
+                      <a:pPr algn="ctr"/>
+                      <a:r>
+                        <a:rPr lang="fr-FR" sz="2400" dirty="0"/>
+                        <a:t>Liaison ionique</a:t>
+                      </a:r>
+                    </a:p>
+                  </a:txBody>
+                  <a:tcPr anchor="ctr"/>
+                </a:tc>
+                <a:tc hMerge="1">
+                  <a:txBody>
+                    <a:bodyPr/>
+                    <a:lstStyle/>
+                    <a:p>
+                      <a:pPr algn="ctr"/>
+                      <a:endParaRPr lang="fr-FR" sz="2400" dirty="0"/>
+                    </a:p>
+                  </a:txBody>
+                  <a:tcPr anchor="ctr"/>
+                </a:tc>
+                <a:tc>
+                  <a:txBody>
+                    <a:bodyPr/>
+                    <a:lstStyle/>
+                    <a:p>
+                      <a:pPr algn="ctr"/>
+                      <a:r>
+                        <a:rPr lang="fr-FR" sz="1800" b="1" kern="1200" dirty="0" err="1">
+                          <a:solidFill>
+                            <a:schemeClr val="dk1"/>
+                          </a:solidFill>
+                          <a:latin typeface="+mj-lt"/>
+                          <a:ea typeface="+mn-ea"/>
+                          <a:cs typeface="+mn-cs"/>
+                        </a:rPr>
+                        <a:t>NaCl</a:t>
+                      </a:r>
+                      <a:endParaRPr lang="fr-FR" sz="1800" b="1" kern="1200" dirty="0">
+                        <a:solidFill>
+                          <a:schemeClr val="dk1"/>
+                        </a:solidFill>
+                        <a:latin typeface="+mj-lt"/>
+                        <a:ea typeface="+mn-ea"/>
+                        <a:cs typeface="+mn-cs"/>
+                      </a:endParaRPr>
+                    </a:p>
+                  </a:txBody>
+                  <a:tcPr anchor="ctr"/>
+                </a:tc>
+                <a:tc>
+                  <a:txBody>
+                    <a:bodyPr/>
+                    <a:lstStyle/>
+                    <a:p>
+                      <a:pPr marL="0" marR="0" lvl="0" indent="0" algn="ctr" defTabSz="685800" rtl="0" eaLnBrk="1" fontAlgn="auto" latinLnBrk="0" hangingPunct="1">
+                        <a:lnSpc>
+                          <a:spcPct val="100000"/>
+                        </a:lnSpc>
+                        <a:spcBef>
+                          <a:spcPts val="0"/>
+                        </a:spcBef>
+                        <a:spcAft>
+                          <a:spcPts val="0"/>
+                        </a:spcAft>
+                        <a:buClrTx/>
+                        <a:buSzTx/>
+                        <a:buFontTx/>
+                        <a:buNone/>
+                        <a:tabLst/>
+                        <a:defRPr/>
+                      </a:pPr>
+                      <a:r>
+                        <a:rPr lang="fr-FR" sz="1800" b="1" kern="1200" dirty="0">
+                          <a:solidFill>
+                            <a:schemeClr val="dk1"/>
+                          </a:solidFill>
+                          <a:latin typeface="+mj-lt"/>
+                          <a:ea typeface="+mn-ea"/>
+                          <a:cs typeface="+mn-cs"/>
+                        </a:rPr>
+                        <a:t>700 – 100 kJ/mol</a:t>
+                      </a:r>
+                    </a:p>
+                  </a:txBody>
+                  <a:tcPr anchor="ctr"/>
+                </a:tc>
+                <a:extLst>
+                  <a:ext uri="{0D108BD9-81ED-4DB2-BD59-A6C34878D82A}">
+                    <a16:rowId xmlns:a16="http://schemas.microsoft.com/office/drawing/2014/main" val="4100988078"/>
+                  </a:ext>
+                </a:extLst>
+              </a:tr>
+              <a:tr h="384525">
+                <a:tc gridSpan="2">
+                  <a:txBody>
+                    <a:bodyPr/>
+                    <a:lstStyle/>
+                    <a:p>
+                      <a:pPr algn="ctr"/>
+                      <a:r>
+                        <a:rPr lang="fr-FR" sz="2400" dirty="0"/>
+                        <a:t>Liaison de Van der Waals</a:t>
+                      </a:r>
+                    </a:p>
+                  </a:txBody>
+                  <a:tcPr anchor="ctr"/>
+                </a:tc>
+                <a:tc hMerge="1">
+                  <a:txBody>
+                    <a:bodyPr/>
+                    <a:lstStyle/>
+                    <a:p>
+                      <a:endParaRPr lang="fr-FR"/>
+                    </a:p>
+                  </a:txBody>
+                  <a:tcPr/>
+                </a:tc>
+                <a:tc>
+                  <a:txBody>
+                    <a:bodyPr/>
+                    <a:lstStyle/>
+                    <a:p>
+                      <a:pPr algn="ctr"/>
+                      <a:r>
+                        <a:rPr lang="fr-FR" sz="1800" b="1" kern="1200" dirty="0">
+                          <a:solidFill>
+                            <a:schemeClr val="dk1"/>
+                          </a:solidFill>
+                          <a:latin typeface="+mj-lt"/>
+                          <a:ea typeface="+mn-ea"/>
+                          <a:cs typeface="+mn-cs"/>
+                        </a:rPr>
+                        <a:t>Gecko </a:t>
+                      </a:r>
+                    </a:p>
+                  </a:txBody>
+                  <a:tcPr anchor="ctr"/>
+                </a:tc>
+                <a:tc>
+                  <a:txBody>
+                    <a:bodyPr/>
+                    <a:lstStyle/>
+                    <a:p>
+                      <a:pPr marL="0" marR="0" lvl="0" indent="0" algn="ctr" defTabSz="685800" rtl="0" eaLnBrk="1" fontAlgn="auto" latinLnBrk="0" hangingPunct="1">
+                        <a:lnSpc>
+                          <a:spcPct val="100000"/>
+                        </a:lnSpc>
+                        <a:spcBef>
+                          <a:spcPts val="0"/>
+                        </a:spcBef>
+                        <a:spcAft>
+                          <a:spcPts val="0"/>
+                        </a:spcAft>
+                        <a:buClrTx/>
+                        <a:buSzTx/>
+                        <a:buFontTx/>
+                        <a:buNone/>
+                        <a:tabLst/>
+                        <a:defRPr/>
+                      </a:pPr>
+                      <a:r>
+                        <a:rPr lang="fr-FR" sz="1800" b="1" kern="1200" dirty="0">
+                          <a:solidFill>
+                            <a:schemeClr val="dk1"/>
+                          </a:solidFill>
+                          <a:latin typeface="+mj-lt"/>
+                          <a:ea typeface="+mn-ea"/>
+                          <a:cs typeface="+mn-cs"/>
+                        </a:rPr>
+                        <a:t>20 kJ/mol</a:t>
+                      </a:r>
+                    </a:p>
+                  </a:txBody>
+                  <a:tcPr anchor="ctr"/>
+                </a:tc>
+                <a:extLst>
+                  <a:ext uri="{0D108BD9-81ED-4DB2-BD59-A6C34878D82A}">
+                    <a16:rowId xmlns:a16="http://schemas.microsoft.com/office/drawing/2014/main" val="3533197533"/>
+                  </a:ext>
+                </a:extLst>
+              </a:tr>
+              <a:tr h="384525">
+                <a:tc gridSpan="2">
+                  <a:txBody>
+                    <a:bodyPr/>
+                    <a:lstStyle/>
+                    <a:p>
+                      <a:pPr algn="ctr"/>
+                      <a:r>
+                        <a:rPr lang="fr-FR" sz="2400" dirty="0"/>
+                        <a:t>Liaison hydrogène</a:t>
+                      </a:r>
+                    </a:p>
+                  </a:txBody>
+                  <a:tcPr anchor="ctr"/>
+                </a:tc>
+                <a:tc hMerge="1">
+                  <a:txBody>
+                    <a:bodyPr/>
+                    <a:lstStyle/>
+                    <a:p>
+                      <a:endParaRPr lang="fr-FR"/>
+                    </a:p>
+                  </a:txBody>
+                  <a:tcPr/>
+                </a:tc>
+                <a:tc>
+                  <a:txBody>
+                    <a:bodyPr/>
+                    <a:lstStyle/>
+                    <a:p>
+                      <a:pPr algn="ctr"/>
+                      <a:r>
+                        <a:rPr lang="fr-FR" sz="1800" b="1" kern="1200" dirty="0">
+                          <a:solidFill>
+                            <a:schemeClr val="dk1"/>
+                          </a:solidFill>
+                          <a:latin typeface="+mj-lt"/>
+                          <a:ea typeface="+mn-ea"/>
+                          <a:cs typeface="+mn-cs"/>
+                        </a:rPr>
+                        <a:t>glace</a:t>
+                      </a:r>
+                    </a:p>
+                  </a:txBody>
+                  <a:tcPr anchor="ctr"/>
+                </a:tc>
+                <a:tc>
+                  <a:txBody>
+                    <a:bodyPr/>
+                    <a:lstStyle/>
+                    <a:p>
+                      <a:pPr marL="0" marR="0" lvl="0" indent="0" algn="ctr" defTabSz="685800" rtl="0" eaLnBrk="1" fontAlgn="auto" latinLnBrk="0" hangingPunct="1">
+                        <a:lnSpc>
+                          <a:spcPct val="100000"/>
+                        </a:lnSpc>
+                        <a:spcBef>
+                          <a:spcPts val="0"/>
+                        </a:spcBef>
+                        <a:spcAft>
+                          <a:spcPts val="0"/>
+                        </a:spcAft>
+                        <a:buClrTx/>
+                        <a:buSzTx/>
+                        <a:buFontTx/>
+                        <a:buNone/>
+                        <a:tabLst/>
+                        <a:defRPr/>
+                      </a:pPr>
+                      <a:r>
+                        <a:rPr lang="fr-FR" sz="1800" b="1" kern="1200" dirty="0">
+                          <a:solidFill>
+                            <a:schemeClr val="dk1"/>
+                          </a:solidFill>
+                          <a:latin typeface="+mj-lt"/>
+                          <a:ea typeface="+mn-ea"/>
+                          <a:cs typeface="+mn-cs"/>
+                        </a:rPr>
+                        <a:t>50 kJ/mol</a:t>
+                      </a:r>
+                    </a:p>
+                  </a:txBody>
+                  <a:tcPr anchor="ctr"/>
+                </a:tc>
+                <a:extLst>
+                  <a:ext uri="{0D108BD9-81ED-4DB2-BD59-A6C34878D82A}">
+                    <a16:rowId xmlns:a16="http://schemas.microsoft.com/office/drawing/2014/main" val="718642531"/>
+                  </a:ext>
+                </a:extLst>
+              </a:tr>
+            </a:tbl>
+          </a:graphicData>
+        </a:graphic>
+      </p:graphicFrame>
+    </p:spTree>
+    <p:extLst>
+      <p:ext uri="{BB962C8B-B14F-4D97-AF65-F5344CB8AC3E}">
+        <p14:creationId xmlns:p14="http://schemas.microsoft.com/office/powerpoint/2010/main" val="199857467"/>
+      </p:ext>
+    </p:extLst>
+  </p:cSld>
+  <p:clrMapOvr>
+    <a:masterClrMapping/>
+  </p:clrMapOvr>
+</p:sld>
+</file>
+
+<file path=ppt/slides/slide15.xml><?xml version="1.0" encoding="utf-8"?>
+<p:sld xmlns:a="http://schemas.openxmlformats.org/drawingml/2006/main" xmlns:r="http://schemas.openxmlformats.org/officeDocument/2006/relationships" xmlns:p="http://schemas.openxmlformats.org/presentationml/2006/main">
+  <p:cSld>
+    <p:spTree>
+      <p:nvGrpSpPr>
+        <p:cNvPr id="1" name=""/>
+        <p:cNvGrpSpPr/>
+        <p:nvPr/>
+      </p:nvGrpSpPr>
+      <p:grpSpPr>
+        <a:xfrm>
+          <a:off x="0" y="0"/>
+          <a:ext cx="0" cy="0"/>
+          <a:chOff x="0" y="0"/>
+          <a:chExt cx="0" cy="0"/>
+        </a:xfrm>
+      </p:grpSpPr>
+      <p:sp>
+        <p:nvSpPr>
+          <p:cNvPr id="2" name="Espace réservé du numéro de diapositive 1">
+            <a:extLst>
+              <a:ext uri="{FF2B5EF4-FFF2-40B4-BE49-F238E27FC236}">
+                <a16:creationId xmlns:a16="http://schemas.microsoft.com/office/drawing/2014/main" id="{4BBE84F2-28D2-4F08-BDD1-80901EB114FB}"/>
+              </a:ext>
+            </a:extLst>
+          </p:cNvPr>
+          <p:cNvSpPr>
+            <a:spLocks noGrp="1"/>
+          </p:cNvSpPr>
+          <p:nvPr>
+            <p:ph type="sldNum" sz="quarter" idx="12"/>
+          </p:nvPr>
+        </p:nvSpPr>
+        <p:spPr/>
+        <p:txBody>
+          <a:bodyPr/>
+          <a:lstStyle/>
+          <a:p>
+            <a:fld id="{4FAB73BC-B049-4115-A692-8D63A059BFB8}" type="slidenum">
+              <a:rPr lang="en-US" smtClean="0"/>
+              <a:pPr/>
+              <a:t>15</a:t>
+            </a:fld>
+            <a:endParaRPr lang="en-US" dirty="0"/>
+          </a:p>
+        </p:txBody>
+      </p:sp>
+      <p:sp>
+        <p:nvSpPr>
+          <p:cNvPr id="3" name="Titre 2">
+            <a:extLst>
+              <a:ext uri="{FF2B5EF4-FFF2-40B4-BE49-F238E27FC236}">
+                <a16:creationId xmlns:a16="http://schemas.microsoft.com/office/drawing/2014/main" id="{2ED290BF-E658-4D3E-B988-4FE4F9001B88}"/>
+              </a:ext>
+            </a:extLst>
+          </p:cNvPr>
+          <p:cNvSpPr>
+            <a:spLocks noGrp="1"/>
+          </p:cNvSpPr>
+          <p:nvPr>
+            <p:ph type="title"/>
+          </p:nvPr>
+        </p:nvSpPr>
+        <p:spPr>
+          <a:xfrm>
+            <a:off x="228600" y="144379"/>
+            <a:ext cx="8915400" cy="694497"/>
+          </a:xfrm>
+        </p:spPr>
+        <p:txBody>
+          <a:bodyPr/>
+          <a:lstStyle/>
+          <a:p>
+            <a:r>
+              <a:rPr lang="fr-FR" sz="4400" dirty="0"/>
+              <a:t>Différence de température de fusion </a:t>
+            </a:r>
+          </a:p>
+        </p:txBody>
+      </p:sp>
+      <p:pic>
+        <p:nvPicPr>
+          <p:cNvPr id="4" name="Image 3">
+            <a:extLst>
+              <a:ext uri="{FF2B5EF4-FFF2-40B4-BE49-F238E27FC236}">
+                <a16:creationId xmlns:a16="http://schemas.microsoft.com/office/drawing/2014/main" id="{CCE64918-9E98-4A52-800E-5F4CA8E4E424}"/>
+              </a:ext>
+            </a:extLst>
+          </p:cNvPr>
+          <p:cNvPicPr>
+            <a:picLocks noChangeAspect="1"/>
+          </p:cNvPicPr>
+          <p:nvPr/>
+        </p:nvPicPr>
+        <p:blipFill>
+          <a:blip r:embed="rId2">
+            <a:extLst>
+              <a:ext uri="{28A0092B-C50C-407E-A947-70E740481C1C}">
+                <a14:useLocalDpi xmlns:a14="http://schemas.microsoft.com/office/drawing/2010/main" val="0"/>
+              </a:ext>
+            </a:extLst>
+          </a:blip>
+          <a:stretch>
+            <a:fillRect/>
+          </a:stretch>
+        </p:blipFill>
+        <p:spPr>
+          <a:xfrm>
+            <a:off x="764386" y="1356610"/>
+            <a:ext cx="2546209" cy="2071688"/>
+          </a:xfrm>
+          <a:prstGeom prst="rect">
+            <a:avLst/>
+          </a:prstGeom>
+        </p:spPr>
+      </p:pic>
+      <p:sp>
+        <p:nvSpPr>
+          <p:cNvPr id="5" name="ZoneTexte 4">
+            <a:extLst>
+              <a:ext uri="{FF2B5EF4-FFF2-40B4-BE49-F238E27FC236}">
+                <a16:creationId xmlns:a16="http://schemas.microsoft.com/office/drawing/2014/main" id="{81E8EB09-A4C4-4DEE-A4E1-A7BB90D5B8C5}"/>
+              </a:ext>
+            </a:extLst>
+          </p:cNvPr>
+          <p:cNvSpPr txBox="1"/>
+          <p:nvPr/>
+        </p:nvSpPr>
+        <p:spPr>
+          <a:xfrm>
+            <a:off x="919531" y="3484367"/>
+            <a:ext cx="2546209" cy="461665"/>
+          </a:xfrm>
+          <a:prstGeom prst="rect">
+            <a:avLst/>
+          </a:prstGeom>
+          <a:noFill/>
+        </p:spPr>
+        <p:txBody>
+          <a:bodyPr wrap="square" rtlCol="0">
+            <a:spAutoFit/>
+          </a:bodyPr>
+          <a:lstStyle/>
+          <a:p>
+            <a:r>
+              <a:rPr lang="fr-FR" sz="2400" b="1" dirty="0">
+                <a:latin typeface="+mj-lt"/>
+              </a:rPr>
+              <a:t>Acide fumarique</a:t>
+            </a:r>
+          </a:p>
+        </p:txBody>
+      </p:sp>
+      <p:pic>
+        <p:nvPicPr>
+          <p:cNvPr id="6" name="Image 5">
+            <a:extLst>
+              <a:ext uri="{FF2B5EF4-FFF2-40B4-BE49-F238E27FC236}">
+                <a16:creationId xmlns:a16="http://schemas.microsoft.com/office/drawing/2014/main" id="{05E6319C-A245-47F3-A3B1-A00F3767C752}"/>
+              </a:ext>
+            </a:extLst>
+          </p:cNvPr>
+          <p:cNvPicPr>
+            <a:picLocks noChangeAspect="1"/>
+          </p:cNvPicPr>
+          <p:nvPr/>
+        </p:nvPicPr>
+        <p:blipFill rotWithShape="1">
+          <a:blip r:embed="rId3"/>
+          <a:srcRect r="62301"/>
+          <a:stretch/>
+        </p:blipFill>
+        <p:spPr>
+          <a:xfrm>
+            <a:off x="6416879" y="1282646"/>
+            <a:ext cx="1508787" cy="2312988"/>
+          </a:xfrm>
+          <a:prstGeom prst="rect">
+            <a:avLst/>
+          </a:prstGeom>
+        </p:spPr>
+      </p:pic>
+      <p:sp>
+        <p:nvSpPr>
+          <p:cNvPr id="7" name="ZoneTexte 6">
+            <a:extLst>
+              <a:ext uri="{FF2B5EF4-FFF2-40B4-BE49-F238E27FC236}">
+                <a16:creationId xmlns:a16="http://schemas.microsoft.com/office/drawing/2014/main" id="{296A450F-B6B4-4F5D-885A-58D2AD1E249D}"/>
+              </a:ext>
+            </a:extLst>
+          </p:cNvPr>
+          <p:cNvSpPr txBox="1"/>
+          <p:nvPr/>
+        </p:nvSpPr>
+        <p:spPr>
+          <a:xfrm>
+            <a:off x="5898167" y="3484367"/>
+            <a:ext cx="2546209" cy="461665"/>
+          </a:xfrm>
+          <a:prstGeom prst="rect">
+            <a:avLst/>
+          </a:prstGeom>
+          <a:noFill/>
+        </p:spPr>
+        <p:txBody>
+          <a:bodyPr wrap="square" rtlCol="0">
+            <a:spAutoFit/>
+          </a:bodyPr>
+          <a:lstStyle/>
+          <a:p>
+            <a:r>
+              <a:rPr lang="fr-FR" sz="2400" b="1" dirty="0">
+                <a:latin typeface="+mj-lt"/>
+              </a:rPr>
+              <a:t>Acide maléique</a:t>
+            </a:r>
+          </a:p>
+        </p:txBody>
+      </p:sp>
+      <p:sp>
+        <p:nvSpPr>
+          <p:cNvPr id="8" name="Rectangle 7">
+            <a:extLst>
+              <a:ext uri="{FF2B5EF4-FFF2-40B4-BE49-F238E27FC236}">
+                <a16:creationId xmlns:a16="http://schemas.microsoft.com/office/drawing/2014/main" id="{3F56ECAA-2C32-4C64-99B1-716166F7CF78}"/>
+              </a:ext>
+            </a:extLst>
+          </p:cNvPr>
+          <p:cNvSpPr/>
+          <p:nvPr/>
+        </p:nvSpPr>
+        <p:spPr>
+          <a:xfrm>
+            <a:off x="5879250" y="3998944"/>
+            <a:ext cx="2565126" cy="374077"/>
+          </a:xfrm>
+          <a:prstGeom prst="rect">
+            <a:avLst/>
+          </a:prstGeom>
+        </p:spPr>
+        <p:txBody>
+          <a:bodyPr wrap="none">
+            <a:spAutoFit/>
+          </a:bodyPr>
+          <a:lstStyle/>
+          <a:p>
+            <a:pPr algn="just">
+              <a:lnSpc>
+                <a:spcPct val="107000"/>
+              </a:lnSpc>
+              <a:spcAft>
+                <a:spcPts val="0"/>
+              </a:spcAft>
+            </a:pPr>
+            <a:r>
+              <a:rPr lang="fr-FR" sz="1800" dirty="0" err="1">
+                <a:effectLst/>
+                <a:latin typeface="Times New Roman" panose="02020603050405020304" pitchFamily="18" charset="0"/>
+                <a:ea typeface="Calibri" panose="020F0502020204030204" pitchFamily="34" charset="0"/>
+                <a:cs typeface="Times New Roman" panose="02020603050405020304" pitchFamily="18" charset="0"/>
+              </a:rPr>
+              <a:t>T</a:t>
+            </a:r>
+            <a:r>
+              <a:rPr lang="fr-FR" sz="1800" baseline="30000" dirty="0" err="1">
+                <a:effectLst/>
+                <a:latin typeface="Times New Roman" panose="02020603050405020304" pitchFamily="18" charset="0"/>
+                <a:ea typeface="Calibri" panose="020F0502020204030204" pitchFamily="34" charset="0"/>
+                <a:cs typeface="Times New Roman" panose="02020603050405020304" pitchFamily="18" charset="0"/>
+              </a:rPr>
+              <a:t>fus</a:t>
+            </a:r>
+            <a:r>
+              <a:rPr lang="fr-FR" sz="1800" baseline="30000" dirty="0">
+                <a:effectLst/>
+                <a:latin typeface="Times New Roman" panose="02020603050405020304" pitchFamily="18" charset="0"/>
+                <a:ea typeface="Calibri" panose="020F0502020204030204" pitchFamily="34" charset="0"/>
+                <a:cs typeface="Times New Roman" panose="02020603050405020304" pitchFamily="18" charset="0"/>
+              </a:rPr>
+              <a:t> </a:t>
+            </a:r>
+            <a:r>
+              <a:rPr lang="fr-FR" sz="1800" baseline="-25000" dirty="0">
+                <a:effectLst/>
+                <a:latin typeface="Times New Roman" panose="02020603050405020304" pitchFamily="18" charset="0"/>
+                <a:ea typeface="Calibri" panose="020F0502020204030204" pitchFamily="34" charset="0"/>
+                <a:cs typeface="Times New Roman" panose="02020603050405020304" pitchFamily="18" charset="0"/>
+              </a:rPr>
+              <a:t>tab</a:t>
+            </a:r>
+            <a:r>
+              <a:rPr lang="fr-FR" sz="1800" dirty="0">
+                <a:effectLst/>
+                <a:latin typeface="Times New Roman" panose="02020603050405020304" pitchFamily="18" charset="0"/>
+                <a:ea typeface="Calibri" panose="020F0502020204030204" pitchFamily="34" charset="0"/>
+                <a:cs typeface="Times New Roman" panose="02020603050405020304" pitchFamily="18" charset="0"/>
+              </a:rPr>
+              <a:t>(maléique)= 131°C </a:t>
+            </a:r>
+            <a:endParaRPr lang="fr-FR" sz="1600" dirty="0">
+              <a:ea typeface="Calibri" panose="020F0502020204030204" pitchFamily="34" charset="0"/>
+              <a:cs typeface="Times New Roman" panose="02020603050405020304" pitchFamily="18" charset="0"/>
+            </a:endParaRPr>
+          </a:p>
+        </p:txBody>
+      </p:sp>
+      <p:sp>
+        <p:nvSpPr>
+          <p:cNvPr id="9" name="Rectangle 8">
+            <a:extLst>
+              <a:ext uri="{FF2B5EF4-FFF2-40B4-BE49-F238E27FC236}">
+                <a16:creationId xmlns:a16="http://schemas.microsoft.com/office/drawing/2014/main" id="{1E504150-4B96-4294-8F55-86C5C190C143}"/>
+              </a:ext>
+            </a:extLst>
+          </p:cNvPr>
+          <p:cNvSpPr/>
+          <p:nvPr/>
+        </p:nvSpPr>
+        <p:spPr>
+          <a:xfrm>
+            <a:off x="764386" y="4003689"/>
+            <a:ext cx="2667718" cy="369332"/>
+          </a:xfrm>
+          <a:prstGeom prst="rect">
+            <a:avLst/>
+          </a:prstGeom>
+        </p:spPr>
+        <p:txBody>
+          <a:bodyPr wrap="none">
+            <a:spAutoFit/>
+          </a:bodyPr>
+          <a:lstStyle/>
+          <a:p>
+            <a:r>
+              <a:rPr lang="fr-FR" sz="1800" dirty="0" err="1">
+                <a:effectLst/>
+                <a:latin typeface="Times New Roman" panose="02020603050405020304" pitchFamily="18" charset="0"/>
+                <a:ea typeface="Calibri" panose="020F0502020204030204" pitchFamily="34" charset="0"/>
+                <a:cs typeface="Times New Roman" panose="02020603050405020304" pitchFamily="18" charset="0"/>
+              </a:rPr>
+              <a:t>T</a:t>
+            </a:r>
+            <a:r>
+              <a:rPr lang="fr-FR" sz="1800" baseline="30000" dirty="0" err="1">
+                <a:effectLst/>
+                <a:latin typeface="Times New Roman" panose="02020603050405020304" pitchFamily="18" charset="0"/>
+                <a:ea typeface="Calibri" panose="020F0502020204030204" pitchFamily="34" charset="0"/>
+                <a:cs typeface="Times New Roman" panose="02020603050405020304" pitchFamily="18" charset="0"/>
+              </a:rPr>
+              <a:t>fus</a:t>
+            </a:r>
+            <a:r>
+              <a:rPr lang="fr-FR" sz="1800" baseline="30000" dirty="0">
+                <a:effectLst/>
+                <a:latin typeface="Times New Roman" panose="02020603050405020304" pitchFamily="18" charset="0"/>
+                <a:ea typeface="Calibri" panose="020F0502020204030204" pitchFamily="34" charset="0"/>
+                <a:cs typeface="Times New Roman" panose="02020603050405020304" pitchFamily="18" charset="0"/>
+              </a:rPr>
+              <a:t> </a:t>
+            </a:r>
+            <a:r>
+              <a:rPr lang="fr-FR" sz="1800" baseline="-25000" dirty="0">
+                <a:effectLst/>
+                <a:latin typeface="Times New Roman" panose="02020603050405020304" pitchFamily="18" charset="0"/>
+                <a:ea typeface="Calibri" panose="020F0502020204030204" pitchFamily="34" charset="0"/>
+                <a:cs typeface="Times New Roman" panose="02020603050405020304" pitchFamily="18" charset="0"/>
+              </a:rPr>
+              <a:t>tab</a:t>
+            </a:r>
+            <a:r>
+              <a:rPr lang="fr-FR" sz="1800" dirty="0">
+                <a:effectLst/>
+                <a:latin typeface="Times New Roman" panose="02020603050405020304" pitchFamily="18" charset="0"/>
+                <a:ea typeface="Calibri" panose="020F0502020204030204" pitchFamily="34" charset="0"/>
+                <a:cs typeface="Times New Roman" panose="02020603050405020304" pitchFamily="18" charset="0"/>
+              </a:rPr>
+              <a:t>(fumarique)= 287°C </a:t>
+            </a:r>
+            <a:endParaRPr lang="fr-FR" dirty="0"/>
+          </a:p>
+        </p:txBody>
+      </p:sp>
+    </p:spTree>
+    <p:extLst>
+      <p:ext uri="{BB962C8B-B14F-4D97-AF65-F5344CB8AC3E}">
+        <p14:creationId xmlns:p14="http://schemas.microsoft.com/office/powerpoint/2010/main" val="1010825911"/>
+      </p:ext>
+    </p:extLst>
+  </p:cSld>
+  <p:clrMapOvr>
+    <a:masterClrMapping/>
+  </p:clrMapOvr>
+</p:sld>
+</file>
+
+<file path=ppt/slides/slide16.xml><?xml version="1.0" encoding="utf-8"?>
+<p:sld xmlns:a="http://schemas.openxmlformats.org/drawingml/2006/main" xmlns:r="http://schemas.openxmlformats.org/officeDocument/2006/relationships" xmlns:p="http://schemas.openxmlformats.org/presentationml/2006/main">
+  <p:cSld>
+    <p:spTree>
+      <p:nvGrpSpPr>
+        <p:cNvPr id="1" name=""/>
+        <p:cNvGrpSpPr/>
+        <p:nvPr/>
+      </p:nvGrpSpPr>
+      <p:grpSpPr>
+        <a:xfrm>
+          <a:off x="0" y="0"/>
+          <a:ext cx="0" cy="0"/>
+          <a:chOff x="0" y="0"/>
+          <a:chExt cx="0" cy="0"/>
+        </a:xfrm>
+      </p:grpSpPr>
+      <p:sp>
+        <p:nvSpPr>
+          <p:cNvPr id="2" name="Espace réservé du numéro de diapositive 1">
+            <a:extLst>
+              <a:ext uri="{FF2B5EF4-FFF2-40B4-BE49-F238E27FC236}">
+                <a16:creationId xmlns:a16="http://schemas.microsoft.com/office/drawing/2014/main" id="{C9C74BCE-62DB-40DC-A8F3-8FC6B33BEF4F}"/>
+              </a:ext>
+            </a:extLst>
+          </p:cNvPr>
+          <p:cNvSpPr>
+            <a:spLocks noGrp="1"/>
+          </p:cNvSpPr>
+          <p:nvPr>
+            <p:ph type="sldNum" sz="quarter" idx="12"/>
+          </p:nvPr>
+        </p:nvSpPr>
+        <p:spPr/>
+        <p:txBody>
+          <a:bodyPr/>
+          <a:lstStyle/>
+          <a:p>
+            <a:fld id="{4FAB73BC-B049-4115-A692-8D63A059BFB8}" type="slidenum">
+              <a:rPr lang="en-US" smtClean="0"/>
+              <a:pPr/>
+              <a:t>16</a:t>
+            </a:fld>
+            <a:endParaRPr lang="en-US" dirty="0"/>
+          </a:p>
+        </p:txBody>
+      </p:sp>
+      <p:sp>
+        <p:nvSpPr>
+          <p:cNvPr id="4" name="Titre 3">
+            <a:extLst>
+              <a:ext uri="{FF2B5EF4-FFF2-40B4-BE49-F238E27FC236}">
+                <a16:creationId xmlns:a16="http://schemas.microsoft.com/office/drawing/2014/main" id="{122CE3E9-4D1D-42DD-9752-E63C37E9499C}"/>
+              </a:ext>
+            </a:extLst>
+          </p:cNvPr>
+          <p:cNvSpPr>
+            <a:spLocks noGrp="1"/>
+          </p:cNvSpPr>
+          <p:nvPr>
+            <p:ph type="title"/>
+          </p:nvPr>
+        </p:nvSpPr>
+        <p:spPr/>
+        <p:txBody>
+          <a:bodyPr/>
+          <a:lstStyle/>
+          <a:p>
+            <a:r>
+              <a:rPr lang="fr-FR"/>
+              <a:t>Merci</a:t>
+            </a:r>
+            <a:endParaRPr lang="fr-FR" dirty="0"/>
+          </a:p>
+        </p:txBody>
+      </p:sp>
+    </p:spTree>
+    <p:extLst>
+      <p:ext uri="{BB962C8B-B14F-4D97-AF65-F5344CB8AC3E}">
+        <p14:creationId xmlns:p14="http://schemas.microsoft.com/office/powerpoint/2010/main" val="4227819929"/>
+      </p:ext>
+    </p:extLst>
+  </p:cSld>
+  <p:clrMapOvr>
+    <a:masterClrMapping/>
+  </p:clrMapOvr>
+</p:sld>
+</file>
+
 <file path=ppt/slides/slide2.xml><?xml version="1.0" encoding="utf-8"?>
 <p:sld xmlns:a="http://schemas.openxmlformats.org/drawingml/2006/main" xmlns:r="http://schemas.openxmlformats.org/officeDocument/2006/relationships" xmlns:p="http://schemas.openxmlformats.org/presentationml/2006/main">
   <p:cSld>
@@ -3282,7 +5915,7 @@
         </p:nvSpPr>
         <p:spPr>
           <a:xfrm>
-            <a:off x="626680" y="26775"/>
+            <a:off x="643932" y="42078"/>
             <a:ext cx="7543800" cy="694497"/>
           </a:xfrm>
         </p:spPr>
@@ -3290,10 +5923,415 @@
           <a:bodyPr/>
           <a:lstStyle/>
           <a:p>
-            <a:endParaRPr lang="fr-FR" dirty="0"/>
+            <a:r>
+              <a:rPr lang="fr-FR" dirty="0"/>
+              <a:t>Énergie des liaisons covalentes</a:t>
+            </a:r>
           </a:p>
         </p:txBody>
       </p:sp>
+      <p:graphicFrame>
+        <p:nvGraphicFramePr>
+          <p:cNvPr id="6" name="Tableau 5">
+            <a:extLst>
+              <a:ext uri="{FF2B5EF4-FFF2-40B4-BE49-F238E27FC236}">
+                <a16:creationId xmlns:a16="http://schemas.microsoft.com/office/drawing/2014/main" id="{6B23E28C-CB60-4E9D-9FB5-A864F21A1232}"/>
+              </a:ext>
+            </a:extLst>
+          </p:cNvPr>
+          <p:cNvGraphicFramePr>
+            <a:graphicFrameLocks noGrp="1"/>
+          </p:cNvGraphicFramePr>
+          <p:nvPr>
+            <p:extLst>
+              <p:ext uri="{D42A27DB-BD31-4B8C-83A1-F6EECF244321}">
+                <p14:modId xmlns:p14="http://schemas.microsoft.com/office/powerpoint/2010/main" val="466853698"/>
+              </p:ext>
+            </p:extLst>
+          </p:nvPr>
+        </p:nvGraphicFramePr>
+        <p:xfrm>
+          <a:off x="290842" y="1421714"/>
+          <a:ext cx="8562316" cy="2301659"/>
+        </p:xfrm>
+        <a:graphic>
+          <a:graphicData uri="http://schemas.openxmlformats.org/drawingml/2006/table">
+            <a:tbl>
+              <a:tblPr firstRow="1" bandRow="1">
+                <a:tableStyleId>{21E4AEA4-8DFA-4A89-87EB-49C32662AFE0}</a:tableStyleId>
+              </a:tblPr>
+              <a:tblGrid>
+                <a:gridCol w="2140579">
+                  <a:extLst>
+                    <a:ext uri="{9D8B030D-6E8A-4147-A177-3AD203B41FA5}">
+                      <a16:colId xmlns:a16="http://schemas.microsoft.com/office/drawing/2014/main" val="20000"/>
+                    </a:ext>
+                  </a:extLst>
+                </a:gridCol>
+                <a:gridCol w="2140579">
+                  <a:extLst>
+                    <a:ext uri="{9D8B030D-6E8A-4147-A177-3AD203B41FA5}">
+                      <a16:colId xmlns:a16="http://schemas.microsoft.com/office/drawing/2014/main" val="20001"/>
+                    </a:ext>
+                  </a:extLst>
+                </a:gridCol>
+                <a:gridCol w="2140579">
+                  <a:extLst>
+                    <a:ext uri="{9D8B030D-6E8A-4147-A177-3AD203B41FA5}">
+                      <a16:colId xmlns:a16="http://schemas.microsoft.com/office/drawing/2014/main" val="20002"/>
+                    </a:ext>
+                  </a:extLst>
+                </a:gridCol>
+                <a:gridCol w="2140579">
+                  <a:extLst>
+                    <a:ext uri="{9D8B030D-6E8A-4147-A177-3AD203B41FA5}">
+                      <a16:colId xmlns:a16="http://schemas.microsoft.com/office/drawing/2014/main" val="20003"/>
+                    </a:ext>
+                  </a:extLst>
+                </a:gridCol>
+              </a:tblGrid>
+              <a:tr h="692144">
+                <a:tc gridSpan="2">
+                  <a:txBody>
+                    <a:bodyPr/>
+                    <a:lstStyle/>
+                    <a:p>
+                      <a:pPr algn="ctr"/>
+                      <a:r>
+                        <a:rPr lang="fr-FR" sz="2400" dirty="0"/>
+                        <a:t>Type de liaison</a:t>
+                      </a:r>
+                    </a:p>
+                  </a:txBody>
+                  <a:tcPr anchor="ctr"/>
+                </a:tc>
+                <a:tc hMerge="1">
+                  <a:txBody>
+                    <a:bodyPr/>
+                    <a:lstStyle/>
+                    <a:p>
+                      <a:endParaRPr lang="fr-FR" dirty="0"/>
+                    </a:p>
+                  </a:txBody>
+                  <a:tcPr/>
+                </a:tc>
+                <a:tc>
+                  <a:txBody>
+                    <a:bodyPr/>
+                    <a:lstStyle/>
+                    <a:p>
+                      <a:pPr algn="ctr"/>
+                      <a:r>
+                        <a:rPr lang="fr-FR" sz="2400" dirty="0"/>
+                        <a:t>Exemple</a:t>
+                      </a:r>
+                    </a:p>
+                  </a:txBody>
+                  <a:tcPr anchor="ctr"/>
+                </a:tc>
+                <a:tc>
+                  <a:txBody>
+                    <a:bodyPr/>
+                    <a:lstStyle/>
+                    <a:p>
+                      <a:pPr algn="ctr"/>
+                      <a:r>
+                        <a:rPr lang="fr-FR" sz="2400" dirty="0"/>
+                        <a:t>Énergie typique</a:t>
+                      </a:r>
+                    </a:p>
+                  </a:txBody>
+                  <a:tcPr anchor="ctr"/>
+                </a:tc>
+                <a:extLst>
+                  <a:ext uri="{0D108BD9-81ED-4DB2-BD59-A6C34878D82A}">
+                    <a16:rowId xmlns:a16="http://schemas.microsoft.com/office/drawing/2014/main" val="10000"/>
+                  </a:ext>
+                </a:extLst>
+              </a:tr>
+              <a:tr h="424290">
+                <a:tc rowSpan="3">
+                  <a:txBody>
+                    <a:bodyPr/>
+                    <a:lstStyle/>
+                    <a:p>
+                      <a:pPr algn="ctr"/>
+                      <a:r>
+                        <a:rPr lang="fr-FR" sz="2400" dirty="0"/>
+                        <a:t>Liaison covalente</a:t>
+                      </a:r>
+                    </a:p>
+                  </a:txBody>
+                  <a:tcPr anchor="ctr"/>
+                </a:tc>
+                <a:tc>
+                  <a:txBody>
+                    <a:bodyPr/>
+                    <a:lstStyle/>
+                    <a:p>
+                      <a:pPr algn="ctr"/>
+                      <a:r>
+                        <a:rPr lang="fr-FR" sz="2400" dirty="0"/>
+                        <a:t>Liaison simple</a:t>
+                      </a:r>
+                    </a:p>
+                  </a:txBody>
+                  <a:tcPr anchor="ctr"/>
+                </a:tc>
+                <a:tc>
+                  <a:txBody>
+                    <a:bodyPr/>
+                    <a:lstStyle/>
+                    <a:p>
+                      <a:pPr marL="0" marR="0" lvl="0" indent="0" algn="ctr" defTabSz="685800" rtl="0" eaLnBrk="1" fontAlgn="auto" latinLnBrk="0" hangingPunct="1">
+                        <a:lnSpc>
+                          <a:spcPct val="100000"/>
+                        </a:lnSpc>
+                        <a:spcBef>
+                          <a:spcPts val="0"/>
+                        </a:spcBef>
+                        <a:spcAft>
+                          <a:spcPts val="0"/>
+                        </a:spcAft>
+                        <a:buClrTx/>
+                        <a:buSzTx/>
+                        <a:buFontTx/>
+                        <a:buNone/>
+                        <a:tabLst/>
+                        <a:defRPr/>
+                      </a:pPr>
+                      <a:r>
+                        <a:rPr lang="fr-FR" sz="1800" b="1" dirty="0">
+                          <a:latin typeface="+mj-lt"/>
+                        </a:rPr>
+                        <a:t>C — C  </a:t>
+                      </a:r>
+                      <a:endParaRPr lang="fr-FR" sz="1600" b="1" dirty="0">
+                        <a:latin typeface="+mj-lt"/>
+                      </a:endParaRPr>
+                    </a:p>
+                  </a:txBody>
+                  <a:tcPr anchor="ctr"/>
+                </a:tc>
+                <a:tc>
+                  <a:txBody>
+                    <a:bodyPr/>
+                    <a:lstStyle/>
+                    <a:p>
+                      <a:pPr algn="ctr"/>
+                      <a:r>
+                        <a:rPr lang="fr-FR" dirty="0"/>
+                        <a:t> </a:t>
+                      </a:r>
+                      <a:r>
+                        <a:rPr lang="fr-FR" sz="1800" b="1" kern="1200" dirty="0">
+                          <a:solidFill>
+                            <a:schemeClr val="dk1"/>
+                          </a:solidFill>
+                          <a:latin typeface="+mj-lt"/>
+                          <a:ea typeface="+mn-ea"/>
+                          <a:cs typeface="+mn-cs"/>
+                        </a:rPr>
+                        <a:t>300 kJ/mol</a:t>
+                      </a:r>
+                    </a:p>
+                  </a:txBody>
+                  <a:tcPr anchor="ctr"/>
+                </a:tc>
+                <a:extLst>
+                  <a:ext uri="{0D108BD9-81ED-4DB2-BD59-A6C34878D82A}">
+                    <a16:rowId xmlns:a16="http://schemas.microsoft.com/office/drawing/2014/main" val="10001"/>
+                  </a:ext>
+                </a:extLst>
+              </a:tr>
+              <a:tr h="564299">
+                <a:tc vMerge="1">
+                  <a:txBody>
+                    <a:bodyPr/>
+                    <a:lstStyle/>
+                    <a:p>
+                      <a:endParaRPr lang="fr-FR" dirty="0"/>
+                    </a:p>
+                  </a:txBody>
+                  <a:tcPr/>
+                </a:tc>
+                <a:tc>
+                  <a:txBody>
+                    <a:bodyPr/>
+                    <a:lstStyle/>
+                    <a:p>
+                      <a:pPr algn="ctr"/>
+                      <a:r>
+                        <a:rPr lang="fr-FR" sz="2400" dirty="0"/>
+                        <a:t>Liaison double</a:t>
+                      </a:r>
+                    </a:p>
+                  </a:txBody>
+                  <a:tcPr anchor="ctr"/>
+                </a:tc>
+                <a:tc>
+                  <a:txBody>
+                    <a:bodyPr/>
+                    <a:lstStyle/>
+                    <a:p>
+                      <a:pPr algn="ctr"/>
+                      <a:r>
+                        <a:rPr lang="fr-FR" sz="1800" b="1" kern="1200" dirty="0">
+                          <a:solidFill>
+                            <a:schemeClr val="dk1"/>
+                          </a:solidFill>
+                          <a:latin typeface="+mj-lt"/>
+                          <a:ea typeface="+mn-ea"/>
+                          <a:cs typeface="+mn-cs"/>
+                        </a:rPr>
+                        <a:t> C = O</a:t>
+                      </a:r>
+                    </a:p>
+                  </a:txBody>
+                  <a:tcPr anchor="ctr"/>
+                </a:tc>
+                <a:tc>
+                  <a:txBody>
+                    <a:bodyPr/>
+                    <a:lstStyle/>
+                    <a:p>
+                      <a:pPr marL="0" marR="0" lvl="0" indent="0" algn="ctr" defTabSz="685800" rtl="0" eaLnBrk="1" fontAlgn="auto" latinLnBrk="0" hangingPunct="1">
+                        <a:lnSpc>
+                          <a:spcPct val="100000"/>
+                        </a:lnSpc>
+                        <a:spcBef>
+                          <a:spcPts val="0"/>
+                        </a:spcBef>
+                        <a:spcAft>
+                          <a:spcPts val="0"/>
+                        </a:spcAft>
+                        <a:buClrTx/>
+                        <a:buSzTx/>
+                        <a:buFontTx/>
+                        <a:buNone/>
+                        <a:tabLst/>
+                        <a:defRPr/>
+                      </a:pPr>
+                      <a:r>
+                        <a:rPr lang="fr-FR" sz="1800" b="1" kern="1200" dirty="0">
+                          <a:solidFill>
+                            <a:schemeClr val="dk1"/>
+                          </a:solidFill>
+                          <a:latin typeface="+mj-lt"/>
+                          <a:ea typeface="+mn-ea"/>
+                          <a:cs typeface="+mn-cs"/>
+                        </a:rPr>
+                        <a:t> 600 kJ/mol</a:t>
+                      </a:r>
+                    </a:p>
+                  </a:txBody>
+                  <a:tcPr anchor="ctr"/>
+                </a:tc>
+                <a:extLst>
+                  <a:ext uri="{0D108BD9-81ED-4DB2-BD59-A6C34878D82A}">
+                    <a16:rowId xmlns:a16="http://schemas.microsoft.com/office/drawing/2014/main" val="10002"/>
+                  </a:ext>
+                </a:extLst>
+              </a:tr>
+              <a:tr h="384525">
+                <a:tc vMerge="1">
+                  <a:txBody>
+                    <a:bodyPr/>
+                    <a:lstStyle/>
+                    <a:p>
+                      <a:endParaRPr lang="fr-FR" dirty="0"/>
+                    </a:p>
+                  </a:txBody>
+                  <a:tcPr/>
+                </a:tc>
+                <a:tc>
+                  <a:txBody>
+                    <a:bodyPr/>
+                    <a:lstStyle/>
+                    <a:p>
+                      <a:pPr algn="ctr"/>
+                      <a:r>
+                        <a:rPr lang="fr-FR" sz="2400" dirty="0"/>
+                        <a:t>Liaison triple</a:t>
+                      </a:r>
+                    </a:p>
+                  </a:txBody>
+                  <a:tcPr anchor="ctr"/>
+                </a:tc>
+                <a:tc>
+                  <a:txBody>
+                    <a:bodyPr/>
+                    <a:lstStyle/>
+                    <a:p>
+                      <a:pPr algn="ctr"/>
+                      <a:r>
+                        <a:rPr lang="fr-FR" sz="1800" b="1" kern="1200" dirty="0">
+                          <a:solidFill>
+                            <a:schemeClr val="dk1"/>
+                          </a:solidFill>
+                          <a:latin typeface="+mj-lt"/>
+                          <a:ea typeface="+mn-ea"/>
+                          <a:cs typeface="+mn-cs"/>
+                        </a:rPr>
+                        <a:t>N ≡ N</a:t>
+                      </a:r>
+                    </a:p>
+                  </a:txBody>
+                  <a:tcPr anchor="ctr"/>
+                </a:tc>
+                <a:tc>
+                  <a:txBody>
+                    <a:bodyPr/>
+                    <a:lstStyle/>
+                    <a:p>
+                      <a:pPr marL="0" marR="0" lvl="0" indent="0" algn="ctr" defTabSz="685800" rtl="0" eaLnBrk="1" fontAlgn="auto" latinLnBrk="0" hangingPunct="1">
+                        <a:lnSpc>
+                          <a:spcPct val="100000"/>
+                        </a:lnSpc>
+                        <a:spcBef>
+                          <a:spcPts val="0"/>
+                        </a:spcBef>
+                        <a:spcAft>
+                          <a:spcPts val="0"/>
+                        </a:spcAft>
+                        <a:buClrTx/>
+                        <a:buSzTx/>
+                        <a:buFontTx/>
+                        <a:buNone/>
+                        <a:tabLst/>
+                        <a:defRPr/>
+                      </a:pPr>
+                      <a:r>
+                        <a:rPr lang="fr-FR" sz="1800" dirty="0">
+                          <a:latin typeface="+mj-lt"/>
+                        </a:rPr>
+                        <a:t> </a:t>
+                      </a:r>
+                      <a:r>
+                        <a:rPr lang="fr-FR" sz="1800" b="1" kern="1200" dirty="0">
+                          <a:solidFill>
+                            <a:schemeClr val="dk1"/>
+                          </a:solidFill>
+                          <a:latin typeface="+mj-lt"/>
+                          <a:ea typeface="+mn-ea"/>
+                          <a:cs typeface="+mn-cs"/>
+                        </a:rPr>
+                        <a:t>900 kJ/mol</a:t>
+                      </a:r>
+                    </a:p>
+                  </a:txBody>
+                  <a:tcPr anchor="ctr"/>
+                </a:tc>
+                <a:extLst>
+                  <a:ext uri="{0D108BD9-81ED-4DB2-BD59-A6C34878D82A}">
+                    <a16:rowId xmlns:a16="http://schemas.microsoft.com/office/drawing/2014/main" val="10003"/>
+                  </a:ext>
+                </a:extLst>
+              </a:tr>
+            </a:tbl>
+          </a:graphicData>
+        </a:graphic>
+      </p:graphicFrame>
     </p:spTree>
     <p:extLst>
       <p:ext uri="{BB962C8B-B14F-4D97-AF65-F5344CB8AC3E}">
@@ -3329,7 +6367,7 @@
           <p:cNvPr id="2" name="Espace réservé du numéro de diapositive 1">
             <a:extLst>
               <a:ext uri="{FF2B5EF4-FFF2-40B4-BE49-F238E27FC236}">
-                <a16:creationId xmlns:a16="http://schemas.microsoft.com/office/drawing/2014/main" id="{C9C74BCE-62DB-40DC-A8F3-8FC6B33BEF4F}"/>
+                <a16:creationId xmlns:a16="http://schemas.microsoft.com/office/drawing/2014/main" id="{E7A9D2DA-CFC9-4113-A49B-4926830FE6F6}"/>
               </a:ext>
             </a:extLst>
           </p:cNvPr>
@@ -3356,10 +6394,10 @@
       </p:sp>
       <p:sp>
         <p:nvSpPr>
-          <p:cNvPr id="4" name="Titre 3">
+          <p:cNvPr id="3" name="Titre 2">
             <a:extLst>
               <a:ext uri="{FF2B5EF4-FFF2-40B4-BE49-F238E27FC236}">
-                <a16:creationId xmlns:a16="http://schemas.microsoft.com/office/drawing/2014/main" id="{122CE3E9-4D1D-42DD-9752-E63C37E9499C}"/>
+                <a16:creationId xmlns:a16="http://schemas.microsoft.com/office/drawing/2014/main" id="{5716DA51-EB31-4302-BC53-E3CD129DCCFF}"/>
               </a:ext>
             </a:extLst>
           </p:cNvPr>
@@ -3376,17 +6414,3782 @@
           <a:lstStyle/>
           <a:p>
             <a:r>
-              <a:rPr lang="fr-FR"/>
-              <a:t>Merci</a:t>
+              <a:rPr lang="fr-FR" dirty="0"/>
+              <a:t>Synthèse du paracétamol</a:t>
             </a:r>
-            <a:endParaRPr lang="fr-FR" dirty="0"/>
+          </a:p>
+        </p:txBody>
+      </p:sp>
+      <p:graphicFrame>
+        <p:nvGraphicFramePr>
+          <p:cNvPr id="20" name="Tableau 19">
+            <a:extLst>
+              <a:ext uri="{FF2B5EF4-FFF2-40B4-BE49-F238E27FC236}">
+                <a16:creationId xmlns:a16="http://schemas.microsoft.com/office/drawing/2014/main" id="{131C4300-EF63-4EB6-8860-4B3C7F9AFE21}"/>
+              </a:ext>
+            </a:extLst>
+          </p:cNvPr>
+          <p:cNvGraphicFramePr>
+            <a:graphicFrameLocks noGrp="1"/>
+          </p:cNvGraphicFramePr>
+          <p:nvPr>
+            <p:extLst>
+              <p:ext uri="{D42A27DB-BD31-4B8C-83A1-F6EECF244321}">
+                <p14:modId xmlns:p14="http://schemas.microsoft.com/office/powerpoint/2010/main" val="4151589896"/>
+              </p:ext>
+            </p:extLst>
+          </p:nvPr>
+        </p:nvGraphicFramePr>
+        <p:xfrm>
+          <a:off x="115094" y="963212"/>
+          <a:ext cx="8892209" cy="3355723"/>
+        </p:xfrm>
+        <a:graphic>
+          <a:graphicData uri="http://schemas.openxmlformats.org/drawingml/2006/table">
+            <a:tbl>
+              <a:tblPr firstRow="1" bandRow="1">
+                <a:tableStyleId>{0E3FDE45-AF77-4B5C-9715-49D594BDF05E}</a:tableStyleId>
+              </a:tblPr>
+              <a:tblGrid>
+                <a:gridCol w="1814736">
+                  <a:extLst>
+                    <a:ext uri="{9D8B030D-6E8A-4147-A177-3AD203B41FA5}">
+                      <a16:colId xmlns:a16="http://schemas.microsoft.com/office/drawing/2014/main" val="20000"/>
+                    </a:ext>
+                  </a:extLst>
+                </a:gridCol>
+                <a:gridCol w="287333">
+                  <a:extLst>
+                    <a:ext uri="{9D8B030D-6E8A-4147-A177-3AD203B41FA5}">
+                      <a16:colId xmlns:a16="http://schemas.microsoft.com/office/drawing/2014/main" val="20001"/>
+                    </a:ext>
+                  </a:extLst>
+                </a:gridCol>
+                <a:gridCol w="1784491">
+                  <a:extLst>
+                    <a:ext uri="{9D8B030D-6E8A-4147-A177-3AD203B41FA5}">
+                      <a16:colId xmlns:a16="http://schemas.microsoft.com/office/drawing/2014/main" val="20002"/>
+                    </a:ext>
+                  </a:extLst>
+                </a:gridCol>
+                <a:gridCol w="1194702">
+                  <a:extLst>
+                    <a:ext uri="{9D8B030D-6E8A-4147-A177-3AD203B41FA5}">
+                      <a16:colId xmlns:a16="http://schemas.microsoft.com/office/drawing/2014/main" val="20003"/>
+                    </a:ext>
+                  </a:extLst>
+                </a:gridCol>
+                <a:gridCol w="1905473">
+                  <a:extLst>
+                    <a:ext uri="{9D8B030D-6E8A-4147-A177-3AD203B41FA5}">
+                      <a16:colId xmlns:a16="http://schemas.microsoft.com/office/drawing/2014/main" val="20004"/>
+                    </a:ext>
+                  </a:extLst>
+                </a:gridCol>
+                <a:gridCol w="476368">
+                  <a:extLst>
+                    <a:ext uri="{9D8B030D-6E8A-4147-A177-3AD203B41FA5}">
+                      <a16:colId xmlns:a16="http://schemas.microsoft.com/office/drawing/2014/main" val="20005"/>
+                    </a:ext>
+                  </a:extLst>
+                </a:gridCol>
+                <a:gridCol w="1429106">
+                  <a:extLst>
+                    <a:ext uri="{9D8B030D-6E8A-4147-A177-3AD203B41FA5}">
+                      <a16:colId xmlns:a16="http://schemas.microsoft.com/office/drawing/2014/main" val="20006"/>
+                    </a:ext>
+                  </a:extLst>
+                </a:gridCol>
+              </a:tblGrid>
+              <a:tr h="1385537">
+                <a:tc>
+                  <a:txBody>
+                    <a:bodyPr/>
+                    <a:lstStyle/>
+                    <a:p>
+                      <a:pPr algn="ctr"/>
+                      <a:endParaRPr lang="fr-FR" dirty="0"/>
+                    </a:p>
+                  </a:txBody>
+                  <a:tcPr marL="0" marR="0" marT="0" marB="0" anchor="ctr"/>
+                </a:tc>
+                <a:tc>
+                  <a:txBody>
+                    <a:bodyPr/>
+                    <a:lstStyle/>
+                    <a:p>
+                      <a:endParaRPr lang="fr-FR"/>
+                    </a:p>
+                  </a:txBody>
+                  <a:tcPr marL="0" marR="0" marT="0" marB="0" anchor="ctr"/>
+                </a:tc>
+                <a:tc>
+                  <a:txBody>
+                    <a:bodyPr/>
+                    <a:lstStyle/>
+                    <a:p>
+                      <a:pPr algn="ctr"/>
+                      <a:endParaRPr lang="fr-FR"/>
+                    </a:p>
+                  </a:txBody>
+                  <a:tcPr marL="0" marR="0" marT="0" marB="0" anchor="ctr"/>
+                </a:tc>
+                <a:tc>
+                  <a:txBody>
+                    <a:bodyPr/>
+                    <a:lstStyle/>
+                    <a:p>
+                      <a:endParaRPr lang="fr-FR"/>
+                    </a:p>
+                  </a:txBody>
+                  <a:tcPr marL="0" marR="0" marT="0" marB="0" anchor="ctr"/>
+                </a:tc>
+                <a:tc>
+                  <a:txBody>
+                    <a:bodyPr/>
+                    <a:lstStyle/>
+                    <a:p>
+                      <a:pPr algn="ctr"/>
+                      <a:endParaRPr lang="fr-FR"/>
+                    </a:p>
+                  </a:txBody>
+                  <a:tcPr marL="0" marR="0" marT="0" marB="0" anchor="ctr"/>
+                </a:tc>
+                <a:tc>
+                  <a:txBody>
+                    <a:bodyPr/>
+                    <a:lstStyle/>
+                    <a:p>
+                      <a:endParaRPr lang="fr-FR"/>
+                    </a:p>
+                  </a:txBody>
+                  <a:tcPr marL="0" marR="0" marT="0" marB="0" anchor="ctr"/>
+                </a:tc>
+                <a:tc>
+                  <a:txBody>
+                    <a:bodyPr/>
+                    <a:lstStyle/>
+                    <a:p>
+                      <a:pPr algn="ctr"/>
+                      <a:endParaRPr lang="fr-FR" dirty="0"/>
+                    </a:p>
+                  </a:txBody>
+                  <a:tcPr marL="0" marR="0" marT="0" marB="0" anchor="ctr"/>
+                </a:tc>
+                <a:extLst>
+                  <a:ext uri="{0D108BD9-81ED-4DB2-BD59-A6C34878D82A}">
+                    <a16:rowId xmlns:a16="http://schemas.microsoft.com/office/drawing/2014/main" val="10000"/>
+                  </a:ext>
+                </a:extLst>
+              </a:tr>
+              <a:tr h="323981">
+                <a:tc>
+                  <a:txBody>
+                    <a:bodyPr/>
+                    <a:lstStyle/>
+                    <a:p>
+                      <a:pPr algn="ctr"/>
+                      <a:r>
+                        <a:rPr lang="fr-FR" dirty="0"/>
+                        <a:t>Para-</a:t>
+                      </a:r>
+                      <a:r>
+                        <a:rPr lang="fr-FR" dirty="0" err="1"/>
+                        <a:t>aminophénol</a:t>
+                      </a:r>
+                      <a:endParaRPr lang="fr-FR" dirty="0"/>
+                    </a:p>
+                  </a:txBody>
+                  <a:tcPr marL="0" marR="0" marT="0" marB="0" anchor="ctr"/>
+                </a:tc>
+                <a:tc>
+                  <a:txBody>
+                    <a:bodyPr/>
+                    <a:lstStyle/>
+                    <a:p>
+                      <a:pPr algn="ctr"/>
+                      <a:endParaRPr lang="fr-FR" dirty="0"/>
+                    </a:p>
+                  </a:txBody>
+                  <a:tcPr marL="0" marR="0" marT="0" marB="0" anchor="ctr"/>
+                </a:tc>
+                <a:tc>
+                  <a:txBody>
+                    <a:bodyPr/>
+                    <a:lstStyle/>
+                    <a:p>
+                      <a:pPr algn="ctr"/>
+                      <a:r>
+                        <a:rPr lang="fr-FR" dirty="0"/>
+                        <a:t>Anhydride acétique</a:t>
+                      </a:r>
+                    </a:p>
+                  </a:txBody>
+                  <a:tcPr marL="0" marR="0" marT="0" marB="0" anchor="ctr"/>
+                </a:tc>
+                <a:tc>
+                  <a:txBody>
+                    <a:bodyPr/>
+                    <a:lstStyle/>
+                    <a:p>
+                      <a:pPr algn="ctr"/>
+                      <a:endParaRPr lang="fr-FR" dirty="0"/>
+                    </a:p>
+                  </a:txBody>
+                  <a:tcPr marL="0" marR="0" marT="0" marB="0" anchor="ctr"/>
+                </a:tc>
+                <a:tc>
+                  <a:txBody>
+                    <a:bodyPr/>
+                    <a:lstStyle/>
+                    <a:p>
+                      <a:pPr algn="ctr"/>
+                      <a:r>
+                        <a:rPr lang="fr-FR" b="1" dirty="0"/>
+                        <a:t>Paracétamol</a:t>
+                      </a:r>
+                    </a:p>
+                  </a:txBody>
+                  <a:tcPr marL="0" marR="0" marT="0" marB="0" anchor="ctr"/>
+                </a:tc>
+                <a:tc>
+                  <a:txBody>
+                    <a:bodyPr/>
+                    <a:lstStyle/>
+                    <a:p>
+                      <a:pPr algn="ctr"/>
+                      <a:endParaRPr lang="fr-FR" dirty="0"/>
+                    </a:p>
+                  </a:txBody>
+                  <a:tcPr marL="0" marR="0" marT="0" marB="0" anchor="ctr"/>
+                </a:tc>
+                <a:tc>
+                  <a:txBody>
+                    <a:bodyPr/>
+                    <a:lstStyle/>
+                    <a:p>
+                      <a:pPr algn="ctr"/>
+                      <a:r>
+                        <a:rPr lang="fr-FR" dirty="0"/>
+                        <a:t>Acide acétique</a:t>
+                      </a:r>
+                    </a:p>
+                  </a:txBody>
+                  <a:tcPr marL="0" marR="0" marT="0" marB="0" anchor="ctr"/>
+                </a:tc>
+                <a:extLst>
+                  <a:ext uri="{0D108BD9-81ED-4DB2-BD59-A6C34878D82A}">
+                    <a16:rowId xmlns:a16="http://schemas.microsoft.com/office/drawing/2014/main" val="10001"/>
+                  </a:ext>
+                </a:extLst>
+              </a:tr>
+              <a:tr h="503205">
+                <a:tc>
+                  <a:txBody>
+                    <a:bodyPr/>
+                    <a:lstStyle/>
+                    <a:p>
+                      <a:endParaRPr lang="fr-FR" dirty="0"/>
+                    </a:p>
+                  </a:txBody>
+                  <a:tcPr marL="0" marR="0" marT="0" marB="0" anchor="ctr"/>
+                </a:tc>
+                <a:tc>
+                  <a:txBody>
+                    <a:bodyPr/>
+                    <a:lstStyle/>
+                    <a:p>
+                      <a:pPr algn="ctr"/>
+                      <a:endParaRPr lang="fr-FR" sz="1800" dirty="0"/>
+                    </a:p>
+                  </a:txBody>
+                  <a:tcPr marL="0" marR="0" marT="0" marB="0" anchor="ctr"/>
+                </a:tc>
+                <a:tc>
+                  <a:txBody>
+                    <a:bodyPr/>
+                    <a:lstStyle/>
+                    <a:p>
+                      <a:endParaRPr lang="fr-FR" dirty="0"/>
+                    </a:p>
+                  </a:txBody>
+                  <a:tcPr marL="0" marR="0" marT="0" marB="0" anchor="ctr"/>
+                </a:tc>
+                <a:tc>
+                  <a:txBody>
+                    <a:bodyPr/>
+                    <a:lstStyle/>
+                    <a:p>
+                      <a:pPr algn="ctr"/>
+                      <a:endParaRPr lang="fr-FR" sz="1800" dirty="0"/>
+                    </a:p>
+                  </a:txBody>
+                  <a:tcPr marL="0" marR="0" marT="0" marB="0" anchor="ctr"/>
+                </a:tc>
+                <a:tc>
+                  <a:txBody>
+                    <a:bodyPr/>
+                    <a:lstStyle/>
+                    <a:p>
+                      <a:pPr algn="ctr"/>
+                      <a:endParaRPr lang="fr-FR" sz="1800" dirty="0"/>
+                    </a:p>
+                  </a:txBody>
+                  <a:tcPr marL="0" marR="0" marT="0" marB="0" anchor="ctr"/>
+                </a:tc>
+                <a:tc>
+                  <a:txBody>
+                    <a:bodyPr/>
+                    <a:lstStyle/>
+                    <a:p>
+                      <a:pPr algn="ctr"/>
+                      <a:endParaRPr lang="fr-FR" sz="1800" dirty="0"/>
+                    </a:p>
+                  </a:txBody>
+                  <a:tcPr marL="0" marR="0" marT="0" marB="0" anchor="ctr"/>
+                </a:tc>
+                <a:tc>
+                  <a:txBody>
+                    <a:bodyPr/>
+                    <a:lstStyle/>
+                    <a:p>
+                      <a:pPr algn="ctr"/>
+                      <a:endParaRPr lang="fr-FR" sz="1800" dirty="0"/>
+                    </a:p>
+                  </a:txBody>
+                  <a:tcPr marL="0" marR="0" marT="0" marB="0" anchor="ctr"/>
+                </a:tc>
+                <a:extLst>
+                  <a:ext uri="{0D108BD9-81ED-4DB2-BD59-A6C34878D82A}">
+                    <a16:rowId xmlns:a16="http://schemas.microsoft.com/office/drawing/2014/main" val="10002"/>
+                  </a:ext>
+                </a:extLst>
+              </a:tr>
+              <a:tr h="1129364">
+                <a:tc>
+                  <a:txBody>
+                    <a:bodyPr/>
+                    <a:lstStyle/>
+                    <a:p>
+                      <a:pPr algn="ctr"/>
+                      <a:endParaRPr lang="fr-FR" dirty="0"/>
+                    </a:p>
+                  </a:txBody>
+                  <a:tcPr marL="0" marR="0" marT="0" marB="0" anchor="ctr"/>
+                </a:tc>
+                <a:tc>
+                  <a:txBody>
+                    <a:bodyPr/>
+                    <a:lstStyle/>
+                    <a:p>
+                      <a:pPr algn="ctr"/>
+                      <a:endParaRPr lang="fr-FR" dirty="0"/>
+                    </a:p>
+                  </a:txBody>
+                  <a:tcPr marL="0" marR="0" marT="0" marB="0" anchor="ctr"/>
+                </a:tc>
+                <a:tc>
+                  <a:txBody>
+                    <a:bodyPr/>
+                    <a:lstStyle/>
+                    <a:p>
+                      <a:pPr algn="ctr"/>
+                      <a:endParaRPr lang="fr-FR" dirty="0"/>
+                    </a:p>
+                  </a:txBody>
+                  <a:tcPr marL="0" marR="0" marT="0" marB="0" anchor="ctr"/>
+                </a:tc>
+                <a:tc>
+                  <a:txBody>
+                    <a:bodyPr/>
+                    <a:lstStyle/>
+                    <a:p>
+                      <a:pPr algn="ctr"/>
+                      <a:endParaRPr lang="fr-FR" dirty="0"/>
+                    </a:p>
+                    <a:p>
+                      <a:pPr algn="ctr"/>
+                      <a:endParaRPr lang="fr-FR" dirty="0"/>
+                    </a:p>
+                    <a:p>
+                      <a:pPr algn="ctr"/>
+                      <a:endParaRPr lang="fr-FR" sz="1600" dirty="0"/>
+                    </a:p>
+                    <a:p>
+                      <a:pPr algn="ctr"/>
+                      <a:endParaRPr lang="fr-FR" sz="1600" dirty="0"/>
+                    </a:p>
+                    <a:p>
+                      <a:pPr algn="ctr"/>
+                      <a:endParaRPr lang="fr-FR" sz="1600" i="1" dirty="0"/>
+                    </a:p>
+                  </a:txBody>
+                  <a:tcPr marL="0" marR="0" marT="0" marB="0" anchor="ctr"/>
+                </a:tc>
+                <a:tc>
+                  <a:txBody>
+                    <a:bodyPr/>
+                    <a:lstStyle/>
+                    <a:p>
+                      <a:pPr algn="ctr"/>
+                      <a:endParaRPr lang="fr-FR" dirty="0"/>
+                    </a:p>
+                  </a:txBody>
+                  <a:tcPr marL="0" marR="0" marT="0" marB="0" anchor="ctr"/>
+                </a:tc>
+                <a:tc>
+                  <a:txBody>
+                    <a:bodyPr/>
+                    <a:lstStyle/>
+                    <a:p>
+                      <a:pPr algn="ctr"/>
+                      <a:endParaRPr lang="fr-FR" dirty="0"/>
+                    </a:p>
+                  </a:txBody>
+                  <a:tcPr marL="0" marR="0" marT="0" marB="0" anchor="ctr"/>
+                </a:tc>
+                <a:tc>
+                  <a:txBody>
+                    <a:bodyPr/>
+                    <a:lstStyle/>
+                    <a:p>
+                      <a:pPr algn="ctr"/>
+                      <a:endParaRPr lang="fr-FR" dirty="0"/>
+                    </a:p>
+                  </a:txBody>
+                  <a:tcPr marL="0" marR="0" marT="0" marB="0" anchor="ctr"/>
+                </a:tc>
+                <a:extLst>
+                  <a:ext uri="{0D108BD9-81ED-4DB2-BD59-A6C34878D82A}">
+                    <a16:rowId xmlns:a16="http://schemas.microsoft.com/office/drawing/2014/main" val="10003"/>
+                  </a:ext>
+                </a:extLst>
+              </a:tr>
+            </a:tbl>
+          </a:graphicData>
+        </a:graphic>
+      </p:graphicFrame>
+      <p:grpSp>
+        <p:nvGrpSpPr>
+          <p:cNvPr id="6" name="Groupe 5">
+            <a:extLst>
+              <a:ext uri="{FF2B5EF4-FFF2-40B4-BE49-F238E27FC236}">
+                <a16:creationId xmlns:a16="http://schemas.microsoft.com/office/drawing/2014/main" id="{39CCE95C-801C-46C8-9D36-97E6277EB4F8}"/>
+              </a:ext>
+            </a:extLst>
+          </p:cNvPr>
+          <p:cNvGrpSpPr/>
+          <p:nvPr/>
+        </p:nvGrpSpPr>
+        <p:grpSpPr>
+          <a:xfrm>
+            <a:off x="115094" y="1021737"/>
+            <a:ext cx="8919234" cy="3274647"/>
+            <a:chOff x="193675" y="1501775"/>
+            <a:chExt cx="11586268" cy="3922713"/>
+          </a:xfrm>
+        </p:grpSpPr>
+        <p:pic>
+          <p:nvPicPr>
+            <p:cNvPr id="7" name="Picture 10" descr="RÃ©sultat de recherche d'images pour &quot;anhydride acÃ©tique&quot;">
+              <a:extLst>
+                <a:ext uri="{FF2B5EF4-FFF2-40B4-BE49-F238E27FC236}">
+                  <a16:creationId xmlns:a16="http://schemas.microsoft.com/office/drawing/2014/main" id="{E6812FE2-FE8C-4D77-B869-091A3BAF8F1A}"/>
+                </a:ext>
+              </a:extLst>
+            </p:cNvPr>
+            <p:cNvPicPr>
+              <a:picLocks noChangeAspect="1" noChangeArrowheads="1"/>
+            </p:cNvPicPr>
+            <p:nvPr/>
+          </p:nvPicPr>
+          <p:blipFill>
+            <a:blip r:embed="rId2">
+              <a:extLst>
+                <a:ext uri="{28A0092B-C50C-407E-A947-70E740481C1C}">
+                  <a14:useLocalDpi xmlns:a14="http://schemas.microsoft.com/office/drawing/2010/main" val="0"/>
+                </a:ext>
+              </a:extLst>
+            </a:blip>
+            <a:srcRect/>
+            <a:stretch>
+              <a:fillRect/>
+            </a:stretch>
+          </p:blipFill>
+          <p:spPr bwMode="auto">
+            <a:xfrm>
+              <a:off x="3205163" y="1679575"/>
+              <a:ext cx="2009775" cy="1211263"/>
+            </a:xfrm>
+            <a:prstGeom prst="rect">
+              <a:avLst/>
+            </a:prstGeom>
+            <a:noFill/>
+            <a:ln>
+              <a:noFill/>
+            </a:ln>
+            <a:extLst>
+              <a:ext uri="{909E8E84-426E-40DD-AFC4-6F175D3DCCD1}">
+                <a14:hiddenFill xmlns:a14="http://schemas.microsoft.com/office/drawing/2010/main">
+                  <a:solidFill>
+                    <a:srgbClr val="FFFFFF"/>
+                  </a:solidFill>
+                </a14:hiddenFill>
+              </a:ext>
+              <a:ext uri="{91240B29-F687-4F45-9708-019B960494DF}">
+                <a14:hiddenLine xmlns:a14="http://schemas.microsoft.com/office/drawing/2010/main" w="9525">
+                  <a:solidFill>
+                    <a:srgbClr val="000000"/>
+                  </a:solidFill>
+                  <a:miter lim="800000"/>
+                  <a:headEnd/>
+                  <a:tailEnd/>
+                </a14:hiddenLine>
+              </a:ext>
+            </a:extLst>
+          </p:spPr>
+        </p:pic>
+        <p:pic>
+          <p:nvPicPr>
+            <p:cNvPr id="8" name="Picture 16" descr="RÃ©sultat de recherche d'images pour &quot;acetic acid formula&quot;">
+              <a:extLst>
+                <a:ext uri="{FF2B5EF4-FFF2-40B4-BE49-F238E27FC236}">
+                  <a16:creationId xmlns:a16="http://schemas.microsoft.com/office/drawing/2014/main" id="{EA4F46FC-5C80-4C1C-A4E8-006BF41FDBEF}"/>
+                </a:ext>
+              </a:extLst>
+            </p:cNvPr>
+            <p:cNvPicPr>
+              <a:picLocks noChangeAspect="1" noChangeArrowheads="1"/>
+            </p:cNvPicPr>
+            <p:nvPr/>
+          </p:nvPicPr>
+          <p:blipFill>
+            <a:blip r:embed="rId3">
+              <a:extLst>
+                <a:ext uri="{28A0092B-C50C-407E-A947-70E740481C1C}">
+                  <a14:useLocalDpi xmlns:a14="http://schemas.microsoft.com/office/drawing/2010/main" val="0"/>
+                </a:ext>
+              </a:extLst>
+            </a:blip>
+            <a:srcRect/>
+            <a:stretch>
+              <a:fillRect/>
+            </a:stretch>
+          </p:blipFill>
+          <p:spPr bwMode="auto">
+            <a:xfrm>
+              <a:off x="9975850" y="1560513"/>
+              <a:ext cx="1665288" cy="1435100"/>
+            </a:xfrm>
+            <a:prstGeom prst="rect">
+              <a:avLst/>
+            </a:prstGeom>
+            <a:noFill/>
+            <a:ln>
+              <a:noFill/>
+            </a:ln>
+            <a:extLst>
+              <a:ext uri="{909E8E84-426E-40DD-AFC4-6F175D3DCCD1}">
+                <a14:hiddenFill xmlns:a14="http://schemas.microsoft.com/office/drawing/2010/main">
+                  <a:solidFill>
+                    <a:srgbClr val="FFFFFF"/>
+                  </a:solidFill>
+                </a14:hiddenFill>
+              </a:ext>
+              <a:ext uri="{91240B29-F687-4F45-9708-019B960494DF}">
+                <a14:hiddenLine xmlns:a14="http://schemas.microsoft.com/office/drawing/2010/main" w="9525">
+                  <a:solidFill>
+                    <a:srgbClr val="000000"/>
+                  </a:solidFill>
+                  <a:miter lim="800000"/>
+                  <a:headEnd/>
+                  <a:tailEnd/>
+                </a14:hiddenLine>
+              </a:ext>
+            </a:extLst>
+          </p:spPr>
+        </p:pic>
+        <p:pic>
+          <p:nvPicPr>
+            <p:cNvPr id="9" name="Picture 2" descr="https://orme-conseil.com/wp-content/uploads/2018/03/Pictogramme-CLP-%C3%A0-t%C3%A9l%C3%A9charger.jpg">
+              <a:extLst>
+                <a:ext uri="{FF2B5EF4-FFF2-40B4-BE49-F238E27FC236}">
+                  <a16:creationId xmlns:a16="http://schemas.microsoft.com/office/drawing/2014/main" id="{8AAA6E4C-AEB1-42DB-AD4C-B5AD3530CBD5}"/>
+                </a:ext>
+              </a:extLst>
+            </p:cNvPr>
+            <p:cNvPicPr>
+              <a:picLocks noChangeAspect="1" noChangeArrowheads="1"/>
+            </p:cNvPicPr>
+            <p:nvPr/>
+          </p:nvPicPr>
+          <p:blipFill>
+            <a:blip r:embed="rId4">
+              <a:clrChange>
+                <a:clrFrom>
+                  <a:srgbClr val="FFFFFF"/>
+                </a:clrFrom>
+                <a:clrTo>
+                  <a:srgbClr val="FFFFFF">
+                    <a:alpha val="0"/>
+                  </a:srgbClr>
+                </a:clrTo>
+              </a:clrChange>
+              <a:extLst>
+                <a:ext uri="{28A0092B-C50C-407E-A947-70E740481C1C}">
+                  <a14:useLocalDpi xmlns:a14="http://schemas.microsoft.com/office/drawing/2010/main" val="0"/>
+                </a:ext>
+              </a:extLst>
+            </a:blip>
+            <a:srcRect l="3929" t="64494" r="68137" b="8167"/>
+            <a:stretch>
+              <a:fillRect/>
+            </a:stretch>
+          </p:blipFill>
+          <p:spPr bwMode="auto">
+            <a:xfrm>
+              <a:off x="1438276" y="4484688"/>
+              <a:ext cx="927101" cy="939800"/>
+            </a:xfrm>
+            <a:prstGeom prst="rect">
+              <a:avLst/>
+            </a:prstGeom>
+            <a:noFill/>
+            <a:ln>
+              <a:noFill/>
+            </a:ln>
+            <a:extLst>
+              <a:ext uri="{909E8E84-426E-40DD-AFC4-6F175D3DCCD1}">
+                <a14:hiddenFill xmlns:a14="http://schemas.microsoft.com/office/drawing/2010/main">
+                  <a:solidFill>
+                    <a:srgbClr val="FFFFFF"/>
+                  </a:solidFill>
+                </a14:hiddenFill>
+              </a:ext>
+              <a:ext uri="{91240B29-F687-4F45-9708-019B960494DF}">
+                <a14:hiddenLine xmlns:a14="http://schemas.microsoft.com/office/drawing/2010/main" w="9525">
+                  <a:solidFill>
+                    <a:srgbClr val="000000"/>
+                  </a:solidFill>
+                  <a:miter lim="800000"/>
+                  <a:headEnd/>
+                  <a:tailEnd/>
+                </a14:hiddenLine>
+              </a:ext>
+            </a:extLst>
+          </p:spPr>
+        </p:pic>
+        <p:pic>
+          <p:nvPicPr>
+            <p:cNvPr id="10" name="Picture 2" descr="https://orme-conseil.com/wp-content/uploads/2018/03/Pictogramme-CLP-%C3%A0-t%C3%A9l%C3%A9charger.jpg">
+              <a:extLst>
+                <a:ext uri="{FF2B5EF4-FFF2-40B4-BE49-F238E27FC236}">
+                  <a16:creationId xmlns:a16="http://schemas.microsoft.com/office/drawing/2014/main" id="{FFE49CC9-A6F7-4AB2-A589-A2FA9F3085E8}"/>
+                </a:ext>
+              </a:extLst>
+            </p:cNvPr>
+            <p:cNvPicPr>
+              <a:picLocks noChangeAspect="1" noChangeArrowheads="1"/>
+            </p:cNvPicPr>
+            <p:nvPr/>
+          </p:nvPicPr>
+          <p:blipFill>
+            <a:blip r:embed="rId4">
+              <a:clrChange>
+                <a:clrFrom>
+                  <a:srgbClr val="FFFFFF"/>
+                </a:clrFrom>
+                <a:clrTo>
+                  <a:srgbClr val="FFFFFF">
+                    <a:alpha val="0"/>
+                  </a:srgbClr>
+                </a:clrTo>
+              </a:clrChange>
+              <a:extLst>
+                <a:ext uri="{28A0092B-C50C-407E-A947-70E740481C1C}">
+                  <a14:useLocalDpi xmlns:a14="http://schemas.microsoft.com/office/drawing/2010/main" val="0"/>
+                </a:ext>
+              </a:extLst>
+            </a:blip>
+            <a:srcRect l="3929" t="64494" r="68137" b="8167"/>
+            <a:stretch>
+              <a:fillRect/>
+            </a:stretch>
+          </p:blipFill>
+          <p:spPr bwMode="auto">
+            <a:xfrm>
+              <a:off x="3453561" y="4467226"/>
+              <a:ext cx="927101" cy="939800"/>
+            </a:xfrm>
+            <a:prstGeom prst="rect">
+              <a:avLst/>
+            </a:prstGeom>
+            <a:noFill/>
+            <a:ln>
+              <a:noFill/>
+            </a:ln>
+            <a:extLst>
+              <a:ext uri="{909E8E84-426E-40DD-AFC4-6F175D3DCCD1}">
+                <a14:hiddenFill xmlns:a14="http://schemas.microsoft.com/office/drawing/2010/main">
+                  <a:solidFill>
+                    <a:srgbClr val="FFFFFF"/>
+                  </a:solidFill>
+                </a14:hiddenFill>
+              </a:ext>
+              <a:ext uri="{91240B29-F687-4F45-9708-019B960494DF}">
+                <a14:hiddenLine xmlns:a14="http://schemas.microsoft.com/office/drawing/2010/main" w="9525">
+                  <a:solidFill>
+                    <a:srgbClr val="000000"/>
+                  </a:solidFill>
+                  <a:miter lim="800000"/>
+                  <a:headEnd/>
+                  <a:tailEnd/>
+                </a14:hiddenLine>
+              </a:ext>
+            </a:extLst>
+          </p:spPr>
+        </p:pic>
+        <p:pic>
+          <p:nvPicPr>
+            <p:cNvPr id="11" name="Picture 2" descr="https://orme-conseil.com/wp-content/uploads/2018/03/Pictogramme-CLP-%C3%A0-t%C3%A9l%C3%A9charger.jpg">
+              <a:extLst>
+                <a:ext uri="{FF2B5EF4-FFF2-40B4-BE49-F238E27FC236}">
+                  <a16:creationId xmlns:a16="http://schemas.microsoft.com/office/drawing/2014/main" id="{6D0ADAEB-7649-49D8-A051-6AFE98713C74}"/>
+                </a:ext>
+              </a:extLst>
+            </p:cNvPr>
+            <p:cNvPicPr>
+              <a:picLocks noChangeAspect="1" noChangeArrowheads="1"/>
+            </p:cNvPicPr>
+            <p:nvPr/>
+          </p:nvPicPr>
+          <p:blipFill>
+            <a:blip r:embed="rId4">
+              <a:clrChange>
+                <a:clrFrom>
+                  <a:srgbClr val="FFFFFF"/>
+                </a:clrFrom>
+                <a:clrTo>
+                  <a:srgbClr val="FFFFFF">
+                    <a:alpha val="0"/>
+                  </a:srgbClr>
+                </a:clrTo>
+              </a:clrChange>
+              <a:extLst>
+                <a:ext uri="{28A0092B-C50C-407E-A947-70E740481C1C}">
+                  <a14:useLocalDpi xmlns:a14="http://schemas.microsoft.com/office/drawing/2010/main" val="0"/>
+                </a:ext>
+              </a:extLst>
+            </a:blip>
+            <a:srcRect l="35669" t="32262" r="35597" b="40401"/>
+            <a:stretch>
+              <a:fillRect/>
+            </a:stretch>
+          </p:blipFill>
+          <p:spPr bwMode="auto">
+            <a:xfrm>
+              <a:off x="3842499" y="4046538"/>
+              <a:ext cx="952500" cy="938213"/>
+            </a:xfrm>
+            <a:prstGeom prst="rect">
+              <a:avLst/>
+            </a:prstGeom>
+            <a:noFill/>
+            <a:ln>
+              <a:noFill/>
+            </a:ln>
+            <a:extLst>
+              <a:ext uri="{909E8E84-426E-40DD-AFC4-6F175D3DCCD1}">
+                <a14:hiddenFill xmlns:a14="http://schemas.microsoft.com/office/drawing/2010/main">
+                  <a:solidFill>
+                    <a:srgbClr val="FFFFFF"/>
+                  </a:solidFill>
+                </a14:hiddenFill>
+              </a:ext>
+              <a:ext uri="{91240B29-F687-4F45-9708-019B960494DF}">
+                <a14:hiddenLine xmlns:a14="http://schemas.microsoft.com/office/drawing/2010/main" w="9525">
+                  <a:solidFill>
+                    <a:srgbClr val="000000"/>
+                  </a:solidFill>
+                  <a:miter lim="800000"/>
+                  <a:headEnd/>
+                  <a:tailEnd/>
+                </a14:hiddenLine>
+              </a:ext>
+            </a:extLst>
+          </p:spPr>
+        </p:pic>
+        <p:pic>
+          <p:nvPicPr>
+            <p:cNvPr id="12" name="Picture 2" descr="https://orme-conseil.com/wp-content/uploads/2018/03/Pictogramme-CLP-%C3%A0-t%C3%A9l%C3%A9charger.jpg">
+              <a:extLst>
+                <a:ext uri="{FF2B5EF4-FFF2-40B4-BE49-F238E27FC236}">
+                  <a16:creationId xmlns:a16="http://schemas.microsoft.com/office/drawing/2014/main" id="{4F4EA700-5533-452B-A950-D821C449F277}"/>
+                </a:ext>
+              </a:extLst>
+            </p:cNvPr>
+            <p:cNvPicPr>
+              <a:picLocks noChangeAspect="1" noChangeArrowheads="1"/>
+            </p:cNvPicPr>
+            <p:nvPr/>
+          </p:nvPicPr>
+          <p:blipFill>
+            <a:blip r:embed="rId4">
+              <a:clrChange>
+                <a:clrFrom>
+                  <a:srgbClr val="FFFFFF"/>
+                </a:clrFrom>
+                <a:clrTo>
+                  <a:srgbClr val="FFFFFF">
+                    <a:alpha val="0"/>
+                  </a:srgbClr>
+                </a:clrTo>
+              </a:clrChange>
+              <a:extLst>
+                <a:ext uri="{28A0092B-C50C-407E-A947-70E740481C1C}">
+                  <a14:useLocalDpi xmlns:a14="http://schemas.microsoft.com/office/drawing/2010/main" val="0"/>
+                </a:ext>
+              </a:extLst>
+            </a:blip>
+            <a:srcRect l="35669" t="1834" r="35597" b="72176"/>
+            <a:stretch>
+              <a:fillRect/>
+            </a:stretch>
+          </p:blipFill>
+          <p:spPr bwMode="auto">
+            <a:xfrm>
+              <a:off x="4277473" y="4532313"/>
+              <a:ext cx="954086" cy="892175"/>
+            </a:xfrm>
+            <a:prstGeom prst="rect">
+              <a:avLst/>
+            </a:prstGeom>
+            <a:noFill/>
+            <a:ln>
+              <a:noFill/>
+            </a:ln>
+            <a:extLst>
+              <a:ext uri="{909E8E84-426E-40DD-AFC4-6F175D3DCCD1}">
+                <a14:hiddenFill xmlns:a14="http://schemas.microsoft.com/office/drawing/2010/main">
+                  <a:solidFill>
+                    <a:srgbClr val="FFFFFF"/>
+                  </a:solidFill>
+                </a14:hiddenFill>
+              </a:ext>
+              <a:ext uri="{91240B29-F687-4F45-9708-019B960494DF}">
+                <a14:hiddenLine xmlns:a14="http://schemas.microsoft.com/office/drawing/2010/main" w="9525">
+                  <a:solidFill>
+                    <a:srgbClr val="000000"/>
+                  </a:solidFill>
+                  <a:miter lim="800000"/>
+                  <a:headEnd/>
+                  <a:tailEnd/>
+                </a14:hiddenLine>
+              </a:ext>
+            </a:extLst>
+          </p:spPr>
+        </p:pic>
+        <p:pic>
+          <p:nvPicPr>
+            <p:cNvPr id="13" name="Picture 115" descr="Image associÃ©e">
+              <a:extLst>
+                <a:ext uri="{FF2B5EF4-FFF2-40B4-BE49-F238E27FC236}">
+                  <a16:creationId xmlns:a16="http://schemas.microsoft.com/office/drawing/2014/main" id="{21BF66F3-E45B-4C21-ACCF-95AA063A2689}"/>
+                </a:ext>
+              </a:extLst>
+            </p:cNvPr>
+            <p:cNvPicPr>
+              <a:picLocks noChangeAspect="1" noChangeArrowheads="1"/>
+            </p:cNvPicPr>
+            <p:nvPr/>
+          </p:nvPicPr>
+          <p:blipFill>
+            <a:blip r:embed="rId5">
+              <a:clrChange>
+                <a:clrFrom>
+                  <a:srgbClr val="FEFEFE"/>
+                </a:clrFrom>
+                <a:clrTo>
+                  <a:srgbClr val="FEFEFE">
+                    <a:alpha val="0"/>
+                  </a:srgbClr>
+                </a:clrTo>
+              </a:clrChange>
+              <a:extLst>
+                <a:ext uri="{28A0092B-C50C-407E-A947-70E740481C1C}">
+                  <a14:useLocalDpi xmlns:a14="http://schemas.microsoft.com/office/drawing/2010/main" val="0"/>
+                </a:ext>
+              </a:extLst>
+            </a:blip>
+            <a:srcRect/>
+            <a:stretch>
+              <a:fillRect/>
+            </a:stretch>
+          </p:blipFill>
+          <p:spPr bwMode="auto">
+            <a:xfrm>
+              <a:off x="9908281" y="4403082"/>
+              <a:ext cx="884237" cy="884236"/>
+            </a:xfrm>
+            <a:prstGeom prst="rect">
+              <a:avLst/>
+            </a:prstGeom>
+            <a:noFill/>
+            <a:ln>
+              <a:noFill/>
+            </a:ln>
+            <a:extLst>
+              <a:ext uri="{909E8E84-426E-40DD-AFC4-6F175D3DCCD1}">
+                <a14:hiddenFill xmlns:a14="http://schemas.microsoft.com/office/drawing/2010/main">
+                  <a:solidFill>
+                    <a:srgbClr val="FFFFFF"/>
+                  </a:solidFill>
+                </a14:hiddenFill>
+              </a:ext>
+              <a:ext uri="{91240B29-F687-4F45-9708-019B960494DF}">
+                <a14:hiddenLine xmlns:a14="http://schemas.microsoft.com/office/drawing/2010/main" w="9525">
+                  <a:solidFill>
+                    <a:srgbClr val="000000"/>
+                  </a:solidFill>
+                  <a:miter lim="800000"/>
+                  <a:headEnd/>
+                  <a:tailEnd/>
+                </a14:hiddenLine>
+              </a:ext>
+            </a:extLst>
+          </p:spPr>
+        </p:pic>
+        <p:pic>
+          <p:nvPicPr>
+            <p:cNvPr id="14" name="Picture 117" descr="Image associÃ©e">
+              <a:extLst>
+                <a:ext uri="{FF2B5EF4-FFF2-40B4-BE49-F238E27FC236}">
+                  <a16:creationId xmlns:a16="http://schemas.microsoft.com/office/drawing/2014/main" id="{84988A52-946F-47FF-9E89-C9C4AC8D2489}"/>
+                </a:ext>
+              </a:extLst>
+            </p:cNvPr>
+            <p:cNvPicPr>
+              <a:picLocks noChangeAspect="1" noChangeArrowheads="1"/>
+            </p:cNvPicPr>
+            <p:nvPr/>
+          </p:nvPicPr>
+          <p:blipFill>
+            <a:blip r:embed="rId6">
+              <a:clrChange>
+                <a:clrFrom>
+                  <a:srgbClr val="FEFEFE"/>
+                </a:clrFrom>
+                <a:clrTo>
+                  <a:srgbClr val="FEFEFE">
+                    <a:alpha val="0"/>
+                  </a:srgbClr>
+                </a:clrTo>
+              </a:clrChange>
+              <a:extLst>
+                <a:ext uri="{28A0092B-C50C-407E-A947-70E740481C1C}">
+                  <a14:useLocalDpi xmlns:a14="http://schemas.microsoft.com/office/drawing/2010/main" val="0"/>
+                </a:ext>
+              </a:extLst>
+            </a:blip>
+            <a:srcRect/>
+            <a:stretch>
+              <a:fillRect/>
+            </a:stretch>
+          </p:blipFill>
+          <p:spPr bwMode="auto">
+            <a:xfrm>
+              <a:off x="10895706" y="4396732"/>
+              <a:ext cx="884237" cy="884236"/>
+            </a:xfrm>
+            <a:prstGeom prst="rect">
+              <a:avLst/>
+            </a:prstGeom>
+            <a:noFill/>
+            <a:ln>
+              <a:noFill/>
+            </a:ln>
+            <a:extLst>
+              <a:ext uri="{909E8E84-426E-40DD-AFC4-6F175D3DCCD1}">
+                <a14:hiddenFill xmlns:a14="http://schemas.microsoft.com/office/drawing/2010/main">
+                  <a:solidFill>
+                    <a:srgbClr val="FFFFFF"/>
+                  </a:solidFill>
+                </a14:hiddenFill>
+              </a:ext>
+              <a:ext uri="{91240B29-F687-4F45-9708-019B960494DF}">
+                <a14:hiddenLine xmlns:a14="http://schemas.microsoft.com/office/drawing/2010/main" w="9525">
+                  <a:solidFill>
+                    <a:srgbClr val="000000"/>
+                  </a:solidFill>
+                  <a:miter lim="800000"/>
+                  <a:headEnd/>
+                  <a:tailEnd/>
+                </a14:hiddenLine>
+              </a:ext>
+            </a:extLst>
+          </p:spPr>
+        </p:pic>
+        <p:pic>
+          <p:nvPicPr>
+            <p:cNvPr id="15" name="Picture 2" descr="RÃ©sultat de recherche d'images pour &quot;para-aminophÃ©nol&quot;">
+              <a:extLst>
+                <a:ext uri="{FF2B5EF4-FFF2-40B4-BE49-F238E27FC236}">
+                  <a16:creationId xmlns:a16="http://schemas.microsoft.com/office/drawing/2014/main" id="{83B135DD-B2C5-4562-85B9-3A09E57D2038}"/>
+                </a:ext>
+              </a:extLst>
+            </p:cNvPr>
+            <p:cNvPicPr>
+              <a:picLocks noChangeAspect="1" noChangeArrowheads="1"/>
+            </p:cNvPicPr>
+            <p:nvPr/>
+          </p:nvPicPr>
+          <p:blipFill>
+            <a:blip r:embed="rId7">
+              <a:clrChange>
+                <a:clrFrom>
+                  <a:srgbClr val="FFFFFF"/>
+                </a:clrFrom>
+                <a:clrTo>
+                  <a:srgbClr val="FFFFFF">
+                    <a:alpha val="0"/>
+                  </a:srgbClr>
+                </a:clrTo>
+              </a:clrChange>
+              <a:extLst>
+                <a:ext uri="{28A0092B-C50C-407E-A947-70E740481C1C}">
+                  <a14:useLocalDpi xmlns:a14="http://schemas.microsoft.com/office/drawing/2010/main" val="0"/>
+                </a:ext>
+              </a:extLst>
+            </a:blip>
+            <a:srcRect/>
+            <a:stretch>
+              <a:fillRect/>
+            </a:stretch>
+          </p:blipFill>
+          <p:spPr bwMode="auto">
+            <a:xfrm>
+              <a:off x="193675" y="1620838"/>
+              <a:ext cx="2495550" cy="1314450"/>
+            </a:xfrm>
+            <a:prstGeom prst="rect">
+              <a:avLst/>
+            </a:prstGeom>
+            <a:noFill/>
+            <a:ln>
+              <a:noFill/>
+            </a:ln>
+            <a:extLst>
+              <a:ext uri="{909E8E84-426E-40DD-AFC4-6F175D3DCCD1}">
+                <a14:hiddenFill xmlns:a14="http://schemas.microsoft.com/office/drawing/2010/main">
+                  <a:solidFill>
+                    <a:srgbClr val="FFFFFF"/>
+                  </a:solidFill>
+                </a14:hiddenFill>
+              </a:ext>
+              <a:ext uri="{91240B29-F687-4F45-9708-019B960494DF}">
+                <a14:hiddenLine xmlns:a14="http://schemas.microsoft.com/office/drawing/2010/main" w="9525">
+                  <a:solidFill>
+                    <a:srgbClr val="000000"/>
+                  </a:solidFill>
+                  <a:miter lim="800000"/>
+                  <a:headEnd/>
+                  <a:tailEnd/>
+                </a14:hiddenLine>
+              </a:ext>
+            </a:extLst>
+          </p:spPr>
+        </p:pic>
+        <p:pic>
+          <p:nvPicPr>
+            <p:cNvPr id="16" name="Picture 4" descr="RÃ©sultat de recherche d'images pour &quot;paracÃ©tamol&quot;">
+              <a:extLst>
+                <a:ext uri="{FF2B5EF4-FFF2-40B4-BE49-F238E27FC236}">
+                  <a16:creationId xmlns:a16="http://schemas.microsoft.com/office/drawing/2014/main" id="{301C585B-71CC-4A6C-ABB9-412F62A0E295}"/>
+                </a:ext>
+              </a:extLst>
+            </p:cNvPr>
+            <p:cNvPicPr>
+              <a:picLocks noChangeAspect="1" noChangeArrowheads="1"/>
+            </p:cNvPicPr>
+            <p:nvPr/>
+          </p:nvPicPr>
+          <p:blipFill>
+            <a:blip r:embed="rId8">
+              <a:extLst>
+                <a:ext uri="{28A0092B-C50C-407E-A947-70E740481C1C}">
+                  <a14:useLocalDpi xmlns:a14="http://schemas.microsoft.com/office/drawing/2010/main" val="0"/>
+                </a:ext>
+              </a:extLst>
+            </a:blip>
+            <a:srcRect/>
+            <a:stretch>
+              <a:fillRect/>
+            </a:stretch>
+          </p:blipFill>
+          <p:spPr bwMode="auto">
+            <a:xfrm>
+              <a:off x="6848475" y="1501775"/>
+              <a:ext cx="2890838" cy="1552575"/>
+            </a:xfrm>
+            <a:prstGeom prst="rect">
+              <a:avLst/>
+            </a:prstGeom>
+            <a:noFill/>
+            <a:ln>
+              <a:noFill/>
+            </a:ln>
+            <a:extLst>
+              <a:ext uri="{909E8E84-426E-40DD-AFC4-6F175D3DCCD1}">
+                <a14:hiddenFill xmlns:a14="http://schemas.microsoft.com/office/drawing/2010/main">
+                  <a:solidFill>
+                    <a:srgbClr val="FFFFFF"/>
+                  </a:solidFill>
+                </a14:hiddenFill>
+              </a:ext>
+              <a:ext uri="{91240B29-F687-4F45-9708-019B960494DF}">
+                <a14:hiddenLine xmlns:a14="http://schemas.microsoft.com/office/drawing/2010/main" w="9525">
+                  <a:solidFill>
+                    <a:srgbClr val="000000"/>
+                  </a:solidFill>
+                  <a:miter lim="800000"/>
+                  <a:headEnd/>
+                  <a:tailEnd/>
+                </a14:hiddenLine>
+              </a:ext>
+            </a:extLst>
+          </p:spPr>
+        </p:pic>
+        <p:pic>
+          <p:nvPicPr>
+            <p:cNvPr id="17" name="Picture 2" descr="https://orme-conseil.com/wp-content/uploads/2018/03/Pictogramme-CLP-%C3%A0-t%C3%A9l%C3%A9charger.jpg">
+              <a:extLst>
+                <a:ext uri="{FF2B5EF4-FFF2-40B4-BE49-F238E27FC236}">
+                  <a16:creationId xmlns:a16="http://schemas.microsoft.com/office/drawing/2014/main" id="{AC2D9813-1319-4E99-9E30-FF454B177328}"/>
+                </a:ext>
+              </a:extLst>
+            </p:cNvPr>
+            <p:cNvPicPr>
+              <a:picLocks noChangeAspect="1" noChangeArrowheads="1"/>
+            </p:cNvPicPr>
+            <p:nvPr/>
+          </p:nvPicPr>
+          <p:blipFill>
+            <a:blip r:embed="rId4">
+              <a:clrChange>
+                <a:clrFrom>
+                  <a:srgbClr val="FFFFFF"/>
+                </a:clrFrom>
+                <a:clrTo>
+                  <a:srgbClr val="FFFFFF">
+                    <a:alpha val="0"/>
+                  </a:srgbClr>
+                </a:clrTo>
+              </a:clrChange>
+              <a:extLst>
+                <a:ext uri="{28A0092B-C50C-407E-A947-70E740481C1C}">
+                  <a14:useLocalDpi xmlns:a14="http://schemas.microsoft.com/office/drawing/2010/main" val="0"/>
+                </a:ext>
+              </a:extLst>
+            </a:blip>
+            <a:srcRect l="3929" t="64494" r="68137" b="8167"/>
+            <a:stretch>
+              <a:fillRect/>
+            </a:stretch>
+          </p:blipFill>
+          <p:spPr bwMode="auto">
+            <a:xfrm>
+              <a:off x="7830344" y="4278999"/>
+              <a:ext cx="927101" cy="938212"/>
+            </a:xfrm>
+            <a:prstGeom prst="rect">
+              <a:avLst/>
+            </a:prstGeom>
+            <a:noFill/>
+            <a:ln>
+              <a:noFill/>
+            </a:ln>
+            <a:extLst>
+              <a:ext uri="{909E8E84-426E-40DD-AFC4-6F175D3DCCD1}">
+                <a14:hiddenFill xmlns:a14="http://schemas.microsoft.com/office/drawing/2010/main">
+                  <a:solidFill>
+                    <a:srgbClr val="FFFFFF"/>
+                  </a:solidFill>
+                </a14:hiddenFill>
+              </a:ext>
+              <a:ext uri="{91240B29-F687-4F45-9708-019B960494DF}">
+                <a14:hiddenLine xmlns:a14="http://schemas.microsoft.com/office/drawing/2010/main" w="9525">
+                  <a:solidFill>
+                    <a:srgbClr val="000000"/>
+                  </a:solidFill>
+                  <a:miter lim="800000"/>
+                  <a:headEnd/>
+                  <a:tailEnd/>
+                </a14:hiddenLine>
+              </a:ext>
+            </a:extLst>
+          </p:spPr>
+        </p:pic>
+        <p:pic>
+          <p:nvPicPr>
+            <p:cNvPr id="18" name="Image 33">
+              <a:extLst>
+                <a:ext uri="{FF2B5EF4-FFF2-40B4-BE49-F238E27FC236}">
+                  <a16:creationId xmlns:a16="http://schemas.microsoft.com/office/drawing/2014/main" id="{DE3B5BE5-B3B2-4483-B95E-A24FCC0A3F64}"/>
+                </a:ext>
+              </a:extLst>
+            </p:cNvPr>
+            <p:cNvPicPr>
+              <a:picLocks noChangeAspect="1" noChangeArrowheads="1"/>
+            </p:cNvPicPr>
+            <p:nvPr/>
+          </p:nvPicPr>
+          <p:blipFill>
+            <a:blip r:embed="rId9">
+              <a:clrChange>
+                <a:clrFrom>
+                  <a:srgbClr val="FFFFFF"/>
+                </a:clrFrom>
+                <a:clrTo>
+                  <a:srgbClr val="FFFFFF">
+                    <a:alpha val="0"/>
+                  </a:srgbClr>
+                </a:clrTo>
+              </a:clrChange>
+              <a:extLst>
+                <a:ext uri="{28A0092B-C50C-407E-A947-70E740481C1C}">
+                  <a14:useLocalDpi xmlns:a14="http://schemas.microsoft.com/office/drawing/2010/main" val="0"/>
+                </a:ext>
+              </a:extLst>
+            </a:blip>
+            <a:srcRect/>
+            <a:stretch>
+              <a:fillRect/>
+            </a:stretch>
+          </p:blipFill>
+          <p:spPr bwMode="auto">
+            <a:xfrm>
+              <a:off x="1058863" y="4132263"/>
+              <a:ext cx="774699" cy="777875"/>
+            </a:xfrm>
+            <a:prstGeom prst="rect">
+              <a:avLst/>
+            </a:prstGeom>
+            <a:noFill/>
+            <a:ln>
+              <a:noFill/>
+            </a:ln>
+            <a:extLst>
+              <a:ext uri="{909E8E84-426E-40DD-AFC4-6F175D3DCCD1}">
+                <a14:hiddenFill xmlns:a14="http://schemas.microsoft.com/office/drawing/2010/main">
+                  <a:solidFill>
+                    <a:srgbClr val="FFFFFF"/>
+                  </a:solidFill>
+                </a14:hiddenFill>
+              </a:ext>
+              <a:ext uri="{91240B29-F687-4F45-9708-019B960494DF}">
+                <a14:hiddenLine xmlns:a14="http://schemas.microsoft.com/office/drawing/2010/main" w="9525">
+                  <a:solidFill>
+                    <a:srgbClr val="000000"/>
+                  </a:solidFill>
+                  <a:miter lim="800000"/>
+                  <a:headEnd/>
+                  <a:tailEnd/>
+                </a14:hiddenLine>
+              </a:ext>
+            </a:extLst>
+          </p:spPr>
+        </p:pic>
+        <p:pic>
+          <p:nvPicPr>
+            <p:cNvPr id="19" name="Picture 2" descr="https://orme-conseil.com/wp-content/uploads/2018/03/Pictogramme-CLP-%C3%A0-t%C3%A9l%C3%A9charger.jpg">
+              <a:extLst>
+                <a:ext uri="{FF2B5EF4-FFF2-40B4-BE49-F238E27FC236}">
+                  <a16:creationId xmlns:a16="http://schemas.microsoft.com/office/drawing/2014/main" id="{26300DC8-8A2C-4169-B298-FC3FDBD6987D}"/>
+                </a:ext>
+              </a:extLst>
+            </p:cNvPr>
+            <p:cNvPicPr>
+              <a:picLocks noChangeAspect="1" noChangeArrowheads="1"/>
+            </p:cNvPicPr>
+            <p:nvPr/>
+          </p:nvPicPr>
+          <p:blipFill>
+            <a:blip r:embed="rId4">
+              <a:clrChange>
+                <a:clrFrom>
+                  <a:srgbClr val="FFFFFF"/>
+                </a:clrFrom>
+                <a:clrTo>
+                  <a:srgbClr val="FFFFFF">
+                    <a:alpha val="0"/>
+                  </a:srgbClr>
+                </a:clrTo>
+              </a:clrChange>
+              <a:extLst>
+                <a:ext uri="{28A0092B-C50C-407E-A947-70E740481C1C}">
+                  <a14:useLocalDpi xmlns:a14="http://schemas.microsoft.com/office/drawing/2010/main" val="0"/>
+                </a:ext>
+              </a:extLst>
+            </a:blip>
+            <a:srcRect l="65941" t="64494" r="1920" b="8167"/>
+            <a:stretch>
+              <a:fillRect/>
+            </a:stretch>
+          </p:blipFill>
+          <p:spPr bwMode="auto">
+            <a:xfrm>
+              <a:off x="439738" y="4459287"/>
+              <a:ext cx="1066800" cy="938212"/>
+            </a:xfrm>
+            <a:prstGeom prst="rect">
+              <a:avLst/>
+            </a:prstGeom>
+            <a:noFill/>
+            <a:ln>
+              <a:noFill/>
+            </a:ln>
+            <a:extLst>
+              <a:ext uri="{909E8E84-426E-40DD-AFC4-6F175D3DCCD1}">
+                <a14:hiddenFill xmlns:a14="http://schemas.microsoft.com/office/drawing/2010/main">
+                  <a:solidFill>
+                    <a:srgbClr val="FFFFFF"/>
+                  </a:solidFill>
+                </a14:hiddenFill>
+              </a:ext>
+              <a:ext uri="{91240B29-F687-4F45-9708-019B960494DF}">
+                <a14:hiddenLine xmlns:a14="http://schemas.microsoft.com/office/drawing/2010/main" w="9525">
+                  <a:solidFill>
+                    <a:srgbClr val="000000"/>
+                  </a:solidFill>
+                  <a:miter lim="800000"/>
+                  <a:headEnd/>
+                  <a:tailEnd/>
+                </a14:hiddenLine>
+              </a:ext>
+            </a:extLst>
+          </p:spPr>
+        </p:pic>
+      </p:grpSp>
+      <p:sp>
+        <p:nvSpPr>
+          <p:cNvPr id="21" name="ZoneTexte 20">
+            <a:extLst>
+              <a:ext uri="{FF2B5EF4-FFF2-40B4-BE49-F238E27FC236}">
+                <a16:creationId xmlns:a16="http://schemas.microsoft.com/office/drawing/2014/main" id="{5F08D389-A943-4880-820E-BC5EE8A47F04}"/>
+              </a:ext>
+            </a:extLst>
+          </p:cNvPr>
+          <p:cNvSpPr txBox="1"/>
+          <p:nvPr/>
+        </p:nvSpPr>
+        <p:spPr>
+          <a:xfrm>
+            <a:off x="106795" y="2760971"/>
+            <a:ext cx="2173460" cy="369332"/>
+          </a:xfrm>
+          <a:prstGeom prst="rect">
+            <a:avLst/>
+          </a:prstGeom>
+          <a:noFill/>
+        </p:spPr>
+        <p:txBody>
+          <a:bodyPr wrap="square" rtlCol="0">
+            <a:spAutoFit/>
+          </a:bodyPr>
+          <a:lstStyle/>
+          <a:p>
+            <a:r>
+              <a:rPr lang="fr-FR" dirty="0">
+                <a:latin typeface="+mj-lt"/>
+              </a:rPr>
+              <a:t>5,50g = 5,04.10</a:t>
+            </a:r>
+            <a:r>
+              <a:rPr lang="fr-FR" baseline="30000" dirty="0">
+                <a:latin typeface="+mj-lt"/>
+              </a:rPr>
+              <a:t>-2</a:t>
+            </a:r>
+            <a:r>
+              <a:rPr lang="fr-FR" dirty="0">
+                <a:latin typeface="+mj-lt"/>
+              </a:rPr>
+              <a:t>mol</a:t>
+            </a:r>
+          </a:p>
+        </p:txBody>
+      </p:sp>
+      <p:sp>
+        <p:nvSpPr>
+          <p:cNvPr id="22" name="ZoneTexte 21">
+            <a:extLst>
+              <a:ext uri="{FF2B5EF4-FFF2-40B4-BE49-F238E27FC236}">
+                <a16:creationId xmlns:a16="http://schemas.microsoft.com/office/drawing/2014/main" id="{EDB17CF1-30AB-4A68-81A7-6F7CEA3A1D55}"/>
+              </a:ext>
+            </a:extLst>
+          </p:cNvPr>
+          <p:cNvSpPr txBox="1"/>
+          <p:nvPr/>
+        </p:nvSpPr>
+        <p:spPr>
+          <a:xfrm>
+            <a:off x="2383589" y="2739623"/>
+            <a:ext cx="2173460" cy="369332"/>
+          </a:xfrm>
+          <a:prstGeom prst="rect">
+            <a:avLst/>
+          </a:prstGeom>
+          <a:noFill/>
+        </p:spPr>
+        <p:txBody>
+          <a:bodyPr wrap="square" rtlCol="0">
+            <a:spAutoFit/>
+          </a:bodyPr>
+          <a:lstStyle/>
+          <a:p>
+            <a:r>
+              <a:rPr lang="fr-FR" dirty="0">
+                <a:latin typeface="+mj-lt"/>
+              </a:rPr>
+              <a:t>~7,0mL = 7,4.10</a:t>
+            </a:r>
+            <a:r>
+              <a:rPr lang="fr-FR" baseline="30000" dirty="0">
+                <a:latin typeface="+mj-lt"/>
+              </a:rPr>
+              <a:t>-2</a:t>
+            </a:r>
+            <a:r>
+              <a:rPr lang="fr-FR" dirty="0">
+                <a:latin typeface="+mj-lt"/>
+              </a:rPr>
+              <a:t>mol</a:t>
+            </a:r>
           </a:p>
         </p:txBody>
       </p:sp>
     </p:spTree>
     <p:extLst>
       <p:ext uri="{BB962C8B-B14F-4D97-AF65-F5344CB8AC3E}">
-        <p14:creationId xmlns:p14="http://schemas.microsoft.com/office/powerpoint/2010/main" val="4227819929"/>
+        <p14:creationId xmlns:p14="http://schemas.microsoft.com/office/powerpoint/2010/main" val="1556333549"/>
+      </p:ext>
+    </p:extLst>
+  </p:cSld>
+  <p:clrMapOvr>
+    <a:masterClrMapping/>
+  </p:clrMapOvr>
+</p:sld>
+</file>
+
+<file path=ppt/slides/slide4.xml><?xml version="1.0" encoding="utf-8"?>
+<p:sld xmlns:a="http://schemas.openxmlformats.org/drawingml/2006/main" xmlns:r="http://schemas.openxmlformats.org/officeDocument/2006/relationships" xmlns:p="http://schemas.openxmlformats.org/presentationml/2006/main">
+  <p:cSld>
+    <p:spTree>
+      <p:nvGrpSpPr>
+        <p:cNvPr id="1" name=""/>
+        <p:cNvGrpSpPr/>
+        <p:nvPr/>
+      </p:nvGrpSpPr>
+      <p:grpSpPr>
+        <a:xfrm>
+          <a:off x="0" y="0"/>
+          <a:ext cx="0" cy="0"/>
+          <a:chOff x="0" y="0"/>
+          <a:chExt cx="0" cy="0"/>
+        </a:xfrm>
+      </p:grpSpPr>
+      <p:sp>
+        <p:nvSpPr>
+          <p:cNvPr id="2" name="Espace réservé du numéro de diapositive 1">
+            <a:extLst>
+              <a:ext uri="{FF2B5EF4-FFF2-40B4-BE49-F238E27FC236}">
+                <a16:creationId xmlns:a16="http://schemas.microsoft.com/office/drawing/2014/main" id="{B4F4BADA-D7EE-4B4B-B76D-064C32BC53BE}"/>
+              </a:ext>
+            </a:extLst>
+          </p:cNvPr>
+          <p:cNvSpPr>
+            <a:spLocks noGrp="1"/>
+          </p:cNvSpPr>
+          <p:nvPr>
+            <p:ph type="sldNum" sz="quarter" idx="12"/>
+          </p:nvPr>
+        </p:nvSpPr>
+        <p:spPr/>
+        <p:txBody>
+          <a:bodyPr/>
+          <a:lstStyle/>
+          <a:p>
+            <a:fld id="{4FAB73BC-B049-4115-A692-8D63A059BFB8}" type="slidenum">
+              <a:rPr lang="en-US" smtClean="0"/>
+              <a:pPr/>
+              <a:t>4</a:t>
+            </a:fld>
+            <a:endParaRPr lang="en-US" dirty="0"/>
+          </a:p>
+        </p:txBody>
+      </p:sp>
+      <p:sp>
+        <p:nvSpPr>
+          <p:cNvPr id="3" name="Titre 2">
+            <a:extLst>
+              <a:ext uri="{FF2B5EF4-FFF2-40B4-BE49-F238E27FC236}">
+                <a16:creationId xmlns:a16="http://schemas.microsoft.com/office/drawing/2014/main" id="{1E628DE2-4E1B-42BE-A2CA-3488EBE3F955}"/>
+              </a:ext>
+            </a:extLst>
+          </p:cNvPr>
+          <p:cNvSpPr>
+            <a:spLocks noGrp="1"/>
+          </p:cNvSpPr>
+          <p:nvPr>
+            <p:ph type="title"/>
+          </p:nvPr>
+        </p:nvSpPr>
+        <p:spPr/>
+        <p:txBody>
+          <a:bodyPr/>
+          <a:lstStyle/>
+          <a:p>
+            <a:r>
+              <a:rPr lang="fr-FR" dirty="0"/>
+              <a:t>Spectroscopie infrarouge</a:t>
+            </a:r>
+          </a:p>
+        </p:txBody>
+      </p:sp>
+      <p:pic>
+        <p:nvPicPr>
+          <p:cNvPr id="4" name="Espace réservé du contenu 5">
+            <a:extLst>
+              <a:ext uri="{FF2B5EF4-FFF2-40B4-BE49-F238E27FC236}">
+                <a16:creationId xmlns:a16="http://schemas.microsoft.com/office/drawing/2014/main" id="{22FEA5AC-5473-4BEA-8F57-82EFD8FE93C8}"/>
+              </a:ext>
+            </a:extLst>
+          </p:cNvPr>
+          <p:cNvPicPr>
+            <a:picLocks noChangeAspect="1" noChangeArrowheads="1"/>
+          </p:cNvPicPr>
+          <p:nvPr/>
+        </p:nvPicPr>
+        <p:blipFill>
+          <a:blip r:embed="rId2">
+            <a:extLst>
+              <a:ext uri="{28A0092B-C50C-407E-A947-70E740481C1C}">
+                <a14:useLocalDpi xmlns:a14="http://schemas.microsoft.com/office/drawing/2010/main" val="0"/>
+              </a:ext>
+            </a:extLst>
+          </a:blip>
+          <a:srcRect l="4036" b="2762"/>
+          <a:stretch>
+            <a:fillRect/>
+          </a:stretch>
+        </p:blipFill>
+        <p:spPr>
+          <a:xfrm>
+            <a:off x="2358188" y="1068986"/>
+            <a:ext cx="6785811" cy="3269302"/>
+          </a:xfrm>
+          <a:prstGeom prst="rect">
+            <a:avLst/>
+          </a:prstGeom>
+        </p:spPr>
+      </p:pic>
+      <p:sp>
+        <p:nvSpPr>
+          <p:cNvPr id="5" name="Rectangle 4">
+            <a:extLst>
+              <a:ext uri="{FF2B5EF4-FFF2-40B4-BE49-F238E27FC236}">
+                <a16:creationId xmlns:a16="http://schemas.microsoft.com/office/drawing/2014/main" id="{AC58AC30-2C68-47C0-A26D-61F039DE7065}"/>
+              </a:ext>
+            </a:extLst>
+          </p:cNvPr>
+          <p:cNvSpPr/>
+          <p:nvPr/>
+        </p:nvSpPr>
+        <p:spPr>
+          <a:xfrm>
+            <a:off x="6283280" y="1141234"/>
+            <a:ext cx="2673998" cy="3056297"/>
+          </a:xfrm>
+          <a:prstGeom prst="rect">
+            <a:avLst/>
+          </a:prstGeom>
+          <a:solidFill>
+            <a:schemeClr val="bg1">
+              <a:lumMod val="50000"/>
+              <a:alpha val="50000"/>
+            </a:schemeClr>
+          </a:solidFill>
+          <a:ln>
+            <a:solidFill>
+              <a:srgbClr val="00B050"/>
+            </a:solidFill>
+          </a:ln>
+        </p:spPr>
+        <p:style>
+          <a:lnRef idx="2">
+            <a:schemeClr val="accent1">
+              <a:shade val="50000"/>
+            </a:schemeClr>
+          </a:lnRef>
+          <a:fillRef idx="1">
+            <a:schemeClr val="accent1"/>
+          </a:fillRef>
+          <a:effectRef idx="0">
+            <a:schemeClr val="accent1"/>
+          </a:effectRef>
+          <a:fontRef idx="minor">
+            <a:schemeClr val="lt1"/>
+          </a:fontRef>
+        </p:style>
+        <p:txBody>
+          <a:bodyPr anchor="ctr"/>
+          <a:lstStyle/>
+          <a:p>
+            <a:pPr algn="ctr" eaLnBrk="1" fontAlgn="auto" hangingPunct="1">
+              <a:spcBef>
+                <a:spcPts val="0"/>
+              </a:spcBef>
+              <a:spcAft>
+                <a:spcPts val="0"/>
+              </a:spcAft>
+              <a:defRPr/>
+            </a:pPr>
+            <a:endParaRPr lang="fr-FR"/>
+          </a:p>
+        </p:txBody>
+      </p:sp>
+      <p:sp>
+        <p:nvSpPr>
+          <p:cNvPr id="6" name="ZoneTexte 5">
+            <a:extLst>
+              <a:ext uri="{FF2B5EF4-FFF2-40B4-BE49-F238E27FC236}">
+                <a16:creationId xmlns:a16="http://schemas.microsoft.com/office/drawing/2014/main" id="{D2969CEB-40EE-4DCE-8105-DAF24EAC28B9}"/>
+              </a:ext>
+            </a:extLst>
+          </p:cNvPr>
+          <p:cNvSpPr txBox="1"/>
+          <p:nvPr/>
+        </p:nvSpPr>
+        <p:spPr>
+          <a:xfrm>
+            <a:off x="7425344" y="3493878"/>
+            <a:ext cx="1531934" cy="707886"/>
+          </a:xfrm>
+          <a:prstGeom prst="rect">
+            <a:avLst/>
+          </a:prstGeom>
+          <a:ln>
+            <a:solidFill>
+              <a:srgbClr val="00B050"/>
+            </a:solidFill>
+          </a:ln>
+        </p:spPr>
+        <p:style>
+          <a:lnRef idx="2">
+            <a:schemeClr val="accent1"/>
+          </a:lnRef>
+          <a:fillRef idx="1">
+            <a:schemeClr val="lt1"/>
+          </a:fillRef>
+          <a:effectRef idx="0">
+            <a:schemeClr val="accent1"/>
+          </a:effectRef>
+          <a:fontRef idx="minor">
+            <a:schemeClr val="dk1"/>
+          </a:fontRef>
+        </p:style>
+        <p:txBody>
+          <a:bodyPr wrap="square">
+            <a:spAutoFit/>
+          </a:bodyPr>
+          <a:lstStyle/>
+          <a:p>
+            <a:pPr algn="ctr" eaLnBrk="1" fontAlgn="auto" hangingPunct="1">
+              <a:spcBef>
+                <a:spcPts val="0"/>
+              </a:spcBef>
+              <a:spcAft>
+                <a:spcPts val="0"/>
+              </a:spcAft>
+              <a:defRPr/>
+            </a:pPr>
+            <a:r>
+              <a:rPr lang="fr-FR" sz="2000" dirty="0"/>
+              <a:t>Empreinte digitale</a:t>
+            </a:r>
+            <a:endParaRPr lang="fr-FR" sz="1600" dirty="0"/>
+          </a:p>
+        </p:txBody>
+      </p:sp>
+      <p:sp>
+        <p:nvSpPr>
+          <p:cNvPr id="7" name="ZoneTexte 6">
+            <a:extLst>
+              <a:ext uri="{FF2B5EF4-FFF2-40B4-BE49-F238E27FC236}">
+                <a16:creationId xmlns:a16="http://schemas.microsoft.com/office/drawing/2014/main" id="{999EE2E3-C996-4B79-9975-33AF2822A104}"/>
+              </a:ext>
+            </a:extLst>
+          </p:cNvPr>
+          <p:cNvSpPr txBox="1"/>
+          <p:nvPr/>
+        </p:nvSpPr>
+        <p:spPr>
+          <a:xfrm>
+            <a:off x="4160036" y="3217696"/>
+            <a:ext cx="1261232" cy="646331"/>
+          </a:xfrm>
+          <a:prstGeom prst="rect">
+            <a:avLst/>
+          </a:prstGeom>
+          <a:ln w="19050">
+            <a:solidFill>
+              <a:srgbClr val="00B050"/>
+            </a:solidFill>
+          </a:ln>
+        </p:spPr>
+        <p:style>
+          <a:lnRef idx="2">
+            <a:schemeClr val="accent5"/>
+          </a:lnRef>
+          <a:fillRef idx="1">
+            <a:schemeClr val="lt1"/>
+          </a:fillRef>
+          <a:effectRef idx="0">
+            <a:schemeClr val="accent5"/>
+          </a:effectRef>
+          <a:fontRef idx="minor">
+            <a:schemeClr val="dk1"/>
+          </a:fontRef>
+        </p:style>
+        <p:txBody>
+          <a:bodyPr wrap="square">
+            <a:spAutoFit/>
+          </a:bodyPr>
+          <a:lstStyle/>
+          <a:p>
+            <a:pPr>
+              <a:defRPr/>
+            </a:pPr>
+            <a:r>
+              <a:rPr lang="fr-FR" dirty="0"/>
+              <a:t>N-H amine primaire</a:t>
+            </a:r>
+          </a:p>
+        </p:txBody>
+      </p:sp>
+      <p:cxnSp>
+        <p:nvCxnSpPr>
+          <p:cNvPr id="8" name="Connecteur droit avec flèche 7">
+            <a:extLst>
+              <a:ext uri="{FF2B5EF4-FFF2-40B4-BE49-F238E27FC236}">
+                <a16:creationId xmlns:a16="http://schemas.microsoft.com/office/drawing/2014/main" id="{DCA89E48-FB68-4ACD-BBE3-08C5BAEAAFAC}"/>
+              </a:ext>
+            </a:extLst>
+          </p:cNvPr>
+          <p:cNvCxnSpPr>
+            <a:cxnSpLocks/>
+          </p:cNvCxnSpPr>
+          <p:nvPr/>
+        </p:nvCxnSpPr>
+        <p:spPr>
+          <a:xfrm flipH="1" flipV="1">
+            <a:off x="3471910" y="3337208"/>
+            <a:ext cx="713157" cy="115208"/>
+          </a:xfrm>
+          <a:prstGeom prst="straightConnector1">
+            <a:avLst/>
+          </a:prstGeom>
+          <a:ln>
+            <a:solidFill>
+              <a:srgbClr val="00B050"/>
+            </a:solidFill>
+            <a:tailEnd type="triangle"/>
+          </a:ln>
+        </p:spPr>
+        <p:style>
+          <a:lnRef idx="1">
+            <a:schemeClr val="accent1"/>
+          </a:lnRef>
+          <a:fillRef idx="0">
+            <a:schemeClr val="accent1"/>
+          </a:fillRef>
+          <a:effectRef idx="0">
+            <a:schemeClr val="accent1"/>
+          </a:effectRef>
+          <a:fontRef idx="minor">
+            <a:schemeClr val="tx1"/>
+          </a:fontRef>
+        </p:style>
+      </p:cxnSp>
+      <p:cxnSp>
+        <p:nvCxnSpPr>
+          <p:cNvPr id="9" name="Connecteur droit avec flèche 8">
+            <a:extLst>
+              <a:ext uri="{FF2B5EF4-FFF2-40B4-BE49-F238E27FC236}">
+                <a16:creationId xmlns:a16="http://schemas.microsoft.com/office/drawing/2014/main" id="{CC2DF0B1-AE09-455E-994B-210389EFCF2E}"/>
+              </a:ext>
+            </a:extLst>
+          </p:cNvPr>
+          <p:cNvCxnSpPr>
+            <a:cxnSpLocks/>
+          </p:cNvCxnSpPr>
+          <p:nvPr/>
+        </p:nvCxnSpPr>
+        <p:spPr>
+          <a:xfrm flipH="1" flipV="1">
+            <a:off x="3446879" y="3597442"/>
+            <a:ext cx="713157" cy="115208"/>
+          </a:xfrm>
+          <a:prstGeom prst="straightConnector1">
+            <a:avLst/>
+          </a:prstGeom>
+          <a:ln>
+            <a:solidFill>
+              <a:srgbClr val="00B050"/>
+            </a:solidFill>
+            <a:tailEnd type="triangle"/>
+          </a:ln>
+        </p:spPr>
+        <p:style>
+          <a:lnRef idx="1">
+            <a:schemeClr val="accent1"/>
+          </a:lnRef>
+          <a:fillRef idx="0">
+            <a:schemeClr val="accent1"/>
+          </a:fillRef>
+          <a:effectRef idx="0">
+            <a:schemeClr val="accent1"/>
+          </a:effectRef>
+          <a:fontRef idx="minor">
+            <a:schemeClr val="tx1"/>
+          </a:fontRef>
+        </p:style>
+      </p:cxnSp>
+      <p:pic>
+        <p:nvPicPr>
+          <p:cNvPr id="12" name="Picture 2" descr="RÃ©sultat de recherche d'images pour &quot;para-aminophÃ©nol&quot;">
+            <a:extLst>
+              <a:ext uri="{FF2B5EF4-FFF2-40B4-BE49-F238E27FC236}">
+                <a16:creationId xmlns:a16="http://schemas.microsoft.com/office/drawing/2014/main" id="{E46A052A-E441-4229-8D38-E411187526B4}"/>
+              </a:ext>
+            </a:extLst>
+          </p:cNvPr>
+          <p:cNvPicPr>
+            <a:picLocks noChangeAspect="1" noChangeArrowheads="1"/>
+          </p:cNvPicPr>
+          <p:nvPr/>
+        </p:nvPicPr>
+        <p:blipFill>
+          <a:blip r:embed="rId3">
+            <a:clrChange>
+              <a:clrFrom>
+                <a:srgbClr val="FFFFFF"/>
+              </a:clrFrom>
+              <a:clrTo>
+                <a:srgbClr val="FFFFFF">
+                  <a:alpha val="0"/>
+                </a:srgbClr>
+              </a:clrTo>
+            </a:clrChange>
+            <a:extLst>
+              <a:ext uri="{28A0092B-C50C-407E-A947-70E740481C1C}">
+                <a14:useLocalDpi xmlns:a14="http://schemas.microsoft.com/office/drawing/2010/main" val="0"/>
+              </a:ext>
+            </a:extLst>
+          </a:blip>
+          <a:srcRect/>
+          <a:stretch>
+            <a:fillRect/>
+          </a:stretch>
+        </p:blipFill>
+        <p:spPr bwMode="auto">
+          <a:xfrm>
+            <a:off x="186722" y="1266174"/>
+            <a:ext cx="2021223" cy="1064614"/>
+          </a:xfrm>
+          <a:prstGeom prst="rect">
+            <a:avLst/>
+          </a:prstGeom>
+          <a:noFill/>
+          <a:ln>
+            <a:noFill/>
+          </a:ln>
+          <a:extLst>
+            <a:ext uri="{909E8E84-426E-40DD-AFC4-6F175D3DCCD1}">
+              <a14:hiddenFill xmlns:a14="http://schemas.microsoft.com/office/drawing/2010/main">
+                <a:solidFill>
+                  <a:srgbClr val="FFFFFF"/>
+                </a:solidFill>
+              </a14:hiddenFill>
+            </a:ext>
+            <a:ext uri="{91240B29-F687-4F45-9708-019B960494DF}">
+              <a14:hiddenLine xmlns:a14="http://schemas.microsoft.com/office/drawing/2010/main" w="9525">
+                <a:solidFill>
+                  <a:srgbClr val="000000"/>
+                </a:solidFill>
+                <a:miter lim="800000"/>
+                <a:headEnd/>
+                <a:tailEnd/>
+              </a14:hiddenLine>
+            </a:ext>
+          </a:extLst>
+        </p:spPr>
+      </p:pic>
+      <p:sp>
+        <p:nvSpPr>
+          <p:cNvPr id="13" name="ZoneTexte 11">
+            <a:extLst>
+              <a:ext uri="{FF2B5EF4-FFF2-40B4-BE49-F238E27FC236}">
+                <a16:creationId xmlns:a16="http://schemas.microsoft.com/office/drawing/2014/main" id="{DE7E69E6-AEF8-4D84-AA03-414E23694E99}"/>
+              </a:ext>
+            </a:extLst>
+          </p:cNvPr>
+          <p:cNvSpPr txBox="1">
+            <a:spLocks noChangeArrowheads="1"/>
+          </p:cNvSpPr>
+          <p:nvPr/>
+        </p:nvSpPr>
+        <p:spPr bwMode="auto">
+          <a:xfrm>
+            <a:off x="-21701" y="2631999"/>
+            <a:ext cx="2993079" cy="738664"/>
+          </a:xfrm>
+          <a:prstGeom prst="rect">
+            <a:avLst/>
+          </a:prstGeom>
+          <a:noFill/>
+          <a:ln>
+            <a:noFill/>
+          </a:ln>
+          <a:extLst>
+            <a:ext uri="{909E8E84-426E-40DD-AFC4-6F175D3DCCD1}">
+              <a14:hiddenFill xmlns:a14="http://schemas.microsoft.com/office/drawing/2010/main">
+                <a:solidFill>
+                  <a:srgbClr val="FFFFFF"/>
+                </a:solidFill>
+              </a14:hiddenFill>
+            </a:ext>
+            <a:ext uri="{91240B29-F687-4F45-9708-019B960494DF}">
+              <a14:hiddenLine xmlns:a14="http://schemas.microsoft.com/office/drawing/2010/main" w="9525">
+                <a:solidFill>
+                  <a:srgbClr val="000000"/>
+                </a:solidFill>
+                <a:miter lim="800000"/>
+                <a:headEnd/>
+                <a:tailEnd/>
+              </a14:hiddenLine>
+            </a:ext>
+          </a:extLst>
+        </p:spPr>
+        <p:txBody>
+          <a:bodyPr wrap="square">
+            <a:spAutoFit/>
+          </a:bodyPr>
+          <a:lstStyle>
+            <a:lvl1pPr>
+              <a:defRPr>
+                <a:solidFill>
+                  <a:schemeClr val="tx1"/>
+                </a:solidFill>
+                <a:latin typeface="Calibri" panose="020F0502020204030204" pitchFamily="34" charset="0"/>
+              </a:defRPr>
+            </a:lvl1pPr>
+            <a:lvl2pPr marL="742950" indent="-285750">
+              <a:defRPr>
+                <a:solidFill>
+                  <a:schemeClr val="tx1"/>
+                </a:solidFill>
+                <a:latin typeface="Calibri" panose="020F0502020204030204" pitchFamily="34" charset="0"/>
+              </a:defRPr>
+            </a:lvl2pPr>
+            <a:lvl3pPr marL="1143000" indent="-228600">
+              <a:defRPr>
+                <a:solidFill>
+                  <a:schemeClr val="tx1"/>
+                </a:solidFill>
+                <a:latin typeface="Calibri" panose="020F0502020204030204" pitchFamily="34" charset="0"/>
+              </a:defRPr>
+            </a:lvl3pPr>
+            <a:lvl4pPr marL="1600200" indent="-228600">
+              <a:defRPr>
+                <a:solidFill>
+                  <a:schemeClr val="tx1"/>
+                </a:solidFill>
+                <a:latin typeface="Calibri" panose="020F0502020204030204" pitchFamily="34" charset="0"/>
+              </a:defRPr>
+            </a:lvl4pPr>
+            <a:lvl5pPr marL="2057400" indent="-228600">
+              <a:defRPr>
+                <a:solidFill>
+                  <a:schemeClr val="tx1"/>
+                </a:solidFill>
+                <a:latin typeface="Calibri" panose="020F0502020204030204" pitchFamily="34" charset="0"/>
+              </a:defRPr>
+            </a:lvl5pPr>
+            <a:lvl6pPr marL="2514600" indent="-228600" defTabSz="457200" eaLnBrk="0" fontAlgn="base" hangingPunct="0">
+              <a:spcBef>
+                <a:spcPct val="0"/>
+              </a:spcBef>
+              <a:spcAft>
+                <a:spcPct val="0"/>
+              </a:spcAft>
+              <a:defRPr>
+                <a:solidFill>
+                  <a:schemeClr val="tx1"/>
+                </a:solidFill>
+                <a:latin typeface="Calibri" panose="020F0502020204030204" pitchFamily="34" charset="0"/>
+              </a:defRPr>
+            </a:lvl6pPr>
+            <a:lvl7pPr marL="2971800" indent="-228600" defTabSz="457200" eaLnBrk="0" fontAlgn="base" hangingPunct="0">
+              <a:spcBef>
+                <a:spcPct val="0"/>
+              </a:spcBef>
+              <a:spcAft>
+                <a:spcPct val="0"/>
+              </a:spcAft>
+              <a:defRPr>
+                <a:solidFill>
+                  <a:schemeClr val="tx1"/>
+                </a:solidFill>
+                <a:latin typeface="Calibri" panose="020F0502020204030204" pitchFamily="34" charset="0"/>
+              </a:defRPr>
+            </a:lvl7pPr>
+            <a:lvl8pPr marL="3429000" indent="-228600" defTabSz="457200" eaLnBrk="0" fontAlgn="base" hangingPunct="0">
+              <a:spcBef>
+                <a:spcPct val="0"/>
+              </a:spcBef>
+              <a:spcAft>
+                <a:spcPct val="0"/>
+              </a:spcAft>
+              <a:defRPr>
+                <a:solidFill>
+                  <a:schemeClr val="tx1"/>
+                </a:solidFill>
+                <a:latin typeface="Calibri" panose="020F0502020204030204" pitchFamily="34" charset="0"/>
+              </a:defRPr>
+            </a:lvl8pPr>
+            <a:lvl9pPr marL="3886200" indent="-228600" defTabSz="457200" eaLnBrk="0" fontAlgn="base" hangingPunct="0">
+              <a:spcBef>
+                <a:spcPct val="0"/>
+              </a:spcBef>
+              <a:spcAft>
+                <a:spcPct val="0"/>
+              </a:spcAft>
+              <a:defRPr>
+                <a:solidFill>
+                  <a:schemeClr val="tx1"/>
+                </a:solidFill>
+                <a:latin typeface="Calibri" panose="020F0502020204030204" pitchFamily="34" charset="0"/>
+              </a:defRPr>
+            </a:lvl9pPr>
+          </a:lstStyle>
+          <a:p>
+            <a:r>
+              <a:rPr lang="fr-FR" altLang="fr-FR" sz="2400" dirty="0"/>
+              <a:t>Para-aminophénol</a:t>
+            </a:r>
+          </a:p>
+          <a:p>
+            <a:endParaRPr lang="fr-FR" altLang="fr-FR" dirty="0"/>
+          </a:p>
+        </p:txBody>
+      </p:sp>
+    </p:spTree>
+    <p:extLst>
+      <p:ext uri="{BB962C8B-B14F-4D97-AF65-F5344CB8AC3E}">
+        <p14:creationId xmlns:p14="http://schemas.microsoft.com/office/powerpoint/2010/main" val="1381653237"/>
+      </p:ext>
+    </p:extLst>
+  </p:cSld>
+  <p:clrMapOvr>
+    <a:masterClrMapping/>
+  </p:clrMapOvr>
+</p:sld>
+</file>
+
+<file path=ppt/slides/slide5.xml><?xml version="1.0" encoding="utf-8"?>
+<p:sld xmlns:a="http://schemas.openxmlformats.org/drawingml/2006/main" xmlns:r="http://schemas.openxmlformats.org/officeDocument/2006/relationships" xmlns:p="http://schemas.openxmlformats.org/presentationml/2006/main">
+  <p:cSld>
+    <p:spTree>
+      <p:nvGrpSpPr>
+        <p:cNvPr id="1" name=""/>
+        <p:cNvGrpSpPr/>
+        <p:nvPr/>
+      </p:nvGrpSpPr>
+      <p:grpSpPr>
+        <a:xfrm>
+          <a:off x="0" y="0"/>
+          <a:ext cx="0" cy="0"/>
+          <a:chOff x="0" y="0"/>
+          <a:chExt cx="0" cy="0"/>
+        </a:xfrm>
+      </p:grpSpPr>
+      <p:sp>
+        <p:nvSpPr>
+          <p:cNvPr id="2" name="Espace réservé du numéro de diapositive 1">
+            <a:extLst>
+              <a:ext uri="{FF2B5EF4-FFF2-40B4-BE49-F238E27FC236}">
+                <a16:creationId xmlns:a16="http://schemas.microsoft.com/office/drawing/2014/main" id="{3B2C76B4-057A-440E-8A3A-E9AF36E58497}"/>
+              </a:ext>
+            </a:extLst>
+          </p:cNvPr>
+          <p:cNvSpPr>
+            <a:spLocks noGrp="1"/>
+          </p:cNvSpPr>
+          <p:nvPr>
+            <p:ph type="sldNum" sz="quarter" idx="12"/>
+          </p:nvPr>
+        </p:nvSpPr>
+        <p:spPr/>
+        <p:txBody>
+          <a:bodyPr/>
+          <a:lstStyle/>
+          <a:p>
+            <a:fld id="{4FAB73BC-B049-4115-A692-8D63A059BFB8}" type="slidenum">
+              <a:rPr lang="en-US" smtClean="0"/>
+              <a:pPr/>
+              <a:t>5</a:t>
+            </a:fld>
+            <a:endParaRPr lang="en-US" dirty="0"/>
+          </a:p>
+        </p:txBody>
+      </p:sp>
+      <p:sp>
+        <p:nvSpPr>
+          <p:cNvPr id="3" name="Titre 2">
+            <a:extLst>
+              <a:ext uri="{FF2B5EF4-FFF2-40B4-BE49-F238E27FC236}">
+                <a16:creationId xmlns:a16="http://schemas.microsoft.com/office/drawing/2014/main" id="{F2B35316-2E97-4013-B6E6-467E86C2CAC6}"/>
+              </a:ext>
+            </a:extLst>
+          </p:cNvPr>
+          <p:cNvSpPr>
+            <a:spLocks noGrp="1"/>
+          </p:cNvSpPr>
+          <p:nvPr>
+            <p:ph type="title"/>
+          </p:nvPr>
+        </p:nvSpPr>
+        <p:spPr/>
+        <p:txBody>
+          <a:bodyPr/>
+          <a:lstStyle/>
+          <a:p>
+            <a:r>
+              <a:rPr lang="fr-FR" dirty="0"/>
+              <a:t>Spectre infrarouge</a:t>
+            </a:r>
+          </a:p>
+        </p:txBody>
+      </p:sp>
+      <p:pic>
+        <p:nvPicPr>
+          <p:cNvPr id="4" name="Image 14">
+            <a:extLst>
+              <a:ext uri="{FF2B5EF4-FFF2-40B4-BE49-F238E27FC236}">
+                <a16:creationId xmlns:a16="http://schemas.microsoft.com/office/drawing/2014/main" id="{6AE7877E-351A-4009-80C1-EE337A6C1F34}"/>
+              </a:ext>
+            </a:extLst>
+          </p:cNvPr>
+          <p:cNvPicPr>
+            <a:picLocks noChangeAspect="1" noChangeArrowheads="1"/>
+          </p:cNvPicPr>
+          <p:nvPr/>
+        </p:nvPicPr>
+        <p:blipFill>
+          <a:blip r:embed="rId2">
+            <a:extLst>
+              <a:ext uri="{28A0092B-C50C-407E-A947-70E740481C1C}">
+                <a14:useLocalDpi xmlns:a14="http://schemas.microsoft.com/office/drawing/2010/main" val="0"/>
+              </a:ext>
+            </a:extLst>
+          </a:blip>
+          <a:srcRect t="16225" b="21806"/>
+          <a:stretch>
+            <a:fillRect/>
+          </a:stretch>
+        </p:blipFill>
+        <p:spPr bwMode="auto">
+          <a:xfrm>
+            <a:off x="343567" y="753109"/>
+            <a:ext cx="8206761" cy="3934457"/>
+          </a:xfrm>
+          <a:prstGeom prst="rect">
+            <a:avLst/>
+          </a:prstGeom>
+          <a:noFill/>
+          <a:ln>
+            <a:noFill/>
+          </a:ln>
+          <a:extLst>
+            <a:ext uri="{909E8E84-426E-40DD-AFC4-6F175D3DCCD1}">
+              <a14:hiddenFill xmlns:a14="http://schemas.microsoft.com/office/drawing/2010/main">
+                <a:solidFill>
+                  <a:srgbClr val="FFFFFF"/>
+                </a:solidFill>
+              </a14:hiddenFill>
+            </a:ext>
+            <a:ext uri="{91240B29-F687-4F45-9708-019B960494DF}">
+              <a14:hiddenLine xmlns:a14="http://schemas.microsoft.com/office/drawing/2010/main" w="9525">
+                <a:solidFill>
+                  <a:srgbClr val="000000"/>
+                </a:solidFill>
+                <a:miter lim="800000"/>
+                <a:headEnd/>
+                <a:tailEnd/>
+              </a14:hiddenLine>
+            </a:ext>
+          </a:extLst>
+        </p:spPr>
+      </p:pic>
+      <p:sp>
+        <p:nvSpPr>
+          <p:cNvPr id="5" name="Rectangle 4">
+            <a:extLst>
+              <a:ext uri="{FF2B5EF4-FFF2-40B4-BE49-F238E27FC236}">
+                <a16:creationId xmlns:a16="http://schemas.microsoft.com/office/drawing/2014/main" id="{BA5C1BA6-135D-4873-9425-8A413D645DA5}"/>
+              </a:ext>
+            </a:extLst>
+          </p:cNvPr>
+          <p:cNvSpPr/>
+          <p:nvPr/>
+        </p:nvSpPr>
+        <p:spPr>
+          <a:xfrm>
+            <a:off x="5367192" y="807041"/>
+            <a:ext cx="3183135" cy="3679234"/>
+          </a:xfrm>
+          <a:prstGeom prst="rect">
+            <a:avLst/>
+          </a:prstGeom>
+          <a:solidFill>
+            <a:schemeClr val="bg2">
+              <a:lumMod val="75000"/>
+              <a:alpha val="30196"/>
+            </a:schemeClr>
+          </a:solidFill>
+          <a:ln w="28575">
+            <a:solidFill>
+              <a:schemeClr val="accent5">
+                <a:lumMod val="50000"/>
+              </a:schemeClr>
+            </a:solidFill>
+          </a:ln>
+        </p:spPr>
+        <p:style>
+          <a:lnRef idx="2">
+            <a:schemeClr val="accent1">
+              <a:shade val="50000"/>
+            </a:schemeClr>
+          </a:lnRef>
+          <a:fillRef idx="1">
+            <a:schemeClr val="accent1"/>
+          </a:fillRef>
+          <a:effectRef idx="0">
+            <a:schemeClr val="accent1"/>
+          </a:effectRef>
+          <a:fontRef idx="minor">
+            <a:schemeClr val="lt1"/>
+          </a:fontRef>
+        </p:style>
+        <p:txBody>
+          <a:bodyPr anchor="ctr"/>
+          <a:lstStyle/>
+          <a:p>
+            <a:pPr algn="ctr" eaLnBrk="1" fontAlgn="auto" hangingPunct="1">
+              <a:spcBef>
+                <a:spcPts val="0"/>
+              </a:spcBef>
+              <a:spcAft>
+                <a:spcPts val="0"/>
+              </a:spcAft>
+              <a:defRPr/>
+            </a:pPr>
+            <a:endParaRPr lang="fr-FR" dirty="0">
+              <a:solidFill>
+                <a:schemeClr val="accent5">
+                  <a:lumMod val="50000"/>
+                </a:schemeClr>
+              </a:solidFill>
+            </a:endParaRPr>
+          </a:p>
+          <a:p>
+            <a:pPr algn="ctr" eaLnBrk="1" fontAlgn="auto" hangingPunct="1">
+              <a:spcBef>
+                <a:spcPts val="0"/>
+              </a:spcBef>
+              <a:spcAft>
+                <a:spcPts val="0"/>
+              </a:spcAft>
+              <a:defRPr/>
+            </a:pPr>
+            <a:endParaRPr lang="fr-FR" dirty="0">
+              <a:solidFill>
+                <a:schemeClr val="accent5">
+                  <a:lumMod val="50000"/>
+                </a:schemeClr>
+              </a:solidFill>
+            </a:endParaRPr>
+          </a:p>
+          <a:p>
+            <a:pPr algn="ctr" eaLnBrk="1" fontAlgn="auto" hangingPunct="1">
+              <a:spcBef>
+                <a:spcPts val="0"/>
+              </a:spcBef>
+              <a:spcAft>
+                <a:spcPts val="0"/>
+              </a:spcAft>
+              <a:defRPr/>
+            </a:pPr>
+            <a:endParaRPr lang="fr-FR" dirty="0">
+              <a:solidFill>
+                <a:schemeClr val="accent5">
+                  <a:lumMod val="50000"/>
+                </a:schemeClr>
+              </a:solidFill>
+            </a:endParaRPr>
+          </a:p>
+          <a:p>
+            <a:pPr algn="ctr" eaLnBrk="1" fontAlgn="auto" hangingPunct="1">
+              <a:spcBef>
+                <a:spcPts val="0"/>
+              </a:spcBef>
+              <a:spcAft>
+                <a:spcPts val="0"/>
+              </a:spcAft>
+              <a:defRPr/>
+            </a:pPr>
+            <a:endParaRPr lang="fr-FR" dirty="0">
+              <a:solidFill>
+                <a:schemeClr val="accent5">
+                  <a:lumMod val="50000"/>
+                </a:schemeClr>
+              </a:solidFill>
+            </a:endParaRPr>
+          </a:p>
+          <a:p>
+            <a:pPr algn="ctr" eaLnBrk="1" fontAlgn="auto" hangingPunct="1">
+              <a:spcBef>
+                <a:spcPts val="0"/>
+              </a:spcBef>
+              <a:spcAft>
+                <a:spcPts val="0"/>
+              </a:spcAft>
+              <a:defRPr/>
+            </a:pPr>
+            <a:endParaRPr lang="fr-FR" dirty="0">
+              <a:solidFill>
+                <a:schemeClr val="accent5">
+                  <a:lumMod val="50000"/>
+                </a:schemeClr>
+              </a:solidFill>
+            </a:endParaRPr>
+          </a:p>
+          <a:p>
+            <a:pPr algn="ctr" eaLnBrk="1" fontAlgn="auto" hangingPunct="1">
+              <a:spcBef>
+                <a:spcPts val="0"/>
+              </a:spcBef>
+              <a:spcAft>
+                <a:spcPts val="0"/>
+              </a:spcAft>
+              <a:defRPr/>
+            </a:pPr>
+            <a:endParaRPr lang="fr-FR" dirty="0">
+              <a:solidFill>
+                <a:schemeClr val="accent5">
+                  <a:lumMod val="50000"/>
+                </a:schemeClr>
+              </a:solidFill>
+            </a:endParaRPr>
+          </a:p>
+          <a:p>
+            <a:pPr algn="ctr" eaLnBrk="1" fontAlgn="auto" hangingPunct="1">
+              <a:spcBef>
+                <a:spcPts val="0"/>
+              </a:spcBef>
+              <a:spcAft>
+                <a:spcPts val="0"/>
+              </a:spcAft>
+              <a:defRPr/>
+            </a:pPr>
+            <a:endParaRPr lang="fr-FR" dirty="0">
+              <a:solidFill>
+                <a:schemeClr val="accent5">
+                  <a:lumMod val="50000"/>
+                </a:schemeClr>
+              </a:solidFill>
+            </a:endParaRPr>
+          </a:p>
+          <a:p>
+            <a:pPr algn="ctr" eaLnBrk="1" fontAlgn="auto" hangingPunct="1">
+              <a:spcBef>
+                <a:spcPts val="0"/>
+              </a:spcBef>
+              <a:spcAft>
+                <a:spcPts val="0"/>
+              </a:spcAft>
+              <a:defRPr/>
+            </a:pPr>
+            <a:r>
+              <a:rPr lang="fr-FR" sz="2000" b="1" dirty="0">
+                <a:solidFill>
+                  <a:schemeClr val="accent5">
+                    <a:lumMod val="50000"/>
+                  </a:schemeClr>
+                </a:solidFill>
+              </a:rPr>
+              <a:t>Empreinte digitale</a:t>
+            </a:r>
+          </a:p>
+        </p:txBody>
+      </p:sp>
+      <p:sp>
+        <p:nvSpPr>
+          <p:cNvPr id="6" name="Rectangle 5">
+            <a:extLst>
+              <a:ext uri="{FF2B5EF4-FFF2-40B4-BE49-F238E27FC236}">
+                <a16:creationId xmlns:a16="http://schemas.microsoft.com/office/drawing/2014/main" id="{E1EA19F9-C2E0-4F13-91F8-0989101734C9}"/>
+              </a:ext>
+            </a:extLst>
+          </p:cNvPr>
+          <p:cNvSpPr/>
+          <p:nvPr/>
+        </p:nvSpPr>
+        <p:spPr>
+          <a:xfrm>
+            <a:off x="727291" y="807040"/>
+            <a:ext cx="4639902" cy="3679235"/>
+          </a:xfrm>
+          <a:prstGeom prst="rect">
+            <a:avLst/>
+          </a:prstGeom>
+          <a:noFill/>
+          <a:ln w="28575">
+            <a:solidFill>
+              <a:srgbClr val="C00000"/>
+            </a:solidFill>
+          </a:ln>
+        </p:spPr>
+        <p:style>
+          <a:lnRef idx="2">
+            <a:schemeClr val="accent1">
+              <a:shade val="50000"/>
+            </a:schemeClr>
+          </a:lnRef>
+          <a:fillRef idx="1">
+            <a:schemeClr val="accent1"/>
+          </a:fillRef>
+          <a:effectRef idx="0">
+            <a:schemeClr val="accent1"/>
+          </a:effectRef>
+          <a:fontRef idx="minor">
+            <a:schemeClr val="lt1"/>
+          </a:fontRef>
+        </p:style>
+        <p:txBody>
+          <a:bodyPr anchor="ctr"/>
+          <a:lstStyle/>
+          <a:p>
+            <a:pPr algn="ctr" eaLnBrk="1" fontAlgn="auto" hangingPunct="1">
+              <a:spcBef>
+                <a:spcPts val="0"/>
+              </a:spcBef>
+              <a:spcAft>
+                <a:spcPts val="0"/>
+              </a:spcAft>
+              <a:defRPr/>
+            </a:pPr>
+            <a:endParaRPr lang="fr-FR" dirty="0"/>
+          </a:p>
+          <a:p>
+            <a:pPr algn="ctr" eaLnBrk="1" fontAlgn="auto" hangingPunct="1">
+              <a:spcBef>
+                <a:spcPts val="0"/>
+              </a:spcBef>
+              <a:spcAft>
+                <a:spcPts val="0"/>
+              </a:spcAft>
+              <a:defRPr/>
+            </a:pPr>
+            <a:endParaRPr lang="fr-FR" dirty="0"/>
+          </a:p>
+          <a:p>
+            <a:pPr algn="ctr" eaLnBrk="1" fontAlgn="auto" hangingPunct="1">
+              <a:spcBef>
+                <a:spcPts val="0"/>
+              </a:spcBef>
+              <a:spcAft>
+                <a:spcPts val="0"/>
+              </a:spcAft>
+              <a:defRPr/>
+            </a:pPr>
+            <a:endParaRPr lang="fr-FR" dirty="0"/>
+          </a:p>
+          <a:p>
+            <a:pPr algn="ctr" eaLnBrk="1" fontAlgn="auto" hangingPunct="1">
+              <a:spcBef>
+                <a:spcPts val="0"/>
+              </a:spcBef>
+              <a:spcAft>
+                <a:spcPts val="0"/>
+              </a:spcAft>
+              <a:defRPr/>
+            </a:pPr>
+            <a:endParaRPr lang="fr-FR" dirty="0"/>
+          </a:p>
+          <a:p>
+            <a:pPr algn="ctr" eaLnBrk="1" fontAlgn="auto" hangingPunct="1">
+              <a:spcBef>
+                <a:spcPts val="0"/>
+              </a:spcBef>
+              <a:spcAft>
+                <a:spcPts val="0"/>
+              </a:spcAft>
+              <a:defRPr/>
+            </a:pPr>
+            <a:endParaRPr lang="fr-FR" dirty="0"/>
+          </a:p>
+          <a:p>
+            <a:pPr algn="ctr" eaLnBrk="1" fontAlgn="auto" hangingPunct="1">
+              <a:spcBef>
+                <a:spcPts val="0"/>
+              </a:spcBef>
+              <a:spcAft>
+                <a:spcPts val="0"/>
+              </a:spcAft>
+              <a:defRPr/>
+            </a:pPr>
+            <a:endParaRPr lang="fr-FR" dirty="0"/>
+          </a:p>
+          <a:p>
+            <a:pPr algn="ctr" eaLnBrk="1" fontAlgn="auto" hangingPunct="1">
+              <a:spcBef>
+                <a:spcPts val="0"/>
+              </a:spcBef>
+              <a:spcAft>
+                <a:spcPts val="0"/>
+              </a:spcAft>
+              <a:defRPr/>
+            </a:pPr>
+            <a:endParaRPr lang="fr-FR" dirty="0"/>
+          </a:p>
+          <a:p>
+            <a:pPr algn="ctr" eaLnBrk="1" fontAlgn="auto" hangingPunct="1">
+              <a:spcBef>
+                <a:spcPts val="0"/>
+              </a:spcBef>
+              <a:spcAft>
+                <a:spcPts val="0"/>
+              </a:spcAft>
+              <a:defRPr/>
+            </a:pPr>
+            <a:r>
+              <a:rPr lang="fr-FR" sz="2000" b="1" dirty="0">
+                <a:solidFill>
+                  <a:srgbClr val="C00000"/>
+                </a:solidFill>
+              </a:rPr>
+              <a:t>Bandes caractéristiques</a:t>
+            </a:r>
+          </a:p>
+        </p:txBody>
+      </p:sp>
+      <p:pic>
+        <p:nvPicPr>
+          <p:cNvPr id="7" name="Picture 4" descr="RÃ©sultat de recherche d'images pour &quot;paracÃ©tamol&quot;">
+            <a:extLst>
+              <a:ext uri="{FF2B5EF4-FFF2-40B4-BE49-F238E27FC236}">
+                <a16:creationId xmlns:a16="http://schemas.microsoft.com/office/drawing/2014/main" id="{469FDCED-2995-4BA0-B073-9A953E9D00D1}"/>
+              </a:ext>
+            </a:extLst>
+          </p:cNvPr>
+          <p:cNvPicPr>
+            <a:picLocks noChangeAspect="1" noChangeArrowheads="1"/>
+          </p:cNvPicPr>
+          <p:nvPr/>
+        </p:nvPicPr>
+        <p:blipFill>
+          <a:blip r:embed="rId3">
+            <a:extLst>
+              <a:ext uri="{28A0092B-C50C-407E-A947-70E740481C1C}">
+                <a14:useLocalDpi xmlns:a14="http://schemas.microsoft.com/office/drawing/2010/main" val="0"/>
+              </a:ext>
+            </a:extLst>
+          </a:blip>
+          <a:srcRect/>
+          <a:stretch>
+            <a:fillRect/>
+          </a:stretch>
+        </p:blipFill>
+        <p:spPr bwMode="auto">
+          <a:xfrm>
+            <a:off x="6376251" y="24825"/>
+            <a:ext cx="1356044" cy="728284"/>
+          </a:xfrm>
+          <a:prstGeom prst="rect">
+            <a:avLst/>
+          </a:prstGeom>
+          <a:noFill/>
+          <a:ln>
+            <a:noFill/>
+          </a:ln>
+          <a:extLst>
+            <a:ext uri="{909E8E84-426E-40DD-AFC4-6F175D3DCCD1}">
+              <a14:hiddenFill xmlns:a14="http://schemas.microsoft.com/office/drawing/2010/main">
+                <a:solidFill>
+                  <a:srgbClr val="FFFFFF"/>
+                </a:solidFill>
+              </a14:hiddenFill>
+            </a:ext>
+            <a:ext uri="{91240B29-F687-4F45-9708-019B960494DF}">
+              <a14:hiddenLine xmlns:a14="http://schemas.microsoft.com/office/drawing/2010/main" w="9525">
+                <a:solidFill>
+                  <a:srgbClr val="000000"/>
+                </a:solidFill>
+                <a:miter lim="800000"/>
+                <a:headEnd/>
+                <a:tailEnd/>
+              </a14:hiddenLine>
+            </a:ext>
+          </a:extLst>
+        </p:spPr>
+      </p:pic>
+    </p:spTree>
+    <p:extLst>
+      <p:ext uri="{BB962C8B-B14F-4D97-AF65-F5344CB8AC3E}">
+        <p14:creationId xmlns:p14="http://schemas.microsoft.com/office/powerpoint/2010/main" val="3923990813"/>
+      </p:ext>
+    </p:extLst>
+  </p:cSld>
+  <p:clrMapOvr>
+    <a:masterClrMapping/>
+  </p:clrMapOvr>
+</p:sld>
+</file>
+
+<file path=ppt/slides/slide6.xml><?xml version="1.0" encoding="utf-8"?>
+<p:sld xmlns:a="http://schemas.openxmlformats.org/drawingml/2006/main" xmlns:r="http://schemas.openxmlformats.org/officeDocument/2006/relationships" xmlns:p="http://schemas.openxmlformats.org/presentationml/2006/main">
+  <p:cSld>
+    <p:spTree>
+      <p:nvGrpSpPr>
+        <p:cNvPr id="1" name=""/>
+        <p:cNvGrpSpPr/>
+        <p:nvPr/>
+      </p:nvGrpSpPr>
+      <p:grpSpPr>
+        <a:xfrm>
+          <a:off x="0" y="0"/>
+          <a:ext cx="0" cy="0"/>
+          <a:chOff x="0" y="0"/>
+          <a:chExt cx="0" cy="0"/>
+        </a:xfrm>
+      </p:grpSpPr>
+      <p:sp>
+        <p:nvSpPr>
+          <p:cNvPr id="2" name="Espace réservé du numéro de diapositive 1">
+            <a:extLst>
+              <a:ext uri="{FF2B5EF4-FFF2-40B4-BE49-F238E27FC236}">
+                <a16:creationId xmlns:a16="http://schemas.microsoft.com/office/drawing/2014/main" id="{7CEF2383-1A3B-4697-9B8F-FC0A61ADDBDE}"/>
+              </a:ext>
+            </a:extLst>
+          </p:cNvPr>
+          <p:cNvSpPr>
+            <a:spLocks noGrp="1"/>
+          </p:cNvSpPr>
+          <p:nvPr>
+            <p:ph type="sldNum" sz="quarter" idx="12"/>
+          </p:nvPr>
+        </p:nvSpPr>
+        <p:spPr/>
+        <p:txBody>
+          <a:bodyPr/>
+          <a:lstStyle/>
+          <a:p>
+            <a:fld id="{4FAB73BC-B049-4115-A692-8D63A059BFB8}" type="slidenum">
+              <a:rPr lang="en-US" smtClean="0"/>
+              <a:pPr/>
+              <a:t>6</a:t>
+            </a:fld>
+            <a:endParaRPr lang="en-US" dirty="0"/>
+          </a:p>
+        </p:txBody>
+      </p:sp>
+      <p:sp>
+        <p:nvSpPr>
+          <p:cNvPr id="3" name="Titre 2">
+            <a:extLst>
+              <a:ext uri="{FF2B5EF4-FFF2-40B4-BE49-F238E27FC236}">
+                <a16:creationId xmlns:a16="http://schemas.microsoft.com/office/drawing/2014/main" id="{7B3C812B-81DA-4765-B2B4-D5FA6909A01A}"/>
+              </a:ext>
+            </a:extLst>
+          </p:cNvPr>
+          <p:cNvSpPr>
+            <a:spLocks noGrp="1"/>
+          </p:cNvSpPr>
+          <p:nvPr>
+            <p:ph type="title"/>
+          </p:nvPr>
+        </p:nvSpPr>
+        <p:spPr/>
+        <p:txBody>
+          <a:bodyPr/>
+          <a:lstStyle/>
+          <a:p>
+            <a:r>
+              <a:rPr lang="fr-FR" dirty="0"/>
+              <a:t>Spectre infrarouge </a:t>
+            </a:r>
+          </a:p>
+        </p:txBody>
+      </p:sp>
+      <p:pic>
+        <p:nvPicPr>
+          <p:cNvPr id="4" name="Image 3">
+            <a:extLst>
+              <a:ext uri="{FF2B5EF4-FFF2-40B4-BE49-F238E27FC236}">
+                <a16:creationId xmlns:a16="http://schemas.microsoft.com/office/drawing/2014/main" id="{A0260340-F54E-44A4-8DD2-EBB0C244BD88}"/>
+              </a:ext>
+            </a:extLst>
+          </p:cNvPr>
+          <p:cNvPicPr>
+            <a:picLocks noChangeAspect="1"/>
+          </p:cNvPicPr>
+          <p:nvPr/>
+        </p:nvPicPr>
+        <p:blipFill>
+          <a:blip r:embed="rId2"/>
+          <a:stretch>
+            <a:fillRect/>
+          </a:stretch>
+        </p:blipFill>
+        <p:spPr>
+          <a:xfrm>
+            <a:off x="158865" y="769938"/>
+            <a:ext cx="8576166" cy="3973801"/>
+          </a:xfrm>
+          <a:prstGeom prst="rect">
+            <a:avLst/>
+          </a:prstGeom>
+        </p:spPr>
+      </p:pic>
+      <p:pic>
+        <p:nvPicPr>
+          <p:cNvPr id="5" name="Picture 4" descr="RÃ©sultat de recherche d'images pour &quot;paracÃ©tamol&quot;">
+            <a:extLst>
+              <a:ext uri="{FF2B5EF4-FFF2-40B4-BE49-F238E27FC236}">
+                <a16:creationId xmlns:a16="http://schemas.microsoft.com/office/drawing/2014/main" id="{F0ED04DD-D3FA-4521-BF95-6A86049F699C}"/>
+              </a:ext>
+            </a:extLst>
+          </p:cNvPr>
+          <p:cNvPicPr>
+            <a:picLocks noChangeAspect="1" noChangeArrowheads="1"/>
+          </p:cNvPicPr>
+          <p:nvPr/>
+        </p:nvPicPr>
+        <p:blipFill>
+          <a:blip r:embed="rId3">
+            <a:extLst>
+              <a:ext uri="{28A0092B-C50C-407E-A947-70E740481C1C}">
+                <a14:useLocalDpi xmlns:a14="http://schemas.microsoft.com/office/drawing/2010/main" val="0"/>
+              </a:ext>
+            </a:extLst>
+          </a:blip>
+          <a:srcRect/>
+          <a:stretch>
+            <a:fillRect/>
+          </a:stretch>
+        </p:blipFill>
+        <p:spPr bwMode="auto">
+          <a:xfrm>
+            <a:off x="6376251" y="24825"/>
+            <a:ext cx="1356044" cy="728284"/>
+          </a:xfrm>
+          <a:prstGeom prst="rect">
+            <a:avLst/>
+          </a:prstGeom>
+          <a:noFill/>
+          <a:ln>
+            <a:noFill/>
+          </a:ln>
+          <a:extLst>
+            <a:ext uri="{909E8E84-426E-40DD-AFC4-6F175D3DCCD1}">
+              <a14:hiddenFill xmlns:a14="http://schemas.microsoft.com/office/drawing/2010/main">
+                <a:solidFill>
+                  <a:srgbClr val="FFFFFF"/>
+                </a:solidFill>
+              </a14:hiddenFill>
+            </a:ext>
+            <a:ext uri="{91240B29-F687-4F45-9708-019B960494DF}">
+              <a14:hiddenLine xmlns:a14="http://schemas.microsoft.com/office/drawing/2010/main" w="9525">
+                <a:solidFill>
+                  <a:srgbClr val="000000"/>
+                </a:solidFill>
+                <a:miter lim="800000"/>
+                <a:headEnd/>
+                <a:tailEnd/>
+              </a14:hiddenLine>
+            </a:ext>
+          </a:extLst>
+        </p:spPr>
+      </p:pic>
+    </p:spTree>
+    <p:extLst>
+      <p:ext uri="{BB962C8B-B14F-4D97-AF65-F5344CB8AC3E}">
+        <p14:creationId xmlns:p14="http://schemas.microsoft.com/office/powerpoint/2010/main" val="4027763269"/>
+      </p:ext>
+    </p:extLst>
+  </p:cSld>
+  <p:clrMapOvr>
+    <a:masterClrMapping/>
+  </p:clrMapOvr>
+</p:sld>
+</file>
+
+<file path=ppt/slides/slide7.xml><?xml version="1.0" encoding="utf-8"?>
+<p:sld xmlns:a="http://schemas.openxmlformats.org/drawingml/2006/main" xmlns:r="http://schemas.openxmlformats.org/officeDocument/2006/relationships" xmlns:p="http://schemas.openxmlformats.org/presentationml/2006/main">
+  <p:cSld>
+    <p:spTree>
+      <p:nvGrpSpPr>
+        <p:cNvPr id="1" name=""/>
+        <p:cNvGrpSpPr/>
+        <p:nvPr/>
+      </p:nvGrpSpPr>
+      <p:grpSpPr>
+        <a:xfrm>
+          <a:off x="0" y="0"/>
+          <a:ext cx="0" cy="0"/>
+          <a:chOff x="0" y="0"/>
+          <a:chExt cx="0" cy="0"/>
+        </a:xfrm>
+      </p:grpSpPr>
+      <p:sp>
+        <p:nvSpPr>
+          <p:cNvPr id="2" name="Espace réservé du numéro de diapositive 1">
+            <a:extLst>
+              <a:ext uri="{FF2B5EF4-FFF2-40B4-BE49-F238E27FC236}">
+                <a16:creationId xmlns:a16="http://schemas.microsoft.com/office/drawing/2014/main" id="{DE5C0867-FABC-4ACD-BCE1-A4057FA810A5}"/>
+              </a:ext>
+            </a:extLst>
+          </p:cNvPr>
+          <p:cNvSpPr>
+            <a:spLocks noGrp="1"/>
+          </p:cNvSpPr>
+          <p:nvPr>
+            <p:ph type="sldNum" sz="quarter" idx="12"/>
+          </p:nvPr>
+        </p:nvSpPr>
+        <p:spPr/>
+        <p:txBody>
+          <a:bodyPr/>
+          <a:lstStyle/>
+          <a:p>
+            <a:fld id="{4FAB73BC-B049-4115-A692-8D63A059BFB8}" type="slidenum">
+              <a:rPr lang="en-US" smtClean="0"/>
+              <a:pPr/>
+              <a:t>7</a:t>
+            </a:fld>
+            <a:endParaRPr lang="en-US" dirty="0"/>
+          </a:p>
+        </p:txBody>
+      </p:sp>
+      <p:sp>
+        <p:nvSpPr>
+          <p:cNvPr id="3" name="Titre 2">
+            <a:extLst>
+              <a:ext uri="{FF2B5EF4-FFF2-40B4-BE49-F238E27FC236}">
+                <a16:creationId xmlns:a16="http://schemas.microsoft.com/office/drawing/2014/main" id="{6BBC4DBC-E292-41F5-B43B-7D56F6B3039E}"/>
+              </a:ext>
+            </a:extLst>
+          </p:cNvPr>
+          <p:cNvSpPr>
+            <a:spLocks noGrp="1"/>
+          </p:cNvSpPr>
+          <p:nvPr>
+            <p:ph type="title"/>
+          </p:nvPr>
+        </p:nvSpPr>
+        <p:spPr/>
+        <p:txBody>
+          <a:bodyPr/>
+          <a:lstStyle/>
+          <a:p>
+            <a:r>
+              <a:rPr lang="fr-FR" dirty="0"/>
+              <a:t>Sites donneurs et accepteurs</a:t>
+            </a:r>
+          </a:p>
+        </p:txBody>
+      </p:sp>
+      <p:sp>
+        <p:nvSpPr>
+          <p:cNvPr id="4" name="ZoneTexte 3">
+            <a:extLst>
+              <a:ext uri="{FF2B5EF4-FFF2-40B4-BE49-F238E27FC236}">
+                <a16:creationId xmlns:a16="http://schemas.microsoft.com/office/drawing/2014/main" id="{A9376C26-C24E-4A72-9FBA-D1574E311670}"/>
+              </a:ext>
+            </a:extLst>
+          </p:cNvPr>
+          <p:cNvSpPr txBox="1"/>
+          <p:nvPr/>
+        </p:nvSpPr>
+        <p:spPr>
+          <a:xfrm>
+            <a:off x="373553" y="1034827"/>
+            <a:ext cx="7543800" cy="3600986"/>
+          </a:xfrm>
+          <a:prstGeom prst="rect">
+            <a:avLst/>
+          </a:prstGeom>
+          <a:noFill/>
+        </p:spPr>
+        <p:txBody>
+          <a:bodyPr wrap="square" rtlCol="0">
+            <a:spAutoFit/>
+          </a:bodyPr>
+          <a:lstStyle/>
+          <a:p>
+            <a:r>
+              <a:rPr lang="fr-FR" sz="2400" b="1" dirty="0"/>
+              <a:t>Site donneur de doublet d’électrons </a:t>
+            </a:r>
+            <a:r>
+              <a:rPr lang="fr-FR" sz="2400" dirty="0"/>
+              <a:t>(nucléophile) </a:t>
+            </a:r>
+            <a:r>
+              <a:rPr lang="fr-FR" sz="2400" b="1" dirty="0"/>
+              <a:t>: </a:t>
+            </a:r>
+          </a:p>
+          <a:p>
+            <a:pPr marL="342900" indent="-342900">
+              <a:buFont typeface="Wingdings" panose="05000000000000000000" pitchFamily="2" charset="2"/>
+              <a:buChar char="v"/>
+            </a:pPr>
+            <a:r>
+              <a:rPr lang="fr-FR" sz="2400" dirty="0">
+                <a:solidFill>
+                  <a:srgbClr val="00B050"/>
+                </a:solidFill>
+                <a:latin typeface="+mj-lt"/>
+              </a:rPr>
+              <a:t> </a:t>
+            </a:r>
+            <a:r>
+              <a:rPr lang="fr-FR" altLang="fr-FR" sz="2400" dirty="0"/>
+              <a:t>Atome porteur de doublet non liant</a:t>
+            </a:r>
+            <a:endParaRPr lang="fr-FR" altLang="fr-FR" sz="2400" dirty="0">
+              <a:solidFill>
+                <a:srgbClr val="00B050"/>
+              </a:solidFill>
+            </a:endParaRPr>
+          </a:p>
+          <a:p>
+            <a:pPr marL="342900" indent="-342900">
+              <a:buFont typeface="Wingdings" panose="05000000000000000000" pitchFamily="2" charset="2"/>
+              <a:buChar char="v"/>
+            </a:pPr>
+            <a:r>
+              <a:rPr lang="fr-FR" altLang="fr-FR" sz="2400" dirty="0">
+                <a:solidFill>
+                  <a:srgbClr val="00B050"/>
+                </a:solidFill>
+              </a:rPr>
+              <a:t> </a:t>
+            </a:r>
+            <a:r>
+              <a:rPr lang="fr-FR" altLang="fr-FR" sz="2400" dirty="0"/>
+              <a:t>Atome</a:t>
+            </a:r>
+            <a:r>
+              <a:rPr lang="fr-FR" altLang="fr-FR" sz="2400" dirty="0">
+                <a:solidFill>
+                  <a:srgbClr val="00B050"/>
+                </a:solidFill>
+              </a:rPr>
+              <a:t> </a:t>
+            </a:r>
+            <a:r>
+              <a:rPr lang="fr-FR" altLang="fr-FR" sz="2400" dirty="0"/>
+              <a:t>porteur d’une charge négative (potentiellement partielle)</a:t>
+            </a:r>
+          </a:p>
+          <a:p>
+            <a:pPr marL="342900" indent="-342900">
+              <a:buFont typeface="Wingdings" panose="05000000000000000000" pitchFamily="2" charset="2"/>
+              <a:buChar char="v"/>
+            </a:pPr>
+            <a:r>
+              <a:rPr lang="fr-FR" sz="2400" dirty="0">
+                <a:solidFill>
+                  <a:srgbClr val="00B050"/>
+                </a:solidFill>
+                <a:latin typeface="+mj-lt"/>
+              </a:rPr>
+              <a:t> </a:t>
+            </a:r>
+            <a:r>
+              <a:rPr lang="fr-FR" sz="2400" dirty="0"/>
+              <a:t>Liaison multiple </a:t>
+            </a:r>
+          </a:p>
+          <a:p>
+            <a:endParaRPr lang="fr-FR" sz="1200" dirty="0"/>
+          </a:p>
+          <a:p>
+            <a:r>
+              <a:rPr lang="fr-FR" sz="2400" b="1" dirty="0"/>
+              <a:t>Site accepteur de doublet d’électrons </a:t>
+            </a:r>
+            <a:r>
+              <a:rPr lang="fr-FR" sz="2400" dirty="0"/>
+              <a:t>(électrophile) : </a:t>
+            </a:r>
+          </a:p>
+          <a:p>
+            <a:pPr marL="342900" indent="-342900">
+              <a:buFont typeface="Wingdings" panose="05000000000000000000" pitchFamily="2" charset="2"/>
+              <a:buChar char="v"/>
+            </a:pPr>
+            <a:r>
+              <a:rPr lang="fr-FR" sz="2400" dirty="0">
+                <a:solidFill>
+                  <a:srgbClr val="00B050"/>
+                </a:solidFill>
+              </a:rPr>
+              <a:t> </a:t>
+            </a:r>
+            <a:r>
+              <a:rPr lang="fr-FR" altLang="fr-FR" sz="2400" dirty="0"/>
+              <a:t>Atome porteur d’une charge positive (potentiellement partielle)</a:t>
+            </a:r>
+            <a:endParaRPr lang="fr-FR" sz="2400" dirty="0">
+              <a:solidFill>
+                <a:srgbClr val="00B050"/>
+              </a:solidFill>
+            </a:endParaRPr>
+          </a:p>
+          <a:p>
+            <a:endParaRPr lang="fr-FR" sz="2400" dirty="0"/>
+          </a:p>
+        </p:txBody>
+      </p:sp>
+    </p:spTree>
+    <p:extLst>
+      <p:ext uri="{BB962C8B-B14F-4D97-AF65-F5344CB8AC3E}">
+        <p14:creationId xmlns:p14="http://schemas.microsoft.com/office/powerpoint/2010/main" val="1280866916"/>
+      </p:ext>
+    </p:extLst>
+  </p:cSld>
+  <p:clrMapOvr>
+    <a:masterClrMapping/>
+  </p:clrMapOvr>
+</p:sld>
+</file>
+
+<file path=ppt/slides/slide8.xml><?xml version="1.0" encoding="utf-8"?>
+<p:sld xmlns:a="http://schemas.openxmlformats.org/drawingml/2006/main" xmlns:r="http://schemas.openxmlformats.org/officeDocument/2006/relationships" xmlns:p="http://schemas.openxmlformats.org/presentationml/2006/main">
+  <p:cSld>
+    <p:spTree>
+      <p:nvGrpSpPr>
+        <p:cNvPr id="1" name=""/>
+        <p:cNvGrpSpPr/>
+        <p:nvPr/>
+      </p:nvGrpSpPr>
+      <p:grpSpPr>
+        <a:xfrm>
+          <a:off x="0" y="0"/>
+          <a:ext cx="0" cy="0"/>
+          <a:chOff x="0" y="0"/>
+          <a:chExt cx="0" cy="0"/>
+        </a:xfrm>
+      </p:grpSpPr>
+      <p:sp>
+        <p:nvSpPr>
+          <p:cNvPr id="2" name="Espace réservé du numéro de diapositive 1">
+            <a:extLst>
+              <a:ext uri="{FF2B5EF4-FFF2-40B4-BE49-F238E27FC236}">
+                <a16:creationId xmlns:a16="http://schemas.microsoft.com/office/drawing/2014/main" id="{F7601492-E9FB-4BD3-B462-7BCCBF0707E8}"/>
+              </a:ext>
+            </a:extLst>
+          </p:cNvPr>
+          <p:cNvSpPr>
+            <a:spLocks noGrp="1"/>
+          </p:cNvSpPr>
+          <p:nvPr>
+            <p:ph type="sldNum" sz="quarter" idx="12"/>
+          </p:nvPr>
+        </p:nvSpPr>
+        <p:spPr/>
+        <p:txBody>
+          <a:bodyPr/>
+          <a:lstStyle/>
+          <a:p>
+            <a:fld id="{4FAB73BC-B049-4115-A692-8D63A059BFB8}" type="slidenum">
+              <a:rPr lang="en-US" smtClean="0"/>
+              <a:pPr/>
+              <a:t>8</a:t>
+            </a:fld>
+            <a:endParaRPr lang="en-US" dirty="0"/>
+          </a:p>
+        </p:txBody>
+      </p:sp>
+      <p:sp>
+        <p:nvSpPr>
+          <p:cNvPr id="3" name="Titre 2">
+            <a:extLst>
+              <a:ext uri="{FF2B5EF4-FFF2-40B4-BE49-F238E27FC236}">
+                <a16:creationId xmlns:a16="http://schemas.microsoft.com/office/drawing/2014/main" id="{AF7BF399-0448-47C6-8931-6EE497A31804}"/>
+              </a:ext>
+            </a:extLst>
+          </p:cNvPr>
+          <p:cNvSpPr>
+            <a:spLocks noGrp="1"/>
+          </p:cNvSpPr>
+          <p:nvPr>
+            <p:ph type="title"/>
+          </p:nvPr>
+        </p:nvSpPr>
+        <p:spPr/>
+        <p:txBody>
+          <a:bodyPr/>
+          <a:lstStyle/>
+          <a:p>
+            <a:r>
+              <a:rPr lang="fr-FR" dirty="0"/>
+              <a:t>Cristal ionique : </a:t>
+            </a:r>
+            <a:r>
+              <a:rPr lang="fr-FR" dirty="0" err="1"/>
+              <a:t>NaCl</a:t>
+            </a:r>
+            <a:endParaRPr lang="fr-FR" dirty="0"/>
+          </a:p>
+        </p:txBody>
+      </p:sp>
+      <p:pic>
+        <p:nvPicPr>
+          <p:cNvPr id="4" name="Espace réservé du contenu 5">
+            <a:extLst>
+              <a:ext uri="{FF2B5EF4-FFF2-40B4-BE49-F238E27FC236}">
+                <a16:creationId xmlns:a16="http://schemas.microsoft.com/office/drawing/2014/main" id="{7BC6928B-2BC2-43EB-8FD9-8F8709CD1D11}"/>
+              </a:ext>
+            </a:extLst>
+          </p:cNvPr>
+          <p:cNvPicPr>
+            <a:picLocks noChangeAspect="1"/>
+          </p:cNvPicPr>
+          <p:nvPr/>
+        </p:nvPicPr>
+        <p:blipFill rotWithShape="1">
+          <a:blip r:embed="rId2"/>
+          <a:srcRect b="16098"/>
+          <a:stretch/>
+        </p:blipFill>
+        <p:spPr>
+          <a:xfrm>
+            <a:off x="915800" y="1324607"/>
+            <a:ext cx="7312400" cy="2661475"/>
+          </a:xfrm>
+          <a:prstGeom prst="rect">
+            <a:avLst/>
+          </a:prstGeom>
+        </p:spPr>
+      </p:pic>
+    </p:spTree>
+    <p:extLst>
+      <p:ext uri="{BB962C8B-B14F-4D97-AF65-F5344CB8AC3E}">
+        <p14:creationId xmlns:p14="http://schemas.microsoft.com/office/powerpoint/2010/main" val="1440157596"/>
+      </p:ext>
+    </p:extLst>
+  </p:cSld>
+  <p:clrMapOvr>
+    <a:masterClrMapping/>
+  </p:clrMapOvr>
+</p:sld>
+</file>
+
+<file path=ppt/slides/slide9.xml><?xml version="1.0" encoding="utf-8"?>
+<p:sld xmlns:a="http://schemas.openxmlformats.org/drawingml/2006/main" xmlns:r="http://schemas.openxmlformats.org/officeDocument/2006/relationships" xmlns:p="http://schemas.openxmlformats.org/presentationml/2006/main">
+  <p:cSld>
+    <p:spTree>
+      <p:nvGrpSpPr>
+        <p:cNvPr id="1" name=""/>
+        <p:cNvGrpSpPr/>
+        <p:nvPr/>
+      </p:nvGrpSpPr>
+      <p:grpSpPr>
+        <a:xfrm>
+          <a:off x="0" y="0"/>
+          <a:ext cx="0" cy="0"/>
+          <a:chOff x="0" y="0"/>
+          <a:chExt cx="0" cy="0"/>
+        </a:xfrm>
+      </p:grpSpPr>
+      <p:sp>
+        <p:nvSpPr>
+          <p:cNvPr id="2" name="Espace réservé du numéro de diapositive 1">
+            <a:extLst>
+              <a:ext uri="{FF2B5EF4-FFF2-40B4-BE49-F238E27FC236}">
+                <a16:creationId xmlns:a16="http://schemas.microsoft.com/office/drawing/2014/main" id="{678E8E17-E069-45B5-83F5-D66C41E5D2A9}"/>
+              </a:ext>
+            </a:extLst>
+          </p:cNvPr>
+          <p:cNvSpPr>
+            <a:spLocks noGrp="1"/>
+          </p:cNvSpPr>
+          <p:nvPr>
+            <p:ph type="sldNum" sz="quarter" idx="12"/>
+          </p:nvPr>
+        </p:nvSpPr>
+        <p:spPr/>
+        <p:txBody>
+          <a:bodyPr/>
+          <a:lstStyle/>
+          <a:p>
+            <a:fld id="{4FAB73BC-B049-4115-A692-8D63A059BFB8}" type="slidenum">
+              <a:rPr lang="en-US" smtClean="0"/>
+              <a:pPr/>
+              <a:t>9</a:t>
+            </a:fld>
+            <a:endParaRPr lang="en-US" dirty="0"/>
+          </a:p>
+        </p:txBody>
+      </p:sp>
+      <p:sp>
+        <p:nvSpPr>
+          <p:cNvPr id="3" name="Titre 2">
+            <a:extLst>
+              <a:ext uri="{FF2B5EF4-FFF2-40B4-BE49-F238E27FC236}">
+                <a16:creationId xmlns:a16="http://schemas.microsoft.com/office/drawing/2014/main" id="{A76BB3A0-337A-48EE-9A84-787513C5BF4A}"/>
+              </a:ext>
+            </a:extLst>
+          </p:cNvPr>
+          <p:cNvSpPr>
+            <a:spLocks noGrp="1"/>
+          </p:cNvSpPr>
+          <p:nvPr>
+            <p:ph type="title"/>
+          </p:nvPr>
+        </p:nvSpPr>
+        <p:spPr/>
+        <p:txBody>
+          <a:bodyPr/>
+          <a:lstStyle/>
+          <a:p>
+            <a:r>
+              <a:rPr lang="fr-FR" dirty="0"/>
+              <a:t>Énergie liaison ionique</a:t>
+            </a:r>
+          </a:p>
+        </p:txBody>
+      </p:sp>
+      <p:graphicFrame>
+        <p:nvGraphicFramePr>
+          <p:cNvPr id="4" name="Tableau 3">
+            <a:extLst>
+              <a:ext uri="{FF2B5EF4-FFF2-40B4-BE49-F238E27FC236}">
+                <a16:creationId xmlns:a16="http://schemas.microsoft.com/office/drawing/2014/main" id="{C6DAC017-B5DA-4D9D-A2EC-DD10A97DEBA9}"/>
+              </a:ext>
+            </a:extLst>
+          </p:cNvPr>
+          <p:cNvGraphicFramePr>
+            <a:graphicFrameLocks noGrp="1"/>
+          </p:cNvGraphicFramePr>
+          <p:nvPr>
+            <p:extLst>
+              <p:ext uri="{D42A27DB-BD31-4B8C-83A1-F6EECF244321}">
+                <p14:modId xmlns:p14="http://schemas.microsoft.com/office/powerpoint/2010/main" val="4189821004"/>
+              </p:ext>
+            </p:extLst>
+          </p:nvPr>
+        </p:nvGraphicFramePr>
+        <p:xfrm>
+          <a:off x="290842" y="1193114"/>
+          <a:ext cx="8562316" cy="2758859"/>
+        </p:xfrm>
+        <a:graphic>
+          <a:graphicData uri="http://schemas.openxmlformats.org/drawingml/2006/table">
+            <a:tbl>
+              <a:tblPr firstRow="1" bandRow="1">
+                <a:tableStyleId>{21E4AEA4-8DFA-4A89-87EB-49C32662AFE0}</a:tableStyleId>
+              </a:tblPr>
+              <a:tblGrid>
+                <a:gridCol w="2140579">
+                  <a:extLst>
+                    <a:ext uri="{9D8B030D-6E8A-4147-A177-3AD203B41FA5}">
+                      <a16:colId xmlns:a16="http://schemas.microsoft.com/office/drawing/2014/main" val="20000"/>
+                    </a:ext>
+                  </a:extLst>
+                </a:gridCol>
+                <a:gridCol w="2140579">
+                  <a:extLst>
+                    <a:ext uri="{9D8B030D-6E8A-4147-A177-3AD203B41FA5}">
+                      <a16:colId xmlns:a16="http://schemas.microsoft.com/office/drawing/2014/main" val="20001"/>
+                    </a:ext>
+                  </a:extLst>
+                </a:gridCol>
+                <a:gridCol w="2140579">
+                  <a:extLst>
+                    <a:ext uri="{9D8B030D-6E8A-4147-A177-3AD203B41FA5}">
+                      <a16:colId xmlns:a16="http://schemas.microsoft.com/office/drawing/2014/main" val="20002"/>
+                    </a:ext>
+                  </a:extLst>
+                </a:gridCol>
+                <a:gridCol w="2140579">
+                  <a:extLst>
+                    <a:ext uri="{9D8B030D-6E8A-4147-A177-3AD203B41FA5}">
+                      <a16:colId xmlns:a16="http://schemas.microsoft.com/office/drawing/2014/main" val="20003"/>
+                    </a:ext>
+                  </a:extLst>
+                </a:gridCol>
+              </a:tblGrid>
+              <a:tr h="692144">
+                <a:tc gridSpan="2">
+                  <a:txBody>
+                    <a:bodyPr/>
+                    <a:lstStyle/>
+                    <a:p>
+                      <a:pPr algn="ctr"/>
+                      <a:r>
+                        <a:rPr lang="fr-FR" sz="2400" dirty="0"/>
+                        <a:t>Type de liaison</a:t>
+                      </a:r>
+                    </a:p>
+                  </a:txBody>
+                  <a:tcPr anchor="ctr"/>
+                </a:tc>
+                <a:tc hMerge="1">
+                  <a:txBody>
+                    <a:bodyPr/>
+                    <a:lstStyle/>
+                    <a:p>
+                      <a:endParaRPr lang="fr-FR" dirty="0"/>
+                    </a:p>
+                  </a:txBody>
+                  <a:tcPr/>
+                </a:tc>
+                <a:tc>
+                  <a:txBody>
+                    <a:bodyPr/>
+                    <a:lstStyle/>
+                    <a:p>
+                      <a:pPr algn="ctr"/>
+                      <a:r>
+                        <a:rPr lang="fr-FR" sz="2400" dirty="0"/>
+                        <a:t>Exemple</a:t>
+                      </a:r>
+                    </a:p>
+                  </a:txBody>
+                  <a:tcPr anchor="ctr"/>
+                </a:tc>
+                <a:tc>
+                  <a:txBody>
+                    <a:bodyPr/>
+                    <a:lstStyle/>
+                    <a:p>
+                      <a:pPr algn="ctr"/>
+                      <a:r>
+                        <a:rPr lang="fr-FR" sz="2400" dirty="0"/>
+                        <a:t>Énergie typique</a:t>
+                      </a:r>
+                    </a:p>
+                  </a:txBody>
+                  <a:tcPr anchor="ctr"/>
+                </a:tc>
+                <a:extLst>
+                  <a:ext uri="{0D108BD9-81ED-4DB2-BD59-A6C34878D82A}">
+                    <a16:rowId xmlns:a16="http://schemas.microsoft.com/office/drawing/2014/main" val="10000"/>
+                  </a:ext>
+                </a:extLst>
+              </a:tr>
+              <a:tr h="424290">
+                <a:tc rowSpan="3">
+                  <a:txBody>
+                    <a:bodyPr/>
+                    <a:lstStyle/>
+                    <a:p>
+                      <a:pPr algn="ctr"/>
+                      <a:r>
+                        <a:rPr lang="fr-FR" sz="2400" dirty="0"/>
+                        <a:t>Liaison covalente</a:t>
+                      </a:r>
+                    </a:p>
+                  </a:txBody>
+                  <a:tcPr anchor="ctr"/>
+                </a:tc>
+                <a:tc>
+                  <a:txBody>
+                    <a:bodyPr/>
+                    <a:lstStyle/>
+                    <a:p>
+                      <a:pPr algn="ctr"/>
+                      <a:r>
+                        <a:rPr lang="fr-FR" sz="2400" dirty="0"/>
+                        <a:t>Liaison simple</a:t>
+                      </a:r>
+                    </a:p>
+                  </a:txBody>
+                  <a:tcPr anchor="ctr"/>
+                </a:tc>
+                <a:tc>
+                  <a:txBody>
+                    <a:bodyPr/>
+                    <a:lstStyle/>
+                    <a:p>
+                      <a:pPr marL="0" marR="0" lvl="0" indent="0" algn="ctr" defTabSz="685800" rtl="0" eaLnBrk="1" fontAlgn="auto" latinLnBrk="0" hangingPunct="1">
+                        <a:lnSpc>
+                          <a:spcPct val="100000"/>
+                        </a:lnSpc>
+                        <a:spcBef>
+                          <a:spcPts val="0"/>
+                        </a:spcBef>
+                        <a:spcAft>
+                          <a:spcPts val="0"/>
+                        </a:spcAft>
+                        <a:buClrTx/>
+                        <a:buSzTx/>
+                        <a:buFontTx/>
+                        <a:buNone/>
+                        <a:tabLst/>
+                        <a:defRPr/>
+                      </a:pPr>
+                      <a:r>
+                        <a:rPr lang="fr-FR" sz="1800" b="1" dirty="0">
+                          <a:latin typeface="+mj-lt"/>
+                        </a:rPr>
+                        <a:t>C — C  </a:t>
+                      </a:r>
+                      <a:endParaRPr lang="fr-FR" sz="1600" b="1" dirty="0">
+                        <a:latin typeface="+mj-lt"/>
+                      </a:endParaRPr>
+                    </a:p>
+                  </a:txBody>
+                  <a:tcPr anchor="ctr"/>
+                </a:tc>
+                <a:tc>
+                  <a:txBody>
+                    <a:bodyPr/>
+                    <a:lstStyle/>
+                    <a:p>
+                      <a:pPr algn="ctr"/>
+                      <a:r>
+                        <a:rPr lang="fr-FR" dirty="0"/>
+                        <a:t> </a:t>
+                      </a:r>
+                      <a:r>
+                        <a:rPr lang="fr-FR" sz="1800" b="1" kern="1200" dirty="0">
+                          <a:solidFill>
+                            <a:schemeClr val="dk1"/>
+                          </a:solidFill>
+                          <a:latin typeface="+mj-lt"/>
+                          <a:ea typeface="+mn-ea"/>
+                          <a:cs typeface="+mn-cs"/>
+                        </a:rPr>
+                        <a:t>300 kJ/mol</a:t>
+                      </a:r>
+                    </a:p>
+                  </a:txBody>
+                  <a:tcPr anchor="ctr"/>
+                </a:tc>
+                <a:extLst>
+                  <a:ext uri="{0D108BD9-81ED-4DB2-BD59-A6C34878D82A}">
+                    <a16:rowId xmlns:a16="http://schemas.microsoft.com/office/drawing/2014/main" val="10001"/>
+                  </a:ext>
+                </a:extLst>
+              </a:tr>
+              <a:tr h="564299">
+                <a:tc vMerge="1">
+                  <a:txBody>
+                    <a:bodyPr/>
+                    <a:lstStyle/>
+                    <a:p>
+                      <a:endParaRPr lang="fr-FR" dirty="0"/>
+                    </a:p>
+                  </a:txBody>
+                  <a:tcPr/>
+                </a:tc>
+                <a:tc>
+                  <a:txBody>
+                    <a:bodyPr/>
+                    <a:lstStyle/>
+                    <a:p>
+                      <a:pPr algn="ctr"/>
+                      <a:r>
+                        <a:rPr lang="fr-FR" sz="2400" dirty="0"/>
+                        <a:t>Liaison double</a:t>
+                      </a:r>
+                    </a:p>
+                  </a:txBody>
+                  <a:tcPr anchor="ctr"/>
+                </a:tc>
+                <a:tc>
+                  <a:txBody>
+                    <a:bodyPr/>
+                    <a:lstStyle/>
+                    <a:p>
+                      <a:pPr algn="ctr"/>
+                      <a:r>
+                        <a:rPr lang="fr-FR" sz="1800" b="1" kern="1200" dirty="0">
+                          <a:solidFill>
+                            <a:schemeClr val="dk1"/>
+                          </a:solidFill>
+                          <a:latin typeface="+mj-lt"/>
+                          <a:ea typeface="+mn-ea"/>
+                          <a:cs typeface="+mn-cs"/>
+                        </a:rPr>
+                        <a:t> C = O</a:t>
+                      </a:r>
+                    </a:p>
+                  </a:txBody>
+                  <a:tcPr anchor="ctr"/>
+                </a:tc>
+                <a:tc>
+                  <a:txBody>
+                    <a:bodyPr/>
+                    <a:lstStyle/>
+                    <a:p>
+                      <a:pPr marL="0" marR="0" lvl="0" indent="0" algn="ctr" defTabSz="685800" rtl="0" eaLnBrk="1" fontAlgn="auto" latinLnBrk="0" hangingPunct="1">
+                        <a:lnSpc>
+                          <a:spcPct val="100000"/>
+                        </a:lnSpc>
+                        <a:spcBef>
+                          <a:spcPts val="0"/>
+                        </a:spcBef>
+                        <a:spcAft>
+                          <a:spcPts val="0"/>
+                        </a:spcAft>
+                        <a:buClrTx/>
+                        <a:buSzTx/>
+                        <a:buFontTx/>
+                        <a:buNone/>
+                        <a:tabLst/>
+                        <a:defRPr/>
+                      </a:pPr>
+                      <a:r>
+                        <a:rPr lang="fr-FR" sz="1800" b="1" kern="1200" dirty="0">
+                          <a:solidFill>
+                            <a:schemeClr val="dk1"/>
+                          </a:solidFill>
+                          <a:latin typeface="+mj-lt"/>
+                          <a:ea typeface="+mn-ea"/>
+                          <a:cs typeface="+mn-cs"/>
+                        </a:rPr>
+                        <a:t> 600 kJ/mol</a:t>
+                      </a:r>
+                    </a:p>
+                  </a:txBody>
+                  <a:tcPr anchor="ctr"/>
+                </a:tc>
+                <a:extLst>
+                  <a:ext uri="{0D108BD9-81ED-4DB2-BD59-A6C34878D82A}">
+                    <a16:rowId xmlns:a16="http://schemas.microsoft.com/office/drawing/2014/main" val="10002"/>
+                  </a:ext>
+                </a:extLst>
+              </a:tr>
+              <a:tr h="384525">
+                <a:tc vMerge="1">
+                  <a:txBody>
+                    <a:bodyPr/>
+                    <a:lstStyle/>
+                    <a:p>
+                      <a:endParaRPr lang="fr-FR" dirty="0"/>
+                    </a:p>
+                  </a:txBody>
+                  <a:tcPr/>
+                </a:tc>
+                <a:tc>
+                  <a:txBody>
+                    <a:bodyPr/>
+                    <a:lstStyle/>
+                    <a:p>
+                      <a:pPr algn="ctr"/>
+                      <a:r>
+                        <a:rPr lang="fr-FR" sz="2400" dirty="0"/>
+                        <a:t>Liaison triple</a:t>
+                      </a:r>
+                    </a:p>
+                  </a:txBody>
+                  <a:tcPr anchor="ctr"/>
+                </a:tc>
+                <a:tc>
+                  <a:txBody>
+                    <a:bodyPr/>
+                    <a:lstStyle/>
+                    <a:p>
+                      <a:pPr algn="ctr"/>
+                      <a:r>
+                        <a:rPr lang="fr-FR" sz="1800" b="1" kern="1200" dirty="0">
+                          <a:solidFill>
+                            <a:schemeClr val="dk1"/>
+                          </a:solidFill>
+                          <a:latin typeface="+mj-lt"/>
+                          <a:ea typeface="+mn-ea"/>
+                          <a:cs typeface="+mn-cs"/>
+                        </a:rPr>
+                        <a:t>N ≡ N</a:t>
+                      </a:r>
+                    </a:p>
+                  </a:txBody>
+                  <a:tcPr anchor="ctr"/>
+                </a:tc>
+                <a:tc>
+                  <a:txBody>
+                    <a:bodyPr/>
+                    <a:lstStyle/>
+                    <a:p>
+                      <a:pPr marL="0" marR="0" lvl="0" indent="0" algn="ctr" defTabSz="685800" rtl="0" eaLnBrk="1" fontAlgn="auto" latinLnBrk="0" hangingPunct="1">
+                        <a:lnSpc>
+                          <a:spcPct val="100000"/>
+                        </a:lnSpc>
+                        <a:spcBef>
+                          <a:spcPts val="0"/>
+                        </a:spcBef>
+                        <a:spcAft>
+                          <a:spcPts val="0"/>
+                        </a:spcAft>
+                        <a:buClrTx/>
+                        <a:buSzTx/>
+                        <a:buFontTx/>
+                        <a:buNone/>
+                        <a:tabLst/>
+                        <a:defRPr/>
+                      </a:pPr>
+                      <a:r>
+                        <a:rPr lang="fr-FR" sz="1800" dirty="0">
+                          <a:latin typeface="+mj-lt"/>
+                        </a:rPr>
+                        <a:t> </a:t>
+                      </a:r>
+                      <a:r>
+                        <a:rPr lang="fr-FR" sz="1800" b="1" kern="1200" dirty="0">
+                          <a:solidFill>
+                            <a:schemeClr val="dk1"/>
+                          </a:solidFill>
+                          <a:latin typeface="+mj-lt"/>
+                          <a:ea typeface="+mn-ea"/>
+                          <a:cs typeface="+mn-cs"/>
+                        </a:rPr>
+                        <a:t>900 kJ/mol</a:t>
+                      </a:r>
+                    </a:p>
+                  </a:txBody>
+                  <a:tcPr anchor="ctr"/>
+                </a:tc>
+                <a:extLst>
+                  <a:ext uri="{0D108BD9-81ED-4DB2-BD59-A6C34878D82A}">
+                    <a16:rowId xmlns:a16="http://schemas.microsoft.com/office/drawing/2014/main" val="10003"/>
+                  </a:ext>
+                </a:extLst>
+              </a:tr>
+              <a:tr h="384525">
+                <a:tc gridSpan="2">
+                  <a:txBody>
+                    <a:bodyPr/>
+                    <a:lstStyle/>
+                    <a:p>
+                      <a:pPr algn="ctr"/>
+                      <a:r>
+                        <a:rPr lang="fr-FR" sz="2400" dirty="0"/>
+                        <a:t>Liaison ionique</a:t>
+                      </a:r>
+                    </a:p>
+                  </a:txBody>
+                  <a:tcPr anchor="ctr"/>
+                </a:tc>
+                <a:tc hMerge="1">
+                  <a:txBody>
+                    <a:bodyPr/>
+                    <a:lstStyle/>
+                    <a:p>
+                      <a:pPr algn="ctr"/>
+                      <a:endParaRPr lang="fr-FR" sz="2400" dirty="0"/>
+                    </a:p>
+                  </a:txBody>
+                  <a:tcPr anchor="ctr"/>
+                </a:tc>
+                <a:tc>
+                  <a:txBody>
+                    <a:bodyPr/>
+                    <a:lstStyle/>
+                    <a:p>
+                      <a:pPr algn="ctr"/>
+                      <a:r>
+                        <a:rPr lang="fr-FR" sz="1800" b="1" kern="1200" dirty="0" err="1">
+                          <a:solidFill>
+                            <a:schemeClr val="dk1"/>
+                          </a:solidFill>
+                          <a:latin typeface="+mj-lt"/>
+                          <a:ea typeface="+mn-ea"/>
+                          <a:cs typeface="+mn-cs"/>
+                        </a:rPr>
+                        <a:t>NaCl</a:t>
+                      </a:r>
+                      <a:endParaRPr lang="fr-FR" sz="1800" b="1" kern="1200" dirty="0">
+                        <a:solidFill>
+                          <a:schemeClr val="dk1"/>
+                        </a:solidFill>
+                        <a:latin typeface="+mj-lt"/>
+                        <a:ea typeface="+mn-ea"/>
+                        <a:cs typeface="+mn-cs"/>
+                      </a:endParaRPr>
+                    </a:p>
+                  </a:txBody>
+                  <a:tcPr anchor="ctr"/>
+                </a:tc>
+                <a:tc>
+                  <a:txBody>
+                    <a:bodyPr/>
+                    <a:lstStyle/>
+                    <a:p>
+                      <a:pPr marL="0" marR="0" lvl="0" indent="0" algn="ctr" defTabSz="685800" rtl="0" eaLnBrk="1" fontAlgn="auto" latinLnBrk="0" hangingPunct="1">
+                        <a:lnSpc>
+                          <a:spcPct val="100000"/>
+                        </a:lnSpc>
+                        <a:spcBef>
+                          <a:spcPts val="0"/>
+                        </a:spcBef>
+                        <a:spcAft>
+                          <a:spcPts val="0"/>
+                        </a:spcAft>
+                        <a:buClrTx/>
+                        <a:buSzTx/>
+                        <a:buFontTx/>
+                        <a:buNone/>
+                        <a:tabLst/>
+                        <a:defRPr/>
+                      </a:pPr>
+                      <a:r>
+                        <a:rPr lang="fr-FR" sz="1800" b="1" kern="1200" dirty="0">
+                          <a:solidFill>
+                            <a:schemeClr val="dk1"/>
+                          </a:solidFill>
+                          <a:latin typeface="+mj-lt"/>
+                          <a:ea typeface="+mn-ea"/>
+                          <a:cs typeface="+mn-cs"/>
+                        </a:rPr>
+                        <a:t>700 – 100 kJ/mol</a:t>
+                      </a:r>
+                    </a:p>
+                  </a:txBody>
+                  <a:tcPr anchor="ctr"/>
+                </a:tc>
+                <a:extLst>
+                  <a:ext uri="{0D108BD9-81ED-4DB2-BD59-A6C34878D82A}">
+                    <a16:rowId xmlns:a16="http://schemas.microsoft.com/office/drawing/2014/main" val="4100988078"/>
+                  </a:ext>
+                </a:extLst>
+              </a:tr>
+            </a:tbl>
+          </a:graphicData>
+        </a:graphic>
+      </p:graphicFrame>
+    </p:spTree>
+    <p:extLst>
+      <p:ext uri="{BB962C8B-B14F-4D97-AF65-F5344CB8AC3E}">
+        <p14:creationId xmlns:p14="http://schemas.microsoft.com/office/powerpoint/2010/main" val="4082343377"/>
       </p:ext>
     </p:extLst>
   </p:cSld>

--- a/LC/LC 14 Liaisons chimique (lycée)/LC 14 diapo.pptx
+++ b/LC/LC 14 Liaisons chimique (lycée)/LC 14 diapo.pptx
@@ -214,7 +214,7 @@
           <a:p>
             <a:fld id="{E92782F5-A916-4653-9283-0B21DAE59FD2}" type="datetimeFigureOut">
               <a:rPr lang="fr-FR" smtClean="0"/>
-              <a:t>2020-04-23</a:t>
+              <a:t>2020-05-06</a:t>
             </a:fld>
             <a:endParaRPr lang="fr-FR"/>
           </a:p>
@@ -7868,6 +7868,117 @@
           </a:p>
         </p:txBody>
       </p:sp>
+      <p:cxnSp>
+        <p:nvCxnSpPr>
+          <p:cNvPr id="5" name="Connecteur droit avec flèche 4">
+            <a:extLst>
+              <a:ext uri="{FF2B5EF4-FFF2-40B4-BE49-F238E27FC236}">
+                <a16:creationId xmlns:a16="http://schemas.microsoft.com/office/drawing/2014/main" id="{4AFACA08-65F0-4682-9636-6769E27E0FAA}"/>
+              </a:ext>
+            </a:extLst>
+          </p:cNvPr>
+          <p:cNvCxnSpPr>
+            <a:cxnSpLocks/>
+          </p:cNvCxnSpPr>
+          <p:nvPr/>
+        </p:nvCxnSpPr>
+        <p:spPr>
+          <a:xfrm>
+            <a:off x="4210493" y="1626781"/>
+            <a:ext cx="925033" cy="0"/>
+          </a:xfrm>
+          <a:prstGeom prst="straightConnector1">
+            <a:avLst/>
+          </a:prstGeom>
+          <a:ln w="28575">
+            <a:tailEnd type="triangle"/>
+          </a:ln>
+        </p:spPr>
+        <p:style>
+          <a:lnRef idx="1">
+            <a:schemeClr val="dk1"/>
+          </a:lnRef>
+          <a:fillRef idx="0">
+            <a:schemeClr val="dk1"/>
+          </a:fillRef>
+          <a:effectRef idx="0">
+            <a:schemeClr val="dk1"/>
+          </a:effectRef>
+          <a:fontRef idx="minor">
+            <a:schemeClr val="tx1"/>
+          </a:fontRef>
+        </p:style>
+      </p:cxnSp>
+      <p:sp>
+        <p:nvSpPr>
+          <p:cNvPr id="23" name="ZoneTexte 22">
+            <a:extLst>
+              <a:ext uri="{FF2B5EF4-FFF2-40B4-BE49-F238E27FC236}">
+                <a16:creationId xmlns:a16="http://schemas.microsoft.com/office/drawing/2014/main" id="{6A0ACE59-119A-487F-9849-9DE24F7B35DF}"/>
+              </a:ext>
+            </a:extLst>
+          </p:cNvPr>
+          <p:cNvSpPr txBox="1"/>
+          <p:nvPr/>
+        </p:nvSpPr>
+        <p:spPr>
+          <a:xfrm>
+            <a:off x="1786893" y="1377387"/>
+            <a:ext cx="398393" cy="584775"/>
+          </a:xfrm>
+          <a:prstGeom prst="rect">
+            <a:avLst/>
+          </a:prstGeom>
+          <a:noFill/>
+        </p:spPr>
+        <p:txBody>
+          <a:bodyPr wrap="square" rtlCol="0">
+            <a:spAutoFit/>
+          </a:bodyPr>
+          <a:lstStyle/>
+          <a:p>
+            <a:r>
+              <a:rPr lang="fr-FR" sz="3200" dirty="0"/>
+              <a:t>+</a:t>
+            </a:r>
+          </a:p>
+        </p:txBody>
+      </p:sp>
+      <p:sp>
+        <p:nvSpPr>
+          <p:cNvPr id="24" name="ZoneTexte 23">
+            <a:extLst>
+              <a:ext uri="{FF2B5EF4-FFF2-40B4-BE49-F238E27FC236}">
+                <a16:creationId xmlns:a16="http://schemas.microsoft.com/office/drawing/2014/main" id="{E6AA66D6-6921-4949-BA60-D95624DD1557}"/>
+              </a:ext>
+            </a:extLst>
+          </p:cNvPr>
+          <p:cNvSpPr txBox="1"/>
+          <p:nvPr/>
+        </p:nvSpPr>
+        <p:spPr>
+          <a:xfrm>
+            <a:off x="7366493" y="1487764"/>
+            <a:ext cx="398393" cy="584775"/>
+          </a:xfrm>
+          <a:prstGeom prst="rect">
+            <a:avLst/>
+          </a:prstGeom>
+          <a:noFill/>
+        </p:spPr>
+        <p:txBody>
+          <a:bodyPr wrap="square" rtlCol="0">
+            <a:spAutoFit/>
+          </a:bodyPr>
+          <a:lstStyle/>
+          <a:p>
+            <a:r>
+              <a:rPr lang="fr-FR" sz="3200" dirty="0"/>
+              <a:t>+</a:t>
+            </a:r>
+          </a:p>
+        </p:txBody>
+      </p:sp>
     </p:spTree>
     <p:extLst>
       <p:ext uri="{BB962C8B-B14F-4D97-AF65-F5344CB8AC3E}">
